--- a/doc/Flips_blockchain2.pptx
+++ b/doc/Flips_blockchain2.pptx
@@ -36,29 +36,7 @@
       </p:grpSpPr>
       <p:sp>
         <p:nvSpPr>
-          <p:cNvPr id="39" name="Rectangle 1"/>
-          <p:cNvSpPr/>
-          <p:nvPr/>
-        </p:nvSpPr>
-        <p:spPr>
-          <a:xfrm>
-            <a:off x="0" y="0"/>
-            <a:ext cx="7560000" cy="10692000"/>
-          </a:xfrm>
-          <a:prstGeom prst="rect">
-            <a:avLst/>
-          </a:prstGeom>
-          <a:solidFill>
-            <a:srgbClr val="ffffff"/>
-          </a:solidFill>
-          <a:ln w="9360">
-            <a:noFill/>
-          </a:ln>
-        </p:spPr>
-      </p:sp>
-      <p:sp>
-        <p:nvSpPr>
-          <p:cNvPr id="40" name="PlaceHolder 2"/>
+          <p:cNvPr id="36" name="PlaceHolder 1"/>
           <p:cNvSpPr>
             <a:spLocks noGrp="1"/>
           </p:cNvSpPr>
@@ -68,8 +46,8 @@
         </p:nvSpPr>
         <p:spPr>
           <a:xfrm>
-            <a:off x="755280" y="5078160"/>
-            <a:ext cx="6046920" cy="4809960"/>
+            <a:off x="756000" y="5078520"/>
+            <a:ext cx="6047640" cy="4811040"/>
           </a:xfrm>
           <a:prstGeom prst="rect">
             <a:avLst/>
@@ -79,36 +57,36 @@
           <a:bodyPr lIns="0" rIns="0" tIns="0" bIns="0"/>
           <a:p>
             <a:r>
-              <a:rPr b="0" lang="en-US" sz="1200" spc="-1" strike="noStrike">
-                <a:solidFill>
-                  <a:srgbClr val="000000"/>
-                </a:solidFill>
-                <a:uFill>
-                  <a:solidFill>
-                    <a:srgbClr val="ffffff"/>
-                  </a:solidFill>
-                </a:uFill>
-                <a:latin typeface="Times New Roman"/>
+              <a:rPr b="0" lang="en-US" sz="2000" spc="-1" strike="noStrike">
+                <a:solidFill>
+                  <a:srgbClr val="000000"/>
+                </a:solidFill>
+                <a:uFill>
+                  <a:solidFill>
+                    <a:srgbClr val="ffffff"/>
+                  </a:solidFill>
+                </a:uFill>
+                <a:latin typeface="Arial"/>
               </a:rPr>
               <a:t>Click to edit the notes format</a:t>
             </a:r>
-            <a:endParaRPr b="0" lang="en-US" sz="1200" spc="-1" strike="noStrike">
-              <a:solidFill>
-                <a:srgbClr val="000000"/>
-              </a:solidFill>
-              <a:uFill>
-                <a:solidFill>
-                  <a:srgbClr val="ffffff"/>
-                </a:solidFill>
-              </a:uFill>
-              <a:latin typeface="Times New Roman"/>
+            <a:endParaRPr b="0" lang="en-US" sz="2000" spc="-1" strike="noStrike">
+              <a:solidFill>
+                <a:srgbClr val="000000"/>
+              </a:solidFill>
+              <a:uFill>
+                <a:solidFill>
+                  <a:srgbClr val="ffffff"/>
+                </a:solidFill>
+              </a:uFill>
+              <a:latin typeface="Arial"/>
             </a:endParaRPr>
           </a:p>
         </p:txBody>
       </p:sp>
       <p:sp>
         <p:nvSpPr>
-          <p:cNvPr id="41" name="PlaceHolder 3"/>
+          <p:cNvPr id="37" name="PlaceHolder 2"/>
           <p:cNvSpPr>
             <a:spLocks noGrp="1"/>
           </p:cNvSpPr>
@@ -119,7 +97,7 @@
         <p:spPr>
           <a:xfrm>
             <a:off x="0" y="0"/>
-            <a:ext cx="3279600" cy="533520"/>
+            <a:ext cx="3280680" cy="534240"/>
           </a:xfrm>
           <a:prstGeom prst="rect">
             <a:avLst/>
@@ -128,11 +106,6 @@
         <p:txBody>
           <a:bodyPr lIns="0" rIns="0" tIns="0" bIns="0"/>
           <a:p>
-            <a:pPr>
-              <a:lnSpc>
-                <a:spcPct val="93000"/>
-              </a:lnSpc>
-            </a:pPr>
             <a:r>
               <a:rPr b="0" lang="en-US" sz="1400" spc="-1" strike="noStrike">
                 <a:solidFill>
@@ -147,23 +120,23 @@
               </a:rPr>
               <a:t>&lt;header&gt;</a:t>
             </a:r>
-            <a:endParaRPr b="0" lang="en-US" sz="1800" spc="-1" strike="noStrike">
-              <a:solidFill>
-                <a:srgbClr val="000000"/>
-              </a:solidFill>
-              <a:uFill>
-                <a:solidFill>
-                  <a:srgbClr val="ffffff"/>
-                </a:solidFill>
-              </a:uFill>
-              <a:latin typeface="Arial"/>
+            <a:endParaRPr b="0" lang="en-US" sz="1400" spc="-1" strike="noStrike">
+              <a:solidFill>
+                <a:srgbClr val="000000"/>
+              </a:solidFill>
+              <a:uFill>
+                <a:solidFill>
+                  <a:srgbClr val="ffffff"/>
+                </a:solidFill>
+              </a:uFill>
+              <a:latin typeface="Times New Roman"/>
             </a:endParaRPr>
           </a:p>
         </p:txBody>
       </p:sp>
       <p:sp>
         <p:nvSpPr>
-          <p:cNvPr id="42" name="PlaceHolder 4"/>
+          <p:cNvPr id="38" name="PlaceHolder 3"/>
           <p:cNvSpPr>
             <a:spLocks noGrp="1"/>
           </p:cNvSpPr>
@@ -173,8 +146,8 @@
         </p:nvSpPr>
         <p:spPr>
           <a:xfrm>
-            <a:off x="4277880" y="0"/>
-            <a:ext cx="3279960" cy="533520"/>
+            <a:off x="4278960" y="0"/>
+            <a:ext cx="3280680" cy="534240"/>
           </a:xfrm>
           <a:prstGeom prst="rect">
             <a:avLst/>
@@ -183,11 +156,7 @@
         <p:txBody>
           <a:bodyPr lIns="0" rIns="0" tIns="0" bIns="0"/>
           <a:p>
-            <a:pPr algn="r">
-              <a:lnSpc>
-                <a:spcPct val="93000"/>
-              </a:lnSpc>
-            </a:pPr>
+            <a:pPr algn="r"/>
             <a:r>
               <a:rPr b="0" lang="en-US" sz="1400" spc="-1" strike="noStrike">
                 <a:solidFill>
@@ -202,23 +171,23 @@
               </a:rPr>
               <a:t>&lt;date/time&gt;</a:t>
             </a:r>
-            <a:endParaRPr b="0" lang="en-US" sz="1800" spc="-1" strike="noStrike">
-              <a:solidFill>
-                <a:srgbClr val="000000"/>
-              </a:solidFill>
-              <a:uFill>
-                <a:solidFill>
-                  <a:srgbClr val="ffffff"/>
-                </a:solidFill>
-              </a:uFill>
-              <a:latin typeface="Arial"/>
+            <a:endParaRPr b="0" lang="en-US" sz="1400" spc="-1" strike="noStrike">
+              <a:solidFill>
+                <a:srgbClr val="000000"/>
+              </a:solidFill>
+              <a:uFill>
+                <a:solidFill>
+                  <a:srgbClr val="ffffff"/>
+                </a:solidFill>
+              </a:uFill>
+              <a:latin typeface="Times New Roman"/>
             </a:endParaRPr>
           </a:p>
         </p:txBody>
       </p:sp>
       <p:sp>
         <p:nvSpPr>
-          <p:cNvPr id="43" name="PlaceHolder 5"/>
+          <p:cNvPr id="39" name="PlaceHolder 4"/>
           <p:cNvSpPr>
             <a:spLocks noGrp="1"/>
           </p:cNvSpPr>
@@ -228,8 +197,8 @@
         </p:nvSpPr>
         <p:spPr>
           <a:xfrm>
-            <a:off x="0" y="10156680"/>
-            <a:ext cx="3279600" cy="533520"/>
+            <a:off x="0" y="10157400"/>
+            <a:ext cx="3280680" cy="534240"/>
           </a:xfrm>
           <a:prstGeom prst="rect">
             <a:avLst/>
@@ -238,11 +207,6 @@
         <p:txBody>
           <a:bodyPr lIns="0" rIns="0" tIns="0" bIns="0" anchor="b"/>
           <a:p>
-            <a:pPr>
-              <a:lnSpc>
-                <a:spcPct val="93000"/>
-              </a:lnSpc>
-            </a:pPr>
             <a:r>
               <a:rPr b="0" lang="en-US" sz="1400" spc="-1" strike="noStrike">
                 <a:solidFill>
@@ -257,23 +221,23 @@
               </a:rPr>
               <a:t>&lt;footer&gt;</a:t>
             </a:r>
-            <a:endParaRPr b="0" lang="en-US" sz="1800" spc="-1" strike="noStrike">
-              <a:solidFill>
-                <a:srgbClr val="000000"/>
-              </a:solidFill>
-              <a:uFill>
-                <a:solidFill>
-                  <a:srgbClr val="ffffff"/>
-                </a:solidFill>
-              </a:uFill>
-              <a:latin typeface="Arial"/>
+            <a:endParaRPr b="0" lang="en-US" sz="1400" spc="-1" strike="noStrike">
+              <a:solidFill>
+                <a:srgbClr val="000000"/>
+              </a:solidFill>
+              <a:uFill>
+                <a:solidFill>
+                  <a:srgbClr val="ffffff"/>
+                </a:solidFill>
+              </a:uFill>
+              <a:latin typeface="Times New Roman"/>
             </a:endParaRPr>
           </a:p>
         </p:txBody>
       </p:sp>
       <p:sp>
         <p:nvSpPr>
-          <p:cNvPr id="44" name="PlaceHolder 6"/>
+          <p:cNvPr id="40" name="PlaceHolder 5"/>
           <p:cNvSpPr>
             <a:spLocks noGrp="1"/>
           </p:cNvSpPr>
@@ -283,8 +247,8 @@
         </p:nvSpPr>
         <p:spPr>
           <a:xfrm>
-            <a:off x="4277880" y="10156680"/>
-            <a:ext cx="3279960" cy="533520"/>
+            <a:off x="4278960" y="10157400"/>
+            <a:ext cx="3280680" cy="534240"/>
           </a:xfrm>
           <a:prstGeom prst="rect">
             <a:avLst/>
@@ -293,12 +257,8 @@
         <p:txBody>
           <a:bodyPr lIns="0" rIns="0" tIns="0" bIns="0" anchor="b"/>
           <a:p>
-            <a:pPr algn="r">
-              <a:lnSpc>
-                <a:spcPct val="93000"/>
-              </a:lnSpc>
-            </a:pPr>
-            <a:fld id="{C383CFC2-7262-4FFC-8042-BEEA07934A05}" type="slidenum">
+            <a:pPr algn="r"/>
+            <a:fld id="{88F4F2CB-EF48-4863-9B02-18FAD7C24D70}" type="slidenum">
               <a:rPr b="0" lang="en-US" sz="1400" spc="-1" strike="noStrike">
                 <a:solidFill>
                   <a:srgbClr val="000000"/>
@@ -312,16 +272,16 @@
               </a:rPr>
               <a:t>&lt;number&gt;</a:t>
             </a:fld>
-            <a:endParaRPr b="0" lang="en-US" sz="1800" spc="-1" strike="noStrike">
-              <a:solidFill>
-                <a:srgbClr val="000000"/>
-              </a:solidFill>
-              <a:uFill>
-                <a:solidFill>
-                  <a:srgbClr val="ffffff"/>
-                </a:solidFill>
-              </a:uFill>
-              <a:latin typeface="Arial"/>
+            <a:endParaRPr b="0" lang="en-US" sz="1400" spc="-1" strike="noStrike">
+              <a:solidFill>
+                <a:srgbClr val="000000"/>
+              </a:solidFill>
+              <a:uFill>
+                <a:solidFill>
+                  <a:srgbClr val="ffffff"/>
+                </a:solidFill>
+              </a:uFill>
+              <a:latin typeface="Times New Roman"/>
             </a:endParaRPr>
           </a:p>
         </p:txBody>
@@ -351,14 +311,14 @@
       </p:grpSpPr>
       <p:sp>
         <p:nvSpPr>
-          <p:cNvPr id="75" name="TextShape 1"/>
-          <p:cNvSpPr txBox="1"/>
+          <p:cNvPr id="71" name="CustomShape 1"/>
+          <p:cNvSpPr/>
           <p:nvPr/>
         </p:nvSpPr>
         <p:spPr>
           <a:xfrm>
             <a:off x="755280" y="5078520"/>
-            <a:ext cx="6048360" cy="4811760"/>
+            <a:ext cx="6048000" cy="4811400"/>
           </a:xfrm>
           <a:prstGeom prst="rect">
             <a:avLst/>
@@ -368,6 +328,12 @@
             <a:noFill/>
           </a:ln>
         </p:spPr>
+        <p:style>
+          <a:lnRef idx="0"/>
+          <a:fillRef idx="0"/>
+          <a:effectRef idx="0"/>
+          <a:fontRef idx="minor"/>
+        </p:style>
       </p:sp>
     </p:spTree>
   </p:cSld>
@@ -393,14 +359,14 @@
       </p:grpSpPr>
       <p:sp>
         <p:nvSpPr>
-          <p:cNvPr id="76" name="TextShape 1"/>
-          <p:cNvSpPr txBox="1"/>
+          <p:cNvPr id="72" name="CustomShape 1"/>
+          <p:cNvSpPr/>
           <p:nvPr/>
         </p:nvSpPr>
         <p:spPr>
           <a:xfrm>
             <a:off x="755280" y="5078520"/>
-            <a:ext cx="6048360" cy="4811760"/>
+            <a:ext cx="6048000" cy="4811400"/>
           </a:xfrm>
           <a:prstGeom prst="rect">
             <a:avLst/>
@@ -410,6 +376,12 @@
             <a:noFill/>
           </a:ln>
         </p:spPr>
+        <p:style>
+          <a:lnRef idx="0"/>
+          <a:fillRef idx="0"/>
+          <a:effectRef idx="0"/>
+          <a:fontRef idx="minor"/>
+        </p:style>
       </p:sp>
     </p:spTree>
   </p:cSld>
@@ -435,14 +407,14 @@
       </p:grpSpPr>
       <p:sp>
         <p:nvSpPr>
-          <p:cNvPr id="77" name="TextShape 1"/>
-          <p:cNvSpPr txBox="1"/>
+          <p:cNvPr id="73" name="CustomShape 1"/>
+          <p:cNvSpPr/>
           <p:nvPr/>
         </p:nvSpPr>
         <p:spPr>
           <a:xfrm>
             <a:off x="755280" y="5078520"/>
-            <a:ext cx="6048360" cy="4811760"/>
+            <a:ext cx="6048000" cy="4811400"/>
           </a:xfrm>
           <a:prstGeom prst="rect">
             <a:avLst/>
@@ -452,6 +424,12 @@
             <a:noFill/>
           </a:ln>
         </p:spPr>
+        <p:style>
+          <a:lnRef idx="0"/>
+          <a:fillRef idx="0"/>
+          <a:effectRef idx="0"/>
+          <a:fontRef idx="minor"/>
+        </p:style>
       </p:sp>
     </p:spTree>
   </p:cSld>
@@ -499,7 +477,7 @@
       </p:grpSpPr>
       <p:sp>
         <p:nvSpPr>
-          <p:cNvPr id="26" name="PlaceHolder 1"/>
+          <p:cNvPr id="23" name="PlaceHolder 1"/>
           <p:cNvSpPr>
             <a:spLocks noGrp="1"/>
           </p:cNvSpPr>
@@ -510,7 +488,7 @@
         <p:spPr>
           <a:xfrm>
             <a:off x="502920" y="301320"/>
-            <a:ext cx="9069480" cy="1260360"/>
+            <a:ext cx="9069120" cy="1260000"/>
           </a:xfrm>
           <a:prstGeom prst="rect">
             <a:avLst/>
@@ -536,7 +514,7 @@
       </p:sp>
       <p:sp>
         <p:nvSpPr>
-          <p:cNvPr id="27" name="PlaceHolder 2"/>
+          <p:cNvPr id="24" name="PlaceHolder 2"/>
           <p:cNvSpPr>
             <a:spLocks noGrp="1"/>
           </p:cNvSpPr>
@@ -546,15 +524,15 @@
         </p:nvSpPr>
         <p:spPr>
           <a:xfrm>
-            <a:off x="502920" y="1768320"/>
-            <a:ext cx="9069480" cy="2090520"/>
+            <a:off x="504000" y="1768680"/>
+            <a:ext cx="9072000" cy="2090880"/>
           </a:xfrm>
           <a:prstGeom prst="rect">
             <a:avLst/>
           </a:prstGeom>
         </p:spPr>
         <p:txBody>
-          <a:bodyPr lIns="0" rIns="0" tIns="28440" bIns="0"/>
+          <a:bodyPr lIns="0" rIns="0" tIns="0" bIns="0"/>
           <a:p>
             <a:endParaRPr b="0" lang="en-US" sz="3200" spc="-1" strike="noStrike">
               <a:solidFill>
@@ -572,7 +550,7 @@
       </p:sp>
       <p:sp>
         <p:nvSpPr>
-          <p:cNvPr id="28" name="PlaceHolder 3"/>
+          <p:cNvPr id="25" name="PlaceHolder 3"/>
           <p:cNvSpPr>
             <a:spLocks noGrp="1"/>
           </p:cNvSpPr>
@@ -582,15 +560,15 @@
         </p:nvSpPr>
         <p:spPr>
           <a:xfrm>
-            <a:off x="502920" y="4057920"/>
-            <a:ext cx="9069480" cy="2090520"/>
+            <a:off x="504000" y="4058640"/>
+            <a:ext cx="9072000" cy="2090880"/>
           </a:xfrm>
           <a:prstGeom prst="rect">
             <a:avLst/>
           </a:prstGeom>
         </p:spPr>
         <p:txBody>
-          <a:bodyPr lIns="0" rIns="0" tIns="28440" bIns="0"/>
+          <a:bodyPr lIns="0" rIns="0" tIns="0" bIns="0"/>
           <a:p>
             <a:endParaRPr b="0" lang="en-US" sz="3200" spc="-1" strike="noStrike">
               <a:solidFill>
@@ -630,7 +608,7 @@
       </p:grpSpPr>
       <p:sp>
         <p:nvSpPr>
-          <p:cNvPr id="29" name="PlaceHolder 1"/>
+          <p:cNvPr id="26" name="PlaceHolder 1"/>
           <p:cNvSpPr>
             <a:spLocks noGrp="1"/>
           </p:cNvSpPr>
@@ -641,7 +619,7 @@
         <p:spPr>
           <a:xfrm>
             <a:off x="502920" y="301320"/>
-            <a:ext cx="9069480" cy="1260360"/>
+            <a:ext cx="9069120" cy="1260000"/>
           </a:xfrm>
           <a:prstGeom prst="rect">
             <a:avLst/>
@@ -667,7 +645,7 @@
       </p:sp>
       <p:sp>
         <p:nvSpPr>
-          <p:cNvPr id="30" name="PlaceHolder 2"/>
+          <p:cNvPr id="27" name="PlaceHolder 2"/>
           <p:cNvSpPr>
             <a:spLocks noGrp="1"/>
           </p:cNvSpPr>
@@ -677,15 +655,15 @@
         </p:nvSpPr>
         <p:spPr>
           <a:xfrm>
-            <a:off x="502920" y="1768320"/>
-            <a:ext cx="4425840" cy="2090520"/>
+            <a:off x="504000" y="1768680"/>
+            <a:ext cx="4426920" cy="2090880"/>
           </a:xfrm>
           <a:prstGeom prst="rect">
             <a:avLst/>
           </a:prstGeom>
         </p:spPr>
         <p:txBody>
-          <a:bodyPr lIns="0" rIns="0" tIns="28440" bIns="0"/>
+          <a:bodyPr lIns="0" rIns="0" tIns="0" bIns="0"/>
           <a:p>
             <a:endParaRPr b="0" lang="en-US" sz="3200" spc="-1" strike="noStrike">
               <a:solidFill>
@@ -703,7 +681,7 @@
       </p:sp>
       <p:sp>
         <p:nvSpPr>
-          <p:cNvPr id="31" name="PlaceHolder 3"/>
+          <p:cNvPr id="28" name="PlaceHolder 3"/>
           <p:cNvSpPr>
             <a:spLocks noGrp="1"/>
           </p:cNvSpPr>
@@ -713,15 +691,15 @@
         </p:nvSpPr>
         <p:spPr>
           <a:xfrm>
-            <a:off x="5150520" y="1768320"/>
-            <a:ext cx="4425840" cy="2090520"/>
+            <a:off x="5152680" y="1768680"/>
+            <a:ext cx="4426920" cy="2090880"/>
           </a:xfrm>
           <a:prstGeom prst="rect">
             <a:avLst/>
           </a:prstGeom>
         </p:spPr>
         <p:txBody>
-          <a:bodyPr lIns="0" rIns="0" tIns="28440" bIns="0"/>
+          <a:bodyPr lIns="0" rIns="0" tIns="0" bIns="0"/>
           <a:p>
             <a:endParaRPr b="0" lang="en-US" sz="3200" spc="-1" strike="noStrike">
               <a:solidFill>
@@ -739,7 +717,7 @@
       </p:sp>
       <p:sp>
         <p:nvSpPr>
-          <p:cNvPr id="32" name="PlaceHolder 4"/>
+          <p:cNvPr id="29" name="PlaceHolder 4"/>
           <p:cNvSpPr>
             <a:spLocks noGrp="1"/>
           </p:cNvSpPr>
@@ -749,15 +727,15 @@
         </p:nvSpPr>
         <p:spPr>
           <a:xfrm>
-            <a:off x="5150520" y="4057920"/>
-            <a:ext cx="4425840" cy="2090520"/>
+            <a:off x="5152680" y="4058640"/>
+            <a:ext cx="4426920" cy="2090880"/>
           </a:xfrm>
           <a:prstGeom prst="rect">
             <a:avLst/>
           </a:prstGeom>
         </p:spPr>
         <p:txBody>
-          <a:bodyPr lIns="0" rIns="0" tIns="28440" bIns="0"/>
+          <a:bodyPr lIns="0" rIns="0" tIns="0" bIns="0"/>
           <a:p>
             <a:endParaRPr b="0" lang="en-US" sz="3200" spc="-1" strike="noStrike">
               <a:solidFill>
@@ -775,7 +753,7 @@
       </p:sp>
       <p:sp>
         <p:nvSpPr>
-          <p:cNvPr id="33" name="PlaceHolder 5"/>
+          <p:cNvPr id="30" name="PlaceHolder 5"/>
           <p:cNvSpPr>
             <a:spLocks noGrp="1"/>
           </p:cNvSpPr>
@@ -785,15 +763,15 @@
         </p:nvSpPr>
         <p:spPr>
           <a:xfrm>
-            <a:off x="502920" y="4057920"/>
-            <a:ext cx="4425840" cy="2090520"/>
+            <a:off x="504000" y="4058640"/>
+            <a:ext cx="4426920" cy="2090880"/>
           </a:xfrm>
           <a:prstGeom prst="rect">
             <a:avLst/>
           </a:prstGeom>
         </p:spPr>
         <p:txBody>
-          <a:bodyPr lIns="0" rIns="0" tIns="28440" bIns="0"/>
+          <a:bodyPr lIns="0" rIns="0" tIns="0" bIns="0"/>
           <a:p>
             <a:endParaRPr b="0" lang="en-US" sz="3200" spc="-1" strike="noStrike">
               <a:solidFill>
@@ -833,7 +811,7 @@
       </p:grpSpPr>
       <p:sp>
         <p:nvSpPr>
-          <p:cNvPr id="34" name="PlaceHolder 1"/>
+          <p:cNvPr id="31" name="PlaceHolder 1"/>
           <p:cNvSpPr>
             <a:spLocks noGrp="1"/>
           </p:cNvSpPr>
@@ -844,7 +822,7 @@
         <p:spPr>
           <a:xfrm>
             <a:off x="502920" y="301320"/>
-            <a:ext cx="9069480" cy="1260360"/>
+            <a:ext cx="9069120" cy="1260000"/>
           </a:xfrm>
           <a:prstGeom prst="rect">
             <a:avLst/>
@@ -870,7 +848,7 @@
       </p:sp>
       <p:sp>
         <p:nvSpPr>
-          <p:cNvPr id="35" name="PlaceHolder 2"/>
+          <p:cNvPr id="32" name="PlaceHolder 2"/>
           <p:cNvSpPr>
             <a:spLocks noGrp="1"/>
           </p:cNvSpPr>
@@ -880,15 +858,15 @@
         </p:nvSpPr>
         <p:spPr>
           <a:xfrm>
-            <a:off x="502920" y="1768320"/>
-            <a:ext cx="9069480" cy="4383360"/>
+            <a:off x="504000" y="1768680"/>
+            <a:ext cx="9072000" cy="4384080"/>
           </a:xfrm>
           <a:prstGeom prst="rect">
             <a:avLst/>
           </a:prstGeom>
         </p:spPr>
         <p:txBody>
-          <a:bodyPr lIns="0" rIns="0" tIns="28440" bIns="0"/>
+          <a:bodyPr lIns="0" rIns="0" tIns="0" bIns="0"/>
           <a:p>
             <a:endParaRPr b="0" lang="en-US" sz="3200" spc="-1" strike="noStrike">
               <a:solidFill>
@@ -906,7 +884,7 @@
       </p:sp>
       <p:sp>
         <p:nvSpPr>
-          <p:cNvPr id="36" name="PlaceHolder 3"/>
+          <p:cNvPr id="33" name="PlaceHolder 3"/>
           <p:cNvSpPr>
             <a:spLocks noGrp="1"/>
           </p:cNvSpPr>
@@ -916,15 +894,15 @@
         </p:nvSpPr>
         <p:spPr>
           <a:xfrm>
-            <a:off x="502920" y="1768320"/>
-            <a:ext cx="9069480" cy="4383360"/>
+            <a:off x="504000" y="1768680"/>
+            <a:ext cx="9072000" cy="4384080"/>
           </a:xfrm>
           <a:prstGeom prst="rect">
             <a:avLst/>
           </a:prstGeom>
         </p:spPr>
         <p:txBody>
-          <a:bodyPr lIns="0" rIns="0" tIns="28440" bIns="0"/>
+          <a:bodyPr lIns="0" rIns="0" tIns="0" bIns="0"/>
           <a:p>
             <a:endParaRPr b="0" lang="en-US" sz="3200" spc="-1" strike="noStrike">
               <a:solidFill>
@@ -942,7 +920,7 @@
       </p:sp>
       <p:pic>
         <p:nvPicPr>
-          <p:cNvPr id="37" name="" descr=""/>
+          <p:cNvPr id="34" name="" descr=""/>
           <p:cNvPicPr/>
           <p:nvPr/>
         </p:nvPicPr>
@@ -952,8 +930,8 @@
         </p:blipFill>
         <p:spPr>
           <a:xfrm>
-            <a:off x="2290680" y="1768320"/>
-            <a:ext cx="5493600" cy="4383360"/>
+            <a:off x="2292480" y="1768680"/>
+            <a:ext cx="5494680" cy="4384080"/>
           </a:xfrm>
           <a:prstGeom prst="rect">
             <a:avLst/>
@@ -965,7 +943,7 @@
       </p:pic>
       <p:pic>
         <p:nvPicPr>
-          <p:cNvPr id="38" name="" descr=""/>
+          <p:cNvPr id="35" name="" descr=""/>
           <p:cNvPicPr/>
           <p:nvPr/>
         </p:nvPicPr>
@@ -975,8 +953,8 @@
         </p:blipFill>
         <p:spPr>
           <a:xfrm>
-            <a:off x="2290680" y="1768320"/>
-            <a:ext cx="5493600" cy="4383360"/>
+            <a:off x="2292480" y="1768680"/>
+            <a:ext cx="5494680" cy="4384080"/>
           </a:xfrm>
           <a:prstGeom prst="rect">
             <a:avLst/>
@@ -1010,7 +988,7 @@
       </p:grpSpPr>
       <p:sp>
         <p:nvSpPr>
-          <p:cNvPr id="5" name="PlaceHolder 1"/>
+          <p:cNvPr id="2" name="PlaceHolder 1"/>
           <p:cNvSpPr>
             <a:spLocks noGrp="1"/>
           </p:cNvSpPr>
@@ -1021,7 +999,7 @@
         <p:spPr>
           <a:xfrm>
             <a:off x="502920" y="301320"/>
-            <a:ext cx="9069480" cy="1260360"/>
+            <a:ext cx="9069120" cy="1260000"/>
           </a:xfrm>
           <a:prstGeom prst="rect">
             <a:avLst/>
@@ -1047,7 +1025,7 @@
       </p:sp>
       <p:sp>
         <p:nvSpPr>
-          <p:cNvPr id="6" name="PlaceHolder 2"/>
+          <p:cNvPr id="3" name="PlaceHolder 2"/>
           <p:cNvSpPr>
             <a:spLocks noGrp="1"/>
           </p:cNvSpPr>
@@ -1057,8 +1035,8 @@
         </p:nvSpPr>
         <p:spPr>
           <a:xfrm>
-            <a:off x="502920" y="1768320"/>
-            <a:ext cx="9069480" cy="4383360"/>
+            <a:off x="504000" y="1768680"/>
+            <a:ext cx="9072000" cy="4384080"/>
           </a:xfrm>
           <a:prstGeom prst="rect">
             <a:avLst/>
@@ -1067,7 +1045,7 @@
         <p:txBody>
           <a:bodyPr lIns="0" rIns="0" tIns="0" bIns="0" anchor="ctr"/>
           <a:p>
-            <a:pPr marL="342720" indent="-342720" algn="ctr"/>
+            <a:pPr algn="ctr"/>
             <a:endParaRPr b="0" lang="en-US" sz="3200" spc="-1" strike="noStrike">
               <a:solidFill>
                 <a:srgbClr val="000000"/>
@@ -1106,7 +1084,7 @@
       </p:grpSpPr>
       <p:sp>
         <p:nvSpPr>
-          <p:cNvPr id="7" name="PlaceHolder 1"/>
+          <p:cNvPr id="4" name="PlaceHolder 1"/>
           <p:cNvSpPr>
             <a:spLocks noGrp="1"/>
           </p:cNvSpPr>
@@ -1117,7 +1095,7 @@
         <p:spPr>
           <a:xfrm>
             <a:off x="502920" y="301320"/>
-            <a:ext cx="9069480" cy="1260360"/>
+            <a:ext cx="9069120" cy="1260000"/>
           </a:xfrm>
           <a:prstGeom prst="rect">
             <a:avLst/>
@@ -1143,7 +1121,7 @@
       </p:sp>
       <p:sp>
         <p:nvSpPr>
-          <p:cNvPr id="8" name="PlaceHolder 2"/>
+          <p:cNvPr id="5" name="PlaceHolder 2"/>
           <p:cNvSpPr>
             <a:spLocks noGrp="1"/>
           </p:cNvSpPr>
@@ -1153,15 +1131,15 @@
         </p:nvSpPr>
         <p:spPr>
           <a:xfrm>
-            <a:off x="502920" y="1768320"/>
-            <a:ext cx="9069480" cy="4383360"/>
+            <a:off x="504000" y="1768680"/>
+            <a:ext cx="9072000" cy="4384080"/>
           </a:xfrm>
           <a:prstGeom prst="rect">
             <a:avLst/>
           </a:prstGeom>
         </p:spPr>
         <p:txBody>
-          <a:bodyPr lIns="0" rIns="0" tIns="28440" bIns="0"/>
+          <a:bodyPr lIns="0" rIns="0" tIns="0" bIns="0"/>
           <a:p>
             <a:endParaRPr b="0" lang="en-US" sz="3200" spc="-1" strike="noStrike">
               <a:solidFill>
@@ -1185,6 +1163,137 @@
 <file path=ppt/slideLayouts/slideLayout4.xml><?xml version="1.0" encoding="utf-8"?>
 <p:sldLayout xmlns:a="http://schemas.openxmlformats.org/drawingml/2006/main" xmlns:p="http://schemas.openxmlformats.org/presentationml/2006/main" xmlns:r="http://schemas.openxmlformats.org/officeDocument/2006/relationships" xmlns:p14="http://schemas.microsoft.com/office/powerpoint/2010/main" xmlns:p15="http://schemas.microsoft.com/office/powerpoint/2012/main" xmlns:mc="http://schemas.openxmlformats.org/markup-compatibility/2006" type="twoObj" preserve="1">
   <p:cSld name="Title, 2 Content">
+    <p:spTree>
+      <p:nvGrpSpPr>
+        <p:cNvPr id="1" name=""/>
+        <p:cNvGrpSpPr/>
+        <p:nvPr/>
+      </p:nvGrpSpPr>
+      <p:grpSpPr>
+        <a:xfrm>
+          <a:off x="0" y="0"/>
+          <a:ext cx="0" cy="0"/>
+          <a:chOff x="0" y="0"/>
+          <a:chExt cx="0" cy="0"/>
+        </a:xfrm>
+      </p:grpSpPr>
+      <p:sp>
+        <p:nvSpPr>
+          <p:cNvPr id="6" name="PlaceHolder 1"/>
+          <p:cNvSpPr>
+            <a:spLocks noGrp="1"/>
+          </p:cNvSpPr>
+          <p:nvPr>
+            <p:ph type="title"/>
+          </p:nvPr>
+        </p:nvSpPr>
+        <p:spPr>
+          <a:xfrm>
+            <a:off x="502920" y="301320"/>
+            <a:ext cx="9069120" cy="1260000"/>
+          </a:xfrm>
+          <a:prstGeom prst="rect">
+            <a:avLst/>
+          </a:prstGeom>
+        </p:spPr>
+        <p:txBody>
+          <a:bodyPr lIns="0" rIns="0" tIns="0" bIns="0" anchor="ctr"/>
+          <a:p>
+            <a:pPr algn="ctr"/>
+            <a:endParaRPr b="0" lang="en-US" sz="4400" spc="-1" strike="noStrike">
+              <a:solidFill>
+                <a:srgbClr val="000000"/>
+              </a:solidFill>
+              <a:uFill>
+                <a:solidFill>
+                  <a:srgbClr val="ffffff"/>
+                </a:solidFill>
+              </a:uFill>
+              <a:latin typeface="Arial"/>
+            </a:endParaRPr>
+          </a:p>
+        </p:txBody>
+      </p:sp>
+      <p:sp>
+        <p:nvSpPr>
+          <p:cNvPr id="7" name="PlaceHolder 2"/>
+          <p:cNvSpPr>
+            <a:spLocks noGrp="1"/>
+          </p:cNvSpPr>
+          <p:nvPr>
+            <p:ph type="body"/>
+          </p:nvPr>
+        </p:nvSpPr>
+        <p:spPr>
+          <a:xfrm>
+            <a:off x="504000" y="1768680"/>
+            <a:ext cx="4426920" cy="4384080"/>
+          </a:xfrm>
+          <a:prstGeom prst="rect">
+            <a:avLst/>
+          </a:prstGeom>
+        </p:spPr>
+        <p:txBody>
+          <a:bodyPr lIns="0" rIns="0" tIns="0" bIns="0"/>
+          <a:p>
+            <a:endParaRPr b="0" lang="en-US" sz="3200" spc="-1" strike="noStrike">
+              <a:solidFill>
+                <a:srgbClr val="000000"/>
+              </a:solidFill>
+              <a:uFill>
+                <a:solidFill>
+                  <a:srgbClr val="ffffff"/>
+                </a:solidFill>
+              </a:uFill>
+              <a:latin typeface="Arial"/>
+            </a:endParaRPr>
+          </a:p>
+        </p:txBody>
+      </p:sp>
+      <p:sp>
+        <p:nvSpPr>
+          <p:cNvPr id="8" name="PlaceHolder 3"/>
+          <p:cNvSpPr>
+            <a:spLocks noGrp="1"/>
+          </p:cNvSpPr>
+          <p:nvPr>
+            <p:ph type="body"/>
+          </p:nvPr>
+        </p:nvSpPr>
+        <p:spPr>
+          <a:xfrm>
+            <a:off x="5152680" y="1768680"/>
+            <a:ext cx="4426920" cy="4384080"/>
+          </a:xfrm>
+          <a:prstGeom prst="rect">
+            <a:avLst/>
+          </a:prstGeom>
+        </p:spPr>
+        <p:txBody>
+          <a:bodyPr lIns="0" rIns="0" tIns="0" bIns="0"/>
+          <a:p>
+            <a:endParaRPr b="0" lang="en-US" sz="3200" spc="-1" strike="noStrike">
+              <a:solidFill>
+                <a:srgbClr val="000000"/>
+              </a:solidFill>
+              <a:uFill>
+                <a:solidFill>
+                  <a:srgbClr val="ffffff"/>
+                </a:solidFill>
+              </a:uFill>
+              <a:latin typeface="Arial"/>
+            </a:endParaRPr>
+          </a:p>
+        </p:txBody>
+      </p:sp>
+    </p:spTree>
+  </p:cSld>
+</p:sldLayout>
+</file>
+
+<file path=ppt/slideLayouts/slideLayout5.xml><?xml version="1.0" encoding="utf-8"?>
+<p:sldLayout xmlns:a="http://schemas.openxmlformats.org/drawingml/2006/main" xmlns:p="http://schemas.openxmlformats.org/presentationml/2006/main" xmlns:r="http://schemas.openxmlformats.org/officeDocument/2006/relationships" xmlns:p14="http://schemas.microsoft.com/office/powerpoint/2010/main" xmlns:p15="http://schemas.microsoft.com/office/powerpoint/2012/main" xmlns:mc="http://schemas.openxmlformats.org/markup-compatibility/2006" type="titleOnly" preserve="1">
+  <p:cSld name="Title Only">
     <p:spTree>
       <p:nvGrpSpPr>
         <p:cNvPr id="1" name=""/>
@@ -1212,138 +1321,7 @@
         <p:spPr>
           <a:xfrm>
             <a:off x="502920" y="301320"/>
-            <a:ext cx="9069480" cy="1260360"/>
-          </a:xfrm>
-          <a:prstGeom prst="rect">
-            <a:avLst/>
-          </a:prstGeom>
-        </p:spPr>
-        <p:txBody>
-          <a:bodyPr lIns="0" rIns="0" tIns="0" bIns="0" anchor="ctr"/>
-          <a:p>
-            <a:pPr algn="ctr"/>
-            <a:endParaRPr b="0" lang="en-US" sz="4400" spc="-1" strike="noStrike">
-              <a:solidFill>
-                <a:srgbClr val="000000"/>
-              </a:solidFill>
-              <a:uFill>
-                <a:solidFill>
-                  <a:srgbClr val="ffffff"/>
-                </a:solidFill>
-              </a:uFill>
-              <a:latin typeface="Arial"/>
-            </a:endParaRPr>
-          </a:p>
-        </p:txBody>
-      </p:sp>
-      <p:sp>
-        <p:nvSpPr>
-          <p:cNvPr id="10" name="PlaceHolder 2"/>
-          <p:cNvSpPr>
-            <a:spLocks noGrp="1"/>
-          </p:cNvSpPr>
-          <p:nvPr>
-            <p:ph type="body"/>
-          </p:nvPr>
-        </p:nvSpPr>
-        <p:spPr>
-          <a:xfrm>
-            <a:off x="502920" y="1768320"/>
-            <a:ext cx="4425840" cy="4383360"/>
-          </a:xfrm>
-          <a:prstGeom prst="rect">
-            <a:avLst/>
-          </a:prstGeom>
-        </p:spPr>
-        <p:txBody>
-          <a:bodyPr lIns="0" rIns="0" tIns="28440" bIns="0"/>
-          <a:p>
-            <a:endParaRPr b="0" lang="en-US" sz="3200" spc="-1" strike="noStrike">
-              <a:solidFill>
-                <a:srgbClr val="000000"/>
-              </a:solidFill>
-              <a:uFill>
-                <a:solidFill>
-                  <a:srgbClr val="ffffff"/>
-                </a:solidFill>
-              </a:uFill>
-              <a:latin typeface="Arial"/>
-            </a:endParaRPr>
-          </a:p>
-        </p:txBody>
-      </p:sp>
-      <p:sp>
-        <p:nvSpPr>
-          <p:cNvPr id="11" name="PlaceHolder 3"/>
-          <p:cNvSpPr>
-            <a:spLocks noGrp="1"/>
-          </p:cNvSpPr>
-          <p:nvPr>
-            <p:ph type="body"/>
-          </p:nvPr>
-        </p:nvSpPr>
-        <p:spPr>
-          <a:xfrm>
-            <a:off x="5150520" y="1768320"/>
-            <a:ext cx="4425840" cy="4383360"/>
-          </a:xfrm>
-          <a:prstGeom prst="rect">
-            <a:avLst/>
-          </a:prstGeom>
-        </p:spPr>
-        <p:txBody>
-          <a:bodyPr lIns="0" rIns="0" tIns="28440" bIns="0"/>
-          <a:p>
-            <a:endParaRPr b="0" lang="en-US" sz="3200" spc="-1" strike="noStrike">
-              <a:solidFill>
-                <a:srgbClr val="000000"/>
-              </a:solidFill>
-              <a:uFill>
-                <a:solidFill>
-                  <a:srgbClr val="ffffff"/>
-                </a:solidFill>
-              </a:uFill>
-              <a:latin typeface="Arial"/>
-            </a:endParaRPr>
-          </a:p>
-        </p:txBody>
-      </p:sp>
-    </p:spTree>
-  </p:cSld>
-</p:sldLayout>
-</file>
-
-<file path=ppt/slideLayouts/slideLayout5.xml><?xml version="1.0" encoding="utf-8"?>
-<p:sldLayout xmlns:a="http://schemas.openxmlformats.org/drawingml/2006/main" xmlns:p="http://schemas.openxmlformats.org/presentationml/2006/main" xmlns:r="http://schemas.openxmlformats.org/officeDocument/2006/relationships" xmlns:p14="http://schemas.microsoft.com/office/powerpoint/2010/main" xmlns:p15="http://schemas.microsoft.com/office/powerpoint/2012/main" xmlns:mc="http://schemas.openxmlformats.org/markup-compatibility/2006" type="titleOnly" preserve="1">
-  <p:cSld name="Title Only">
-    <p:spTree>
-      <p:nvGrpSpPr>
-        <p:cNvPr id="1" name=""/>
-        <p:cNvGrpSpPr/>
-        <p:nvPr/>
-      </p:nvGrpSpPr>
-      <p:grpSpPr>
-        <a:xfrm>
-          <a:off x="0" y="0"/>
-          <a:ext cx="0" cy="0"/>
-          <a:chOff x="0" y="0"/>
-          <a:chExt cx="0" cy="0"/>
-        </a:xfrm>
-      </p:grpSpPr>
-      <p:sp>
-        <p:nvSpPr>
-          <p:cNvPr id="12" name="PlaceHolder 1"/>
-          <p:cNvSpPr>
-            <a:spLocks noGrp="1"/>
-          </p:cNvSpPr>
-          <p:nvPr>
-            <p:ph type="title"/>
-          </p:nvPr>
-        </p:nvSpPr>
-        <p:spPr>
-          <a:xfrm>
-            <a:off x="502920" y="301320"/>
-            <a:ext cx="9069480" cy="1260360"/>
+            <a:ext cx="9069120" cy="1260000"/>
           </a:xfrm>
           <a:prstGeom prst="rect">
             <a:avLst/>
@@ -1391,7 +1369,7 @@
       </p:grpSpPr>
       <p:sp>
         <p:nvSpPr>
-          <p:cNvPr id="13" name="PlaceHolder 1"/>
+          <p:cNvPr id="10" name="PlaceHolder 1"/>
           <p:cNvSpPr>
             <a:spLocks noGrp="1"/>
           </p:cNvSpPr>
@@ -1402,7 +1380,7 @@
         <p:spPr>
           <a:xfrm>
             <a:off x="502920" y="301320"/>
-            <a:ext cx="9069480" cy="5843520"/>
+            <a:ext cx="9069120" cy="5842080"/>
           </a:xfrm>
           <a:prstGeom prst="rect">
             <a:avLst/>
@@ -1411,7 +1389,7 @@
         <p:txBody>
           <a:bodyPr lIns="0" rIns="0" tIns="0" bIns="0" anchor="ctr"/>
           <a:p>
-            <a:pPr marL="342720" indent="-342720" algn="ctr"/>
+            <a:pPr algn="ctr"/>
             <a:endParaRPr b="0" lang="en-US" sz="3200" spc="-1" strike="noStrike">
               <a:solidFill>
                 <a:srgbClr val="000000"/>
@@ -1450,7 +1428,7 @@
       </p:grpSpPr>
       <p:sp>
         <p:nvSpPr>
-          <p:cNvPr id="14" name="PlaceHolder 1"/>
+          <p:cNvPr id="11" name="PlaceHolder 1"/>
           <p:cNvSpPr>
             <a:spLocks noGrp="1"/>
           </p:cNvSpPr>
@@ -1461,7 +1439,7 @@
         <p:spPr>
           <a:xfrm>
             <a:off x="502920" y="301320"/>
-            <a:ext cx="9069480" cy="1260360"/>
+            <a:ext cx="9069120" cy="1260000"/>
           </a:xfrm>
           <a:prstGeom prst="rect">
             <a:avLst/>
@@ -1487,7 +1465,7 @@
       </p:sp>
       <p:sp>
         <p:nvSpPr>
-          <p:cNvPr id="15" name="PlaceHolder 2"/>
+          <p:cNvPr id="12" name="PlaceHolder 2"/>
           <p:cNvSpPr>
             <a:spLocks noGrp="1"/>
           </p:cNvSpPr>
@@ -1497,15 +1475,15 @@
         </p:nvSpPr>
         <p:spPr>
           <a:xfrm>
-            <a:off x="502920" y="1768320"/>
-            <a:ext cx="4425840" cy="2090520"/>
+            <a:off x="504000" y="1768680"/>
+            <a:ext cx="4426920" cy="2090880"/>
           </a:xfrm>
           <a:prstGeom prst="rect">
             <a:avLst/>
           </a:prstGeom>
         </p:spPr>
         <p:txBody>
-          <a:bodyPr lIns="0" rIns="0" tIns="28440" bIns="0"/>
+          <a:bodyPr lIns="0" rIns="0" tIns="0" bIns="0"/>
           <a:p>
             <a:endParaRPr b="0" lang="en-US" sz="3200" spc="-1" strike="noStrike">
               <a:solidFill>
@@ -1523,7 +1501,7 @@
       </p:sp>
       <p:sp>
         <p:nvSpPr>
-          <p:cNvPr id="16" name="PlaceHolder 3"/>
+          <p:cNvPr id="13" name="PlaceHolder 3"/>
           <p:cNvSpPr>
             <a:spLocks noGrp="1"/>
           </p:cNvSpPr>
@@ -1533,15 +1511,15 @@
         </p:nvSpPr>
         <p:spPr>
           <a:xfrm>
-            <a:off x="502920" y="4057920"/>
-            <a:ext cx="4425840" cy="2090520"/>
+            <a:off x="504000" y="4058640"/>
+            <a:ext cx="4426920" cy="2090880"/>
           </a:xfrm>
           <a:prstGeom prst="rect">
             <a:avLst/>
           </a:prstGeom>
         </p:spPr>
         <p:txBody>
-          <a:bodyPr lIns="0" rIns="0" tIns="28440" bIns="0"/>
+          <a:bodyPr lIns="0" rIns="0" tIns="0" bIns="0"/>
           <a:p>
             <a:endParaRPr b="0" lang="en-US" sz="3200" spc="-1" strike="noStrike">
               <a:solidFill>
@@ -1559,7 +1537,7 @@
       </p:sp>
       <p:sp>
         <p:nvSpPr>
-          <p:cNvPr id="17" name="PlaceHolder 4"/>
+          <p:cNvPr id="14" name="PlaceHolder 4"/>
           <p:cNvSpPr>
             <a:spLocks noGrp="1"/>
           </p:cNvSpPr>
@@ -1569,15 +1547,15 @@
         </p:nvSpPr>
         <p:spPr>
           <a:xfrm>
-            <a:off x="5150520" y="1768320"/>
-            <a:ext cx="4425840" cy="4383360"/>
+            <a:off x="5152680" y="1768680"/>
+            <a:ext cx="4426920" cy="4384080"/>
           </a:xfrm>
           <a:prstGeom prst="rect">
             <a:avLst/>
           </a:prstGeom>
         </p:spPr>
         <p:txBody>
-          <a:bodyPr lIns="0" rIns="0" tIns="28440" bIns="0"/>
+          <a:bodyPr lIns="0" rIns="0" tIns="0" bIns="0"/>
           <a:p>
             <a:endParaRPr b="0" lang="en-US" sz="3200" spc="-1" strike="noStrike">
               <a:solidFill>
@@ -1617,7 +1595,7 @@
       </p:grpSpPr>
       <p:sp>
         <p:nvSpPr>
-          <p:cNvPr id="18" name="PlaceHolder 1"/>
+          <p:cNvPr id="15" name="PlaceHolder 1"/>
           <p:cNvSpPr>
             <a:spLocks noGrp="1"/>
           </p:cNvSpPr>
@@ -1628,7 +1606,7 @@
         <p:spPr>
           <a:xfrm>
             <a:off x="502920" y="301320"/>
-            <a:ext cx="9069480" cy="1260360"/>
+            <a:ext cx="9069120" cy="1260000"/>
           </a:xfrm>
           <a:prstGeom prst="rect">
             <a:avLst/>
@@ -1654,7 +1632,7 @@
       </p:sp>
       <p:sp>
         <p:nvSpPr>
-          <p:cNvPr id="19" name="PlaceHolder 2"/>
+          <p:cNvPr id="16" name="PlaceHolder 2"/>
           <p:cNvSpPr>
             <a:spLocks noGrp="1"/>
           </p:cNvSpPr>
@@ -1664,15 +1642,15 @@
         </p:nvSpPr>
         <p:spPr>
           <a:xfrm>
-            <a:off x="502920" y="1768320"/>
-            <a:ext cx="4425840" cy="4383360"/>
+            <a:off x="504000" y="1768680"/>
+            <a:ext cx="4426920" cy="4384080"/>
           </a:xfrm>
           <a:prstGeom prst="rect">
             <a:avLst/>
           </a:prstGeom>
         </p:spPr>
         <p:txBody>
-          <a:bodyPr lIns="0" rIns="0" tIns="28440" bIns="0"/>
+          <a:bodyPr lIns="0" rIns="0" tIns="0" bIns="0"/>
           <a:p>
             <a:endParaRPr b="0" lang="en-US" sz="3200" spc="-1" strike="noStrike">
               <a:solidFill>
@@ -1690,7 +1668,7 @@
       </p:sp>
       <p:sp>
         <p:nvSpPr>
-          <p:cNvPr id="20" name="PlaceHolder 3"/>
+          <p:cNvPr id="17" name="PlaceHolder 3"/>
           <p:cNvSpPr>
             <a:spLocks noGrp="1"/>
           </p:cNvSpPr>
@@ -1700,15 +1678,15 @@
         </p:nvSpPr>
         <p:spPr>
           <a:xfrm>
-            <a:off x="5150520" y="1768320"/>
-            <a:ext cx="4425840" cy="2090520"/>
+            <a:off x="5152680" y="1768680"/>
+            <a:ext cx="4426920" cy="2090880"/>
           </a:xfrm>
           <a:prstGeom prst="rect">
             <a:avLst/>
           </a:prstGeom>
         </p:spPr>
         <p:txBody>
-          <a:bodyPr lIns="0" rIns="0" tIns="28440" bIns="0"/>
+          <a:bodyPr lIns="0" rIns="0" tIns="0" bIns="0"/>
           <a:p>
             <a:endParaRPr b="0" lang="en-US" sz="3200" spc="-1" strike="noStrike">
               <a:solidFill>
@@ -1726,7 +1704,7 @@
       </p:sp>
       <p:sp>
         <p:nvSpPr>
-          <p:cNvPr id="21" name="PlaceHolder 4"/>
+          <p:cNvPr id="18" name="PlaceHolder 4"/>
           <p:cNvSpPr>
             <a:spLocks noGrp="1"/>
           </p:cNvSpPr>
@@ -1736,15 +1714,15 @@
         </p:nvSpPr>
         <p:spPr>
           <a:xfrm>
-            <a:off x="5150520" y="4057920"/>
-            <a:ext cx="4425840" cy="2090520"/>
+            <a:off x="5152680" y="4058640"/>
+            <a:ext cx="4426920" cy="2090880"/>
           </a:xfrm>
           <a:prstGeom prst="rect">
             <a:avLst/>
           </a:prstGeom>
         </p:spPr>
         <p:txBody>
-          <a:bodyPr lIns="0" rIns="0" tIns="28440" bIns="0"/>
+          <a:bodyPr lIns="0" rIns="0" tIns="0" bIns="0"/>
           <a:p>
             <a:endParaRPr b="0" lang="en-US" sz="3200" spc="-1" strike="noStrike">
               <a:solidFill>
@@ -1784,7 +1762,7 @@
       </p:grpSpPr>
       <p:sp>
         <p:nvSpPr>
-          <p:cNvPr id="22" name="PlaceHolder 1"/>
+          <p:cNvPr id="19" name="PlaceHolder 1"/>
           <p:cNvSpPr>
             <a:spLocks noGrp="1"/>
           </p:cNvSpPr>
@@ -1795,7 +1773,7 @@
         <p:spPr>
           <a:xfrm>
             <a:off x="502920" y="301320"/>
-            <a:ext cx="9069480" cy="1260360"/>
+            <a:ext cx="9069120" cy="1260000"/>
           </a:xfrm>
           <a:prstGeom prst="rect">
             <a:avLst/>
@@ -1821,7 +1799,7 @@
       </p:sp>
       <p:sp>
         <p:nvSpPr>
-          <p:cNvPr id="23" name="PlaceHolder 2"/>
+          <p:cNvPr id="20" name="PlaceHolder 2"/>
           <p:cNvSpPr>
             <a:spLocks noGrp="1"/>
           </p:cNvSpPr>
@@ -1831,15 +1809,15 @@
         </p:nvSpPr>
         <p:spPr>
           <a:xfrm>
-            <a:off x="502920" y="1768320"/>
-            <a:ext cx="4425840" cy="2090520"/>
+            <a:off x="504000" y="1768680"/>
+            <a:ext cx="4426920" cy="2090880"/>
           </a:xfrm>
           <a:prstGeom prst="rect">
             <a:avLst/>
           </a:prstGeom>
         </p:spPr>
         <p:txBody>
-          <a:bodyPr lIns="0" rIns="0" tIns="28440" bIns="0"/>
+          <a:bodyPr lIns="0" rIns="0" tIns="0" bIns="0"/>
           <a:p>
             <a:endParaRPr b="0" lang="en-US" sz="3200" spc="-1" strike="noStrike">
               <a:solidFill>
@@ -1857,7 +1835,7 @@
       </p:sp>
       <p:sp>
         <p:nvSpPr>
-          <p:cNvPr id="24" name="PlaceHolder 3"/>
+          <p:cNvPr id="21" name="PlaceHolder 3"/>
           <p:cNvSpPr>
             <a:spLocks noGrp="1"/>
           </p:cNvSpPr>
@@ -1867,15 +1845,15 @@
         </p:nvSpPr>
         <p:spPr>
           <a:xfrm>
-            <a:off x="5150520" y="1768320"/>
-            <a:ext cx="4425840" cy="2090520"/>
+            <a:off x="5152680" y="1768680"/>
+            <a:ext cx="4426920" cy="2090880"/>
           </a:xfrm>
           <a:prstGeom prst="rect">
             <a:avLst/>
           </a:prstGeom>
         </p:spPr>
         <p:txBody>
-          <a:bodyPr lIns="0" rIns="0" tIns="28440" bIns="0"/>
+          <a:bodyPr lIns="0" rIns="0" tIns="0" bIns="0"/>
           <a:p>
             <a:endParaRPr b="0" lang="en-US" sz="3200" spc="-1" strike="noStrike">
               <a:solidFill>
@@ -1893,7 +1871,7 @@
       </p:sp>
       <p:sp>
         <p:nvSpPr>
-          <p:cNvPr id="25" name="PlaceHolder 4"/>
+          <p:cNvPr id="22" name="PlaceHolder 4"/>
           <p:cNvSpPr>
             <a:spLocks noGrp="1"/>
           </p:cNvSpPr>
@@ -1903,15 +1881,15 @@
         </p:nvSpPr>
         <p:spPr>
           <a:xfrm>
-            <a:off x="502920" y="4057920"/>
-            <a:ext cx="9069480" cy="2090520"/>
+            <a:off x="504000" y="4058640"/>
+            <a:ext cx="9072000" cy="2090880"/>
           </a:xfrm>
           <a:prstGeom prst="rect">
             <a:avLst/>
           </a:prstGeom>
         </p:spPr>
         <p:txBody>
-          <a:bodyPr lIns="0" rIns="0" tIns="28440" bIns="0"/>
+          <a:bodyPr lIns="0" rIns="0" tIns="0" bIns="0"/>
           <a:p>
             <a:endParaRPr b="0" lang="en-US" sz="3200" spc="-1" strike="noStrike">
               <a:solidFill>
@@ -1969,7 +1947,7 @@
         <p:spPr>
           <a:xfrm>
             <a:off x="502920" y="301320"/>
-            <a:ext cx="9069480" cy="1260360"/>
+            <a:ext cx="9069120" cy="1260000"/>
           </a:xfrm>
           <a:prstGeom prst="rect">
             <a:avLst/>
@@ -1979,20 +1957,6 @@
           <a:bodyPr lIns="0" rIns="0" tIns="0" bIns="0" anchor="ctr"/>
           <a:p>
             <a:pPr algn="ctr"/>
-            <a:r>
-              <a:rPr b="0" lang="en-US" sz="4400" spc="-1" strike="noStrike">
-                <a:solidFill>
-                  <a:srgbClr val="000000"/>
-                </a:solidFill>
-                <a:uFill>
-                  <a:solidFill>
-                    <a:srgbClr val="ffffff"/>
-                  </a:solidFill>
-                </a:uFill>
-                <a:latin typeface="Arial"/>
-              </a:rPr>
-              <a:t>Click to edit the title text format</a:t>
-            </a:r>
             <a:endParaRPr b="0" lang="en-US" sz="4400" spc="-1" strike="noStrike">
               <a:solidFill>
                 <a:srgbClr val="000000"/>
@@ -2019,263 +1983,8 @@
         </p:nvSpPr>
         <p:spPr>
           <a:xfrm>
-            <a:off x="502920" y="1768320"/>
-            <a:ext cx="9069480" cy="4383360"/>
-          </a:xfrm>
-          <a:prstGeom prst="rect">
-            <a:avLst/>
-          </a:prstGeom>
-        </p:spPr>
-        <p:txBody>
-          <a:bodyPr lIns="0" rIns="0" tIns="28440" bIns="0"/>
-          <a:p>
-            <a:pPr marL="342720" indent="-342720"/>
-            <a:r>
-              <a:rPr b="0" lang="en-US" sz="3200" spc="-1" strike="noStrike">
-                <a:solidFill>
-                  <a:srgbClr val="000000"/>
-                </a:solidFill>
-                <a:uFill>
-                  <a:solidFill>
-                    <a:srgbClr val="ffffff"/>
-                  </a:solidFill>
-                </a:uFill>
-                <a:latin typeface="Arial"/>
-              </a:rPr>
-              <a:t>Click to edit the outline text format</a:t>
-            </a:r>
-            <a:endParaRPr b="0" lang="en-US" sz="3200" spc="-1" strike="noStrike">
-              <a:solidFill>
-                <a:srgbClr val="000000"/>
-              </a:solidFill>
-              <a:uFill>
-                <a:solidFill>
-                  <a:srgbClr val="ffffff"/>
-                </a:solidFill>
-              </a:uFill>
-              <a:latin typeface="Arial"/>
-            </a:endParaRPr>
-          </a:p>
-          <a:p>
-            <a:pPr lvl="1" marL="742680" indent="-285480">
-              <a:buClr>
-                <a:srgbClr val="000000"/>
-              </a:buClr>
-              <a:buFont typeface="Times New Roman"/>
-              <a:buChar char="–"/>
-            </a:pPr>
-            <a:r>
-              <a:rPr b="0" lang="en-US" sz="2800" spc="-1" strike="noStrike">
-                <a:solidFill>
-                  <a:srgbClr val="000000"/>
-                </a:solidFill>
-                <a:uFill>
-                  <a:solidFill>
-                    <a:srgbClr val="ffffff"/>
-                  </a:solidFill>
-                </a:uFill>
-                <a:latin typeface="Arial"/>
-              </a:rPr>
-              <a:t>Second Outline Level</a:t>
-            </a:r>
-            <a:endParaRPr b="0" lang="en-US" sz="2800" spc="-1" strike="noStrike">
-              <a:solidFill>
-                <a:srgbClr val="000000"/>
-              </a:solidFill>
-              <a:uFill>
-                <a:solidFill>
-                  <a:srgbClr val="ffffff"/>
-                </a:solidFill>
-              </a:uFill>
-              <a:latin typeface="Arial"/>
-            </a:endParaRPr>
-          </a:p>
-          <a:p>
-            <a:pPr lvl="2" marL="1143000" indent="-228600">
-              <a:buClr>
-                <a:srgbClr val="000000"/>
-              </a:buClr>
-              <a:buFont typeface="Times New Roman"/>
-              <a:buChar char="•"/>
-            </a:pPr>
-            <a:r>
-              <a:rPr b="0" lang="en-US" sz="2400" spc="-1" strike="noStrike">
-                <a:solidFill>
-                  <a:srgbClr val="000000"/>
-                </a:solidFill>
-                <a:uFill>
-                  <a:solidFill>
-                    <a:srgbClr val="ffffff"/>
-                  </a:solidFill>
-                </a:uFill>
-                <a:latin typeface="Arial"/>
-              </a:rPr>
-              <a:t>Third Outline Level</a:t>
-            </a:r>
-            <a:endParaRPr b="0" lang="en-US" sz="2400" spc="-1" strike="noStrike">
-              <a:solidFill>
-                <a:srgbClr val="000000"/>
-              </a:solidFill>
-              <a:uFill>
-                <a:solidFill>
-                  <a:srgbClr val="ffffff"/>
-                </a:solidFill>
-              </a:uFill>
-              <a:latin typeface="Arial"/>
-            </a:endParaRPr>
-          </a:p>
-          <a:p>
-            <a:pPr lvl="3" marL="1600200" indent="-228600">
-              <a:buClr>
-                <a:srgbClr val="000000"/>
-              </a:buClr>
-              <a:buFont typeface="Times New Roman"/>
-              <a:buChar char="–"/>
-            </a:pPr>
-            <a:r>
-              <a:rPr b="0" lang="en-US" sz="2000" spc="-1" strike="noStrike">
-                <a:solidFill>
-                  <a:srgbClr val="000000"/>
-                </a:solidFill>
-                <a:uFill>
-                  <a:solidFill>
-                    <a:srgbClr val="ffffff"/>
-                  </a:solidFill>
-                </a:uFill>
-                <a:latin typeface="Arial"/>
-              </a:rPr>
-              <a:t>Fourth Outline Level</a:t>
-            </a:r>
-            <a:endParaRPr b="0" lang="en-US" sz="2000" spc="-1" strike="noStrike">
-              <a:solidFill>
-                <a:srgbClr val="000000"/>
-              </a:solidFill>
-              <a:uFill>
-                <a:solidFill>
-                  <a:srgbClr val="ffffff"/>
-                </a:solidFill>
-              </a:uFill>
-              <a:latin typeface="Arial"/>
-            </a:endParaRPr>
-          </a:p>
-          <a:p>
-            <a:pPr lvl="4" marL="2057400" indent="-228600">
-              <a:buClr>
-                <a:srgbClr val="000000"/>
-              </a:buClr>
-              <a:buFont typeface="Times New Roman"/>
-              <a:buChar char="»"/>
-            </a:pPr>
-            <a:r>
-              <a:rPr b="0" lang="en-US" sz="2000" spc="-1" strike="noStrike">
-                <a:solidFill>
-                  <a:srgbClr val="000000"/>
-                </a:solidFill>
-                <a:uFill>
-                  <a:solidFill>
-                    <a:srgbClr val="ffffff"/>
-                  </a:solidFill>
-                </a:uFill>
-                <a:latin typeface="Arial"/>
-              </a:rPr>
-              <a:t>Fifth Outline Level</a:t>
-            </a:r>
-            <a:endParaRPr b="0" lang="en-US" sz="2000" spc="-1" strike="noStrike">
-              <a:solidFill>
-                <a:srgbClr val="000000"/>
-              </a:solidFill>
-              <a:uFill>
-                <a:solidFill>
-                  <a:srgbClr val="ffffff"/>
-                </a:solidFill>
-              </a:uFill>
-              <a:latin typeface="Arial"/>
-            </a:endParaRPr>
-          </a:p>
-          <a:p>
-            <a:pPr lvl="5" marL="2057400" indent="-228600">
-              <a:buClr>
-                <a:srgbClr val="000000"/>
-              </a:buClr>
-              <a:buFont typeface="Times New Roman"/>
-              <a:buChar char="»"/>
-            </a:pPr>
-            <a:r>
-              <a:rPr b="0" lang="en-US" sz="2000" spc="-1" strike="noStrike">
-                <a:solidFill>
-                  <a:srgbClr val="000000"/>
-                </a:solidFill>
-                <a:uFill>
-                  <a:solidFill>
-                    <a:srgbClr val="ffffff"/>
-                  </a:solidFill>
-                </a:uFill>
-                <a:latin typeface="Arial"/>
-              </a:rPr>
-              <a:t>Sixth Outline Level</a:t>
-            </a:r>
-            <a:endParaRPr b="0" lang="en-US" sz="2000" spc="-1" strike="noStrike">
-              <a:solidFill>
-                <a:srgbClr val="000000"/>
-              </a:solidFill>
-              <a:uFill>
-                <a:solidFill>
-                  <a:srgbClr val="ffffff"/>
-                </a:solidFill>
-              </a:uFill>
-              <a:latin typeface="Arial"/>
-            </a:endParaRPr>
-          </a:p>
-          <a:p>
-            <a:pPr lvl="6" marL="2057400" indent="-228600">
-              <a:buClr>
-                <a:srgbClr val="000000"/>
-              </a:buClr>
-              <a:buFont typeface="Times New Roman"/>
-              <a:buChar char="»"/>
-            </a:pPr>
-            <a:r>
-              <a:rPr b="0" lang="en-US" sz="2000" spc="-1" strike="noStrike">
-                <a:solidFill>
-                  <a:srgbClr val="000000"/>
-                </a:solidFill>
-                <a:uFill>
-                  <a:solidFill>
-                    <a:srgbClr val="ffffff"/>
-                  </a:solidFill>
-                </a:uFill>
-                <a:latin typeface="Arial"/>
-              </a:rPr>
-              <a:t>Seventh Outline Level</a:t>
-            </a:r>
-            <a:endParaRPr b="0" lang="en-US" sz="2000" spc="-1" strike="noStrike">
-              <a:solidFill>
-                <a:srgbClr val="000000"/>
-              </a:solidFill>
-              <a:uFill>
-                <a:solidFill>
-                  <a:srgbClr val="ffffff"/>
-                </a:solidFill>
-              </a:uFill>
-              <a:latin typeface="Arial"/>
-            </a:endParaRPr>
-          </a:p>
-        </p:txBody>
-      </p:sp>
-      <p:sp>
-        <p:nvSpPr>
-          <p:cNvPr id="2" name="PlaceHolder 3"/>
-          <p:cNvSpPr>
-            <a:spLocks noGrp="1"/>
-          </p:cNvSpPr>
-          <p:nvPr>
-            <p:ph type="dt"/>
-          </p:nvPr>
-        </p:nvSpPr>
-        <p:spPr>
-          <a:xfrm>
-            <a:off x="502920" y="6886440"/>
-            <a:ext cx="2346120" cy="519120"/>
+            <a:off x="504000" y="1768680"/>
+            <a:ext cx="9072000" cy="4384080"/>
           </a:xfrm>
           <a:prstGeom prst="rect">
             <a:avLst/>
@@ -2284,124 +1993,239 @@
         <p:txBody>
           <a:bodyPr lIns="0" rIns="0" tIns="0" bIns="0"/>
           <a:p>
-            <a:pPr/>
-            <a:r>
-              <a:rPr b="0" lang="en-US" sz="1800" spc="-1" strike="noStrike">
-                <a:solidFill>
-                  <a:srgbClr val="000000"/>
-                </a:solidFill>
-                <a:uFill>
-                  <a:solidFill>
-                    <a:srgbClr val="ffffff"/>
-                  </a:solidFill>
-                </a:uFill>
-                <a:latin typeface="Arial"/>
-              </a:rPr>
-              <a:t>&lt;date/time&gt;</a:t>
-            </a:r>
-            <a:endParaRPr b="0" lang="en-US" sz="1800" spc="-1" strike="noStrike">
-              <a:solidFill>
-                <a:srgbClr val="000000"/>
-              </a:solidFill>
-              <a:uFill>
-                <a:solidFill>
-                  <a:srgbClr val="ffffff"/>
-                </a:solidFill>
-              </a:uFill>
-              <a:latin typeface="Arial"/>
-            </a:endParaRPr>
-          </a:p>
-        </p:txBody>
-      </p:sp>
-      <p:sp>
-        <p:nvSpPr>
-          <p:cNvPr id="3" name="PlaceHolder 4"/>
-          <p:cNvSpPr>
-            <a:spLocks noGrp="1"/>
-          </p:cNvSpPr>
-          <p:nvPr>
-            <p:ph type="ftr"/>
-          </p:nvPr>
-        </p:nvSpPr>
-        <p:spPr>
-          <a:xfrm>
-            <a:off x="3448080" y="6886440"/>
-            <a:ext cx="3193920" cy="519120"/>
-          </a:xfrm>
-          <a:prstGeom prst="rect">
-            <a:avLst/>
-          </a:prstGeom>
-        </p:spPr>
-        <p:txBody>
-          <a:bodyPr lIns="0" rIns="0" tIns="0" bIns="0"/>
-          <a:p>
-            <a:pPr/>
-            <a:r>
-              <a:rPr b="0" lang="en-US" sz="1800" spc="-1" strike="noStrike">
-                <a:solidFill>
-                  <a:srgbClr val="000000"/>
-                </a:solidFill>
-                <a:uFill>
-                  <a:solidFill>
-                    <a:srgbClr val="ffffff"/>
-                  </a:solidFill>
-                </a:uFill>
-                <a:latin typeface="Arial"/>
-              </a:rPr>
-              <a:t>&lt;footer&gt;</a:t>
-            </a:r>
-            <a:endParaRPr b="0" lang="en-US" sz="1800" spc="-1" strike="noStrike">
-              <a:solidFill>
-                <a:srgbClr val="000000"/>
-              </a:solidFill>
-              <a:uFill>
-                <a:solidFill>
-                  <a:srgbClr val="ffffff"/>
-                </a:solidFill>
-              </a:uFill>
-              <a:latin typeface="Arial"/>
-            </a:endParaRPr>
-          </a:p>
-        </p:txBody>
-      </p:sp>
-      <p:sp>
-        <p:nvSpPr>
-          <p:cNvPr id="4" name="PlaceHolder 5"/>
-          <p:cNvSpPr>
-            <a:spLocks noGrp="1"/>
-          </p:cNvSpPr>
-          <p:nvPr>
-            <p:ph type="sldNum"/>
-          </p:nvPr>
-        </p:nvSpPr>
-        <p:spPr>
-          <a:xfrm>
-            <a:off x="7227720" y="6886440"/>
-            <a:ext cx="2346480" cy="519120"/>
-          </a:xfrm>
-          <a:prstGeom prst="rect">
-            <a:avLst/>
-          </a:prstGeom>
-        </p:spPr>
-        <p:txBody>
-          <a:bodyPr lIns="0" rIns="0" tIns="0" bIns="0"/>
-          <a:p>
-            <a:pPr/>
-            <a:fld id="{00CB551A-F162-40F8-88EF-1CF66F6FF34C}" type="slidenum">
-              <a:rPr b="0" lang="en-US" sz="1800" spc="-1" strike="noStrike">
-                <a:solidFill>
-                  <a:srgbClr val="000000"/>
-                </a:solidFill>
-                <a:uFill>
-                  <a:solidFill>
-                    <a:srgbClr val="ffffff"/>
-                  </a:solidFill>
-                </a:uFill>
-                <a:latin typeface="Arial"/>
-              </a:rPr>
-              <a:t>&lt;number&gt;</a:t>
-            </a:fld>
-            <a:endParaRPr b="0" lang="en-US" sz="1800" spc="-1" strike="noStrike">
+            <a:pPr marL="432000" indent="-324000">
+              <a:buClr>
+                <a:srgbClr val="000000"/>
+              </a:buClr>
+              <a:buSzPct val="45000"/>
+              <a:buFont typeface="Wingdings" charset="2"/>
+              <a:buChar char=""/>
+            </a:pPr>
+            <a:r>
+              <a:rPr b="0" lang="en-US" sz="3200" spc="-1" strike="noStrike">
+                <a:solidFill>
+                  <a:srgbClr val="000000"/>
+                </a:solidFill>
+                <a:uFill>
+                  <a:solidFill>
+                    <a:srgbClr val="ffffff"/>
+                  </a:solidFill>
+                </a:uFill>
+                <a:latin typeface="Arial"/>
+              </a:rPr>
+              <a:t>Click to edit the outline text format</a:t>
+            </a:r>
+            <a:endParaRPr b="0" lang="en-US" sz="3200" spc="-1" strike="noStrike">
+              <a:solidFill>
+                <a:srgbClr val="000000"/>
+              </a:solidFill>
+              <a:uFill>
+                <a:solidFill>
+                  <a:srgbClr val="ffffff"/>
+                </a:solidFill>
+              </a:uFill>
+              <a:latin typeface="Arial"/>
+            </a:endParaRPr>
+          </a:p>
+          <a:p>
+            <a:pPr lvl="1" marL="864000" indent="-324000">
+              <a:buClr>
+                <a:srgbClr val="000000"/>
+              </a:buClr>
+              <a:buSzPct val="75000"/>
+              <a:buFont typeface="Symbol" charset="2"/>
+              <a:buChar char=""/>
+            </a:pPr>
+            <a:r>
+              <a:rPr b="0" lang="en-US" sz="2800" spc="-1" strike="noStrike">
+                <a:solidFill>
+                  <a:srgbClr val="000000"/>
+                </a:solidFill>
+                <a:uFill>
+                  <a:solidFill>
+                    <a:srgbClr val="ffffff"/>
+                  </a:solidFill>
+                </a:uFill>
+                <a:latin typeface="Arial"/>
+              </a:rPr>
+              <a:t>Second Outline Level</a:t>
+            </a:r>
+            <a:endParaRPr b="0" lang="en-US" sz="2800" spc="-1" strike="noStrike">
+              <a:solidFill>
+                <a:srgbClr val="000000"/>
+              </a:solidFill>
+              <a:uFill>
+                <a:solidFill>
+                  <a:srgbClr val="ffffff"/>
+                </a:solidFill>
+              </a:uFill>
+              <a:latin typeface="Arial"/>
+            </a:endParaRPr>
+          </a:p>
+          <a:p>
+            <a:pPr lvl="2" marL="1296000" indent="-288000">
+              <a:buClr>
+                <a:srgbClr val="000000"/>
+              </a:buClr>
+              <a:buSzPct val="45000"/>
+              <a:buFont typeface="Wingdings" charset="2"/>
+              <a:buChar char=""/>
+            </a:pPr>
+            <a:r>
+              <a:rPr b="0" lang="en-US" sz="2400" spc="-1" strike="noStrike">
+                <a:solidFill>
+                  <a:srgbClr val="000000"/>
+                </a:solidFill>
+                <a:uFill>
+                  <a:solidFill>
+                    <a:srgbClr val="ffffff"/>
+                  </a:solidFill>
+                </a:uFill>
+                <a:latin typeface="Arial"/>
+              </a:rPr>
+              <a:t>Third Outline Level</a:t>
+            </a:r>
+            <a:endParaRPr b="0" lang="en-US" sz="2400" spc="-1" strike="noStrike">
+              <a:solidFill>
+                <a:srgbClr val="000000"/>
+              </a:solidFill>
+              <a:uFill>
+                <a:solidFill>
+                  <a:srgbClr val="ffffff"/>
+                </a:solidFill>
+              </a:uFill>
+              <a:latin typeface="Arial"/>
+            </a:endParaRPr>
+          </a:p>
+          <a:p>
+            <a:pPr lvl="3" marL="1728000" indent="-216000">
+              <a:buClr>
+                <a:srgbClr val="000000"/>
+              </a:buClr>
+              <a:buSzPct val="75000"/>
+              <a:buFont typeface="Symbol" charset="2"/>
+              <a:buChar char=""/>
+            </a:pPr>
+            <a:r>
+              <a:rPr b="0" lang="en-US" sz="2000" spc="-1" strike="noStrike">
+                <a:solidFill>
+                  <a:srgbClr val="000000"/>
+                </a:solidFill>
+                <a:uFill>
+                  <a:solidFill>
+                    <a:srgbClr val="ffffff"/>
+                  </a:solidFill>
+                </a:uFill>
+                <a:latin typeface="Arial"/>
+              </a:rPr>
+              <a:t>Fourth Outline Level</a:t>
+            </a:r>
+            <a:endParaRPr b="0" lang="en-US" sz="2000" spc="-1" strike="noStrike">
+              <a:solidFill>
+                <a:srgbClr val="000000"/>
+              </a:solidFill>
+              <a:uFill>
+                <a:solidFill>
+                  <a:srgbClr val="ffffff"/>
+                </a:solidFill>
+              </a:uFill>
+              <a:latin typeface="Arial"/>
+            </a:endParaRPr>
+          </a:p>
+          <a:p>
+            <a:pPr lvl="4" marL="2160000" indent="-216000">
+              <a:buClr>
+                <a:srgbClr val="000000"/>
+              </a:buClr>
+              <a:buSzPct val="45000"/>
+              <a:buFont typeface="Wingdings" charset="2"/>
+              <a:buChar char=""/>
+            </a:pPr>
+            <a:r>
+              <a:rPr b="0" lang="en-US" sz="2000" spc="-1" strike="noStrike">
+                <a:solidFill>
+                  <a:srgbClr val="000000"/>
+                </a:solidFill>
+                <a:uFill>
+                  <a:solidFill>
+                    <a:srgbClr val="ffffff"/>
+                  </a:solidFill>
+                </a:uFill>
+                <a:latin typeface="Arial"/>
+              </a:rPr>
+              <a:t>Fifth Outline Level</a:t>
+            </a:r>
+            <a:endParaRPr b="0" lang="en-US" sz="2000" spc="-1" strike="noStrike">
+              <a:solidFill>
+                <a:srgbClr val="000000"/>
+              </a:solidFill>
+              <a:uFill>
+                <a:solidFill>
+                  <a:srgbClr val="ffffff"/>
+                </a:solidFill>
+              </a:uFill>
+              <a:latin typeface="Arial"/>
+            </a:endParaRPr>
+          </a:p>
+          <a:p>
+            <a:pPr lvl="5" marL="2592000" indent="-216000">
+              <a:buClr>
+                <a:srgbClr val="000000"/>
+              </a:buClr>
+              <a:buSzPct val="45000"/>
+              <a:buFont typeface="Wingdings" charset="2"/>
+              <a:buChar char=""/>
+            </a:pPr>
+            <a:r>
+              <a:rPr b="0" lang="en-US" sz="2000" spc="-1" strike="noStrike">
+                <a:solidFill>
+                  <a:srgbClr val="000000"/>
+                </a:solidFill>
+                <a:uFill>
+                  <a:solidFill>
+                    <a:srgbClr val="ffffff"/>
+                  </a:solidFill>
+                </a:uFill>
+                <a:latin typeface="Arial"/>
+              </a:rPr>
+              <a:t>Sixth Outline Level</a:t>
+            </a:r>
+            <a:endParaRPr b="0" lang="en-US" sz="2000" spc="-1" strike="noStrike">
+              <a:solidFill>
+                <a:srgbClr val="000000"/>
+              </a:solidFill>
+              <a:uFill>
+                <a:solidFill>
+                  <a:srgbClr val="ffffff"/>
+                </a:solidFill>
+              </a:uFill>
+              <a:latin typeface="Arial"/>
+            </a:endParaRPr>
+          </a:p>
+          <a:p>
+            <a:pPr lvl="6" marL="3024000" indent="-216000">
+              <a:buClr>
+                <a:srgbClr val="000000"/>
+              </a:buClr>
+              <a:buSzPct val="45000"/>
+              <a:buFont typeface="Wingdings" charset="2"/>
+              <a:buChar char=""/>
+            </a:pPr>
+            <a:r>
+              <a:rPr b="0" lang="en-US" sz="2000" spc="-1" strike="noStrike">
+                <a:solidFill>
+                  <a:srgbClr val="000000"/>
+                </a:solidFill>
+                <a:uFill>
+                  <a:solidFill>
+                    <a:srgbClr val="ffffff"/>
+                  </a:solidFill>
+                </a:uFill>
+                <a:latin typeface="Arial"/>
+              </a:rPr>
+              <a:t>Seventh Outline Level</a:t>
+            </a:r>
+            <a:endParaRPr b="0" lang="en-US" sz="2000" spc="-1" strike="noStrike">
               <a:solidFill>
                 <a:srgbClr val="000000"/>
               </a:solidFill>
@@ -2461,14 +2285,14 @@
       </p:grpSpPr>
       <p:sp>
         <p:nvSpPr>
-          <p:cNvPr id="45" name="CustomShape 1"/>
+          <p:cNvPr id="41" name="CustomShape 1"/>
           <p:cNvSpPr/>
           <p:nvPr/>
         </p:nvSpPr>
         <p:spPr>
           <a:xfrm>
             <a:off x="431640" y="496800"/>
-            <a:ext cx="5759640" cy="3822840"/>
+            <a:ext cx="5759280" cy="3822480"/>
           </a:xfrm>
           <a:custGeom>
             <a:avLst/>
@@ -2516,48 +2340,50 @@
               </a:lnSpc>
             </a:pPr>
             <a:r>
-              <a:rPr b="0" lang="ja-JP" sz="1800" spc="-1" strike="noStrike">
-                <a:solidFill>
-                  <a:srgbClr val="000000"/>
-                </a:solidFill>
-                <a:uFill>
-                  <a:solidFill>
-                    <a:srgbClr val="ffffff"/>
-                  </a:solidFill>
-                </a:uFill>
-                <a:latin typeface="Arial"/>
-              </a:rPr>
-              <a:t>ブロックチェーンアプリケーションの主なモジュール</a:t>
-            </a:r>
-            <a:endParaRPr b="0" lang="en-US" sz="1800" spc="-1" strike="noStrike">
-              <a:solidFill>
-                <a:srgbClr val="000000"/>
-              </a:solidFill>
-              <a:uFill>
-                <a:solidFill>
-                  <a:srgbClr val="ffffff"/>
-                </a:solidFill>
-              </a:uFill>
-              <a:latin typeface="Arial"/>
-            </a:endParaRPr>
-          </a:p>
-          <a:p>
-            <a:pPr>
-              <a:lnSpc>
-                <a:spcPct val="93000"/>
-              </a:lnSpc>
-            </a:pPr>
-            <a:r>
-              <a:rPr b="0" lang="en-US" sz="1800" spc="-1" strike="noStrike">
-                <a:solidFill>
-                  <a:srgbClr val="000000"/>
-                </a:solidFill>
-                <a:uFill>
-                  <a:solidFill>
-                    <a:srgbClr val="ffffff"/>
-                  </a:solidFill>
-                </a:uFill>
-                <a:latin typeface="Arial"/>
+              <a:rPr b="0" lang="en-US" sz="1800" spc="-1" strike="noStrike">
+                <a:solidFill>
+                  <a:srgbClr val="000000"/>
+                </a:solidFill>
+                <a:uFill>
+                  <a:solidFill>
+                    <a:srgbClr val="ffffff"/>
+                  </a:solidFill>
+                </a:uFill>
+                <a:latin typeface="Arial"/>
+                <a:ea typeface="DejaVu Sans"/>
+              </a:rPr>
+              <a:t>ブロックチェーン・アプリケーションの中の主要モジュール</a:t>
+            </a:r>
+            <a:endParaRPr b="0" lang="en-US" sz="1800" spc="-1" strike="noStrike">
+              <a:solidFill>
+                <a:srgbClr val="000000"/>
+              </a:solidFill>
+              <a:uFill>
+                <a:solidFill>
+                  <a:srgbClr val="ffffff"/>
+                </a:solidFill>
+              </a:uFill>
+              <a:latin typeface="Arial"/>
+            </a:endParaRPr>
+          </a:p>
+          <a:p>
+            <a:pPr>
+              <a:lnSpc>
+                <a:spcPct val="93000"/>
+              </a:lnSpc>
+            </a:pPr>
+            <a:r>
+              <a:rPr b="0" lang="en-US" sz="1800" spc="-1" strike="noStrike">
+                <a:solidFill>
+                  <a:srgbClr val="000000"/>
+                </a:solidFill>
+                <a:uFill>
+                  <a:solidFill>
+                    <a:srgbClr val="ffffff"/>
+                  </a:solidFill>
+                </a:uFill>
+                <a:latin typeface="Arial"/>
+                <a:ea typeface="DejaVu Sans"/>
               </a:rPr>
               <a:t> </a:t>
             </a:r>
@@ -2590,20 +2416,52 @@
                   </a:solidFill>
                 </a:uFill>
                 <a:latin typeface="Arial"/>
-              </a:rPr>
-              <a:t>- Account </a:t>
-            </a:r>
-            <a:r>
-              <a:rPr b="0" lang="ja-JP" sz="1800" spc="-1" strike="noStrike">
-                <a:solidFill>
-                  <a:srgbClr val="000000"/>
-                </a:solidFill>
-                <a:uFill>
-                  <a:solidFill>
-                    <a:srgbClr val="ffffff"/>
-                  </a:solidFill>
-                </a:uFill>
-                <a:latin typeface="Arial"/>
+                <a:ea typeface="DejaVu Sans"/>
+              </a:rPr>
+              <a:t>■</a:t>
+            </a:r>
+            <a:r>
+              <a:rPr b="0" lang="en-US" sz="1800" spc="-1" strike="noStrike">
+                <a:solidFill>
+                  <a:srgbClr val="000000"/>
+                </a:solidFill>
+                <a:uFill>
+                  <a:solidFill>
+                    <a:srgbClr val="ffffff"/>
+                  </a:solidFill>
+                </a:uFill>
+                <a:latin typeface="Arial"/>
+                <a:ea typeface="DejaVu Sans"/>
+              </a:rPr>
+              <a:t>　</a:t>
+            </a:r>
+            <a:r>
+              <a:rPr b="0" lang="en-US" sz="1800" spc="-1" strike="noStrike">
+                <a:solidFill>
+                  <a:srgbClr val="000000"/>
+                </a:solidFill>
+                <a:uFill>
+                  <a:solidFill>
+                    <a:srgbClr val="ffffff"/>
+                  </a:solidFill>
+                </a:uFill>
+                <a:latin typeface="Arial"/>
+                <a:ea typeface="DejaVu Sans"/>
+              </a:rPr>
+              <a:t>Account </a:t>
+            </a:r>
+            <a:r>
+              <a:rPr b="0" lang="en-US" sz="1800" spc="-1" strike="noStrike">
+                <a:solidFill>
+                  <a:srgbClr val="000000"/>
+                </a:solidFill>
+                <a:uFill>
+                  <a:solidFill>
+                    <a:srgbClr val="ffffff"/>
+                  </a:solidFill>
+                </a:uFill>
+                <a:latin typeface="Arial"/>
+                <a:ea typeface="DejaVu Sans"/>
               </a:rPr>
               <a:t>口座 </a:t>
             </a:r>
@@ -2636,20 +2494,52 @@
                   </a:solidFill>
                 </a:uFill>
                 <a:latin typeface="Arial"/>
-              </a:rPr>
-              <a:t>-Transaction</a:t>
-            </a:r>
-            <a:r>
-              <a:rPr b="0" lang="ja-JP" sz="1800" spc="-1" strike="noStrike">
-                <a:solidFill>
-                  <a:srgbClr val="000000"/>
-                </a:solidFill>
-                <a:uFill>
-                  <a:solidFill>
-                    <a:srgbClr val="ffffff"/>
-                  </a:solidFill>
-                </a:uFill>
-                <a:latin typeface="Arial"/>
+                <a:ea typeface="DejaVu Sans"/>
+              </a:rPr>
+              <a:t>■</a:t>
+            </a:r>
+            <a:r>
+              <a:rPr b="0" lang="en-US" sz="1800" spc="-1" strike="noStrike">
+                <a:solidFill>
+                  <a:srgbClr val="000000"/>
+                </a:solidFill>
+                <a:uFill>
+                  <a:solidFill>
+                    <a:srgbClr val="ffffff"/>
+                  </a:solidFill>
+                </a:uFill>
+                <a:latin typeface="Arial"/>
+                <a:ea typeface="DejaVu Sans"/>
+              </a:rPr>
+              <a:t>　</a:t>
+            </a:r>
+            <a:r>
+              <a:rPr b="0" lang="en-US" sz="1800" spc="-1" strike="noStrike">
+                <a:solidFill>
+                  <a:srgbClr val="000000"/>
+                </a:solidFill>
+                <a:uFill>
+                  <a:solidFill>
+                    <a:srgbClr val="ffffff"/>
+                  </a:solidFill>
+                </a:uFill>
+                <a:latin typeface="Arial"/>
+                <a:ea typeface="DejaVu Sans"/>
+              </a:rPr>
+              <a:t>Transaction</a:t>
+            </a:r>
+            <a:r>
+              <a:rPr b="0" lang="en-US" sz="1800" spc="-1" strike="noStrike">
+                <a:solidFill>
+                  <a:srgbClr val="000000"/>
+                </a:solidFill>
+                <a:uFill>
+                  <a:solidFill>
+                    <a:srgbClr val="ffffff"/>
+                  </a:solidFill>
+                </a:uFill>
+                <a:latin typeface="Arial"/>
+                <a:ea typeface="DejaVu Sans"/>
               </a:rPr>
               <a:t>　取引ログ</a:t>
             </a:r>
@@ -2682,20 +2572,52 @@
                   </a:solidFill>
                 </a:uFill>
                 <a:latin typeface="Arial"/>
-              </a:rPr>
-              <a:t>-Block </a:t>
-            </a:r>
-            <a:r>
-              <a:rPr b="0" lang="ja-JP" sz="1800" spc="-1" strike="noStrike">
-                <a:solidFill>
-                  <a:srgbClr val="000000"/>
-                </a:solidFill>
-                <a:uFill>
-                  <a:solidFill>
-                    <a:srgbClr val="ffffff"/>
-                  </a:solidFill>
-                </a:uFill>
-                <a:latin typeface="Arial"/>
+                <a:ea typeface="DejaVu Sans"/>
+              </a:rPr>
+              <a:t>■</a:t>
+            </a:r>
+            <a:r>
+              <a:rPr b="0" lang="en-US" sz="1800" spc="-1" strike="noStrike">
+                <a:solidFill>
+                  <a:srgbClr val="000000"/>
+                </a:solidFill>
+                <a:uFill>
+                  <a:solidFill>
+                    <a:srgbClr val="ffffff"/>
+                  </a:solidFill>
+                </a:uFill>
+                <a:latin typeface="Arial"/>
+                <a:ea typeface="DejaVu Sans"/>
+              </a:rPr>
+              <a:t>　</a:t>
+            </a:r>
+            <a:r>
+              <a:rPr b="0" lang="en-US" sz="1800" spc="-1" strike="noStrike">
+                <a:solidFill>
+                  <a:srgbClr val="000000"/>
+                </a:solidFill>
+                <a:uFill>
+                  <a:solidFill>
+                    <a:srgbClr val="ffffff"/>
+                  </a:solidFill>
+                </a:uFill>
+                <a:latin typeface="Arial"/>
+                <a:ea typeface="DejaVu Sans"/>
+              </a:rPr>
+              <a:t>Block </a:t>
+            </a:r>
+            <a:r>
+              <a:rPr b="0" lang="en-US" sz="1800" spc="-1" strike="noStrike">
+                <a:solidFill>
+                  <a:srgbClr val="000000"/>
+                </a:solidFill>
+                <a:uFill>
+                  <a:solidFill>
+                    <a:srgbClr val="ffffff"/>
+                  </a:solidFill>
+                </a:uFill>
+                <a:latin typeface="Arial"/>
+                <a:ea typeface="DejaVu Sans"/>
               </a:rPr>
               <a:t>ブロック</a:t>
             </a:r>
@@ -2728,20 +2650,52 @@
                   </a:solidFill>
                 </a:uFill>
                 <a:latin typeface="Arial"/>
-              </a:rPr>
-              <a:t>-Chain</a:t>
-            </a:r>
-            <a:r>
-              <a:rPr b="0" lang="ja-JP" sz="1800" spc="-1" strike="noStrike">
-                <a:solidFill>
-                  <a:srgbClr val="000000"/>
-                </a:solidFill>
-                <a:uFill>
-                  <a:solidFill>
-                    <a:srgbClr val="ffffff"/>
-                  </a:solidFill>
-                </a:uFill>
-                <a:latin typeface="Arial"/>
+                <a:ea typeface="DejaVu Sans"/>
+              </a:rPr>
+              <a:t>■</a:t>
+            </a:r>
+            <a:r>
+              <a:rPr b="0" lang="en-US" sz="1800" spc="-1" strike="noStrike">
+                <a:solidFill>
+                  <a:srgbClr val="000000"/>
+                </a:solidFill>
+                <a:uFill>
+                  <a:solidFill>
+                    <a:srgbClr val="ffffff"/>
+                  </a:solidFill>
+                </a:uFill>
+                <a:latin typeface="Arial"/>
+                <a:ea typeface="DejaVu Sans"/>
+              </a:rPr>
+              <a:t>　</a:t>
+            </a:r>
+            <a:r>
+              <a:rPr b="0" lang="en-US" sz="1800" spc="-1" strike="noStrike">
+                <a:solidFill>
+                  <a:srgbClr val="000000"/>
+                </a:solidFill>
+                <a:uFill>
+                  <a:solidFill>
+                    <a:srgbClr val="ffffff"/>
+                  </a:solidFill>
+                </a:uFill>
+                <a:latin typeface="Arial"/>
+                <a:ea typeface="DejaVu Sans"/>
+              </a:rPr>
+              <a:t>Chain</a:t>
+            </a:r>
+            <a:r>
+              <a:rPr b="0" lang="en-US" sz="1800" spc="-1" strike="noStrike">
+                <a:solidFill>
+                  <a:srgbClr val="000000"/>
+                </a:solidFill>
+                <a:uFill>
+                  <a:solidFill>
+                    <a:srgbClr val="ffffff"/>
+                  </a:solidFill>
+                </a:uFill>
+                <a:latin typeface="Arial"/>
+                <a:ea typeface="DejaVu Sans"/>
               </a:rPr>
               <a:t>　チェーン</a:t>
             </a:r>
@@ -2774,6 +2728,211 @@
                   </a:solidFill>
                 </a:uFill>
                 <a:latin typeface="Arial"/>
+                <a:ea typeface="DejaVu Sans"/>
+              </a:rPr>
+              <a:t>■</a:t>
+            </a:r>
+            <a:r>
+              <a:rPr b="0" lang="en-US" sz="1800" spc="-1" strike="noStrike">
+                <a:solidFill>
+                  <a:srgbClr val="000000"/>
+                </a:solidFill>
+                <a:uFill>
+                  <a:solidFill>
+                    <a:srgbClr val="ffffff"/>
+                  </a:solidFill>
+                </a:uFill>
+                <a:latin typeface="Arial"/>
+                <a:ea typeface="DejaVu Sans"/>
+              </a:rPr>
+              <a:t>　</a:t>
+            </a:r>
+            <a:r>
+              <a:rPr b="0" lang="en-US" sz="1800" spc="-1" strike="noStrike">
+                <a:solidFill>
+                  <a:srgbClr val="000000"/>
+                </a:solidFill>
+                <a:uFill>
+                  <a:solidFill>
+                    <a:srgbClr val="ffffff"/>
+                  </a:solidFill>
+                </a:uFill>
+                <a:latin typeface="Arial"/>
+                <a:ea typeface="DejaVu Sans"/>
+              </a:rPr>
+              <a:t>Mining</a:t>
+            </a:r>
+            <a:r>
+              <a:rPr b="0" lang="en-US" sz="1800" spc="-1" strike="noStrike">
+                <a:solidFill>
+                  <a:srgbClr val="000000"/>
+                </a:solidFill>
+                <a:uFill>
+                  <a:solidFill>
+                    <a:srgbClr val="ffffff"/>
+                  </a:solidFill>
+                </a:uFill>
+                <a:latin typeface="Arial"/>
+                <a:ea typeface="DejaVu Sans"/>
+              </a:rPr>
+              <a:t>　マイニング</a:t>
+            </a:r>
+            <a:endParaRPr b="0" lang="en-US" sz="1800" spc="-1" strike="noStrike">
+              <a:solidFill>
+                <a:srgbClr val="000000"/>
+              </a:solidFill>
+              <a:uFill>
+                <a:solidFill>
+                  <a:srgbClr val="ffffff"/>
+                </a:solidFill>
+              </a:uFill>
+              <a:latin typeface="Arial"/>
+            </a:endParaRPr>
+          </a:p>
+          <a:p>
+            <a:pPr>
+              <a:lnSpc>
+                <a:spcPct val="93000"/>
+              </a:lnSpc>
+            </a:pPr>
+            <a:r>
+              <a:rPr b="0" lang="en-US" sz="1800" spc="-1" strike="noStrike">
+                <a:solidFill>
+                  <a:srgbClr val="000000"/>
+                </a:solidFill>
+                <a:uFill>
+                  <a:solidFill>
+                    <a:srgbClr val="ffffff"/>
+                  </a:solidFill>
+                </a:uFill>
+                <a:latin typeface="Arial"/>
+                <a:ea typeface="DejaVu Sans"/>
+              </a:rPr>
+              <a:t>　（</a:t>
+            </a:r>
+            <a:r>
+              <a:rPr b="0" lang="en-US" sz="1800" spc="-1" strike="noStrike">
+                <a:solidFill>
+                  <a:srgbClr val="000000"/>
+                </a:solidFill>
+                <a:uFill>
+                  <a:solidFill>
+                    <a:srgbClr val="ffffff"/>
+                  </a:solidFill>
+                </a:uFill>
+                <a:latin typeface="Arial"/>
+                <a:ea typeface="DejaVu Sans"/>
+              </a:rPr>
+              <a:t>Merkle Tree </a:t>
+            </a:r>
+            <a:r>
+              <a:rPr b="0" lang="en-US" sz="1800" spc="-1" strike="noStrike">
+                <a:solidFill>
+                  <a:srgbClr val="000000"/>
+                </a:solidFill>
+                <a:uFill>
+                  <a:solidFill>
+                    <a:srgbClr val="ffffff"/>
+                  </a:solidFill>
+                </a:uFill>
+                <a:latin typeface="Arial"/>
+                <a:ea typeface="DejaVu Sans"/>
+              </a:rPr>
+              <a:t>マークルトリー）</a:t>
+            </a:r>
+            <a:endParaRPr b="0" lang="en-US" sz="1800" spc="-1" strike="noStrike">
+              <a:solidFill>
+                <a:srgbClr val="000000"/>
+              </a:solidFill>
+              <a:uFill>
+                <a:solidFill>
+                  <a:srgbClr val="ffffff"/>
+                </a:solidFill>
+              </a:uFill>
+              <a:latin typeface="Arial"/>
+            </a:endParaRPr>
+          </a:p>
+          <a:p>
+            <a:pPr>
+              <a:lnSpc>
+                <a:spcPct val="93000"/>
+              </a:lnSpc>
+            </a:pPr>
+            <a:r>
+              <a:rPr b="0" lang="en-US" sz="1800" spc="-1" strike="noStrike">
+                <a:solidFill>
+                  <a:srgbClr val="000000"/>
+                </a:solidFill>
+                <a:uFill>
+                  <a:solidFill>
+                    <a:srgbClr val="ffffff"/>
+                  </a:solidFill>
+                </a:uFill>
+                <a:latin typeface="Arial"/>
+                <a:ea typeface="DejaVu Sans"/>
+              </a:rPr>
+              <a:t>　（</a:t>
+            </a:r>
+            <a:r>
+              <a:rPr b="0" lang="en-US" sz="1800" spc="-1" strike="noStrike">
+                <a:solidFill>
+                  <a:srgbClr val="000000"/>
+                </a:solidFill>
+                <a:uFill>
+                  <a:solidFill>
+                    <a:srgbClr val="ffffff"/>
+                  </a:solidFill>
+                </a:uFill>
+                <a:latin typeface="Arial"/>
+                <a:ea typeface="DejaVu Sans"/>
+              </a:rPr>
+              <a:t>Consensus algorithm </a:t>
+            </a:r>
+            <a:r>
+              <a:rPr b="0" lang="en-US" sz="1800" spc="-1" strike="noStrike">
+                <a:solidFill>
+                  <a:srgbClr val="000000"/>
+                </a:solidFill>
+                <a:uFill>
+                  <a:solidFill>
+                    <a:srgbClr val="ffffff"/>
+                  </a:solidFill>
+                </a:uFill>
+                <a:latin typeface="Arial"/>
+                <a:ea typeface="DejaVu Sans"/>
+              </a:rPr>
+              <a:t>合意形成のアルゴリズム）</a:t>
+            </a:r>
+            <a:endParaRPr b="0" lang="en-US" sz="1800" spc="-1" strike="noStrike">
+              <a:solidFill>
+                <a:srgbClr val="000000"/>
+              </a:solidFill>
+              <a:uFill>
+                <a:solidFill>
+                  <a:srgbClr val="ffffff"/>
+                </a:solidFill>
+              </a:uFill>
+              <a:latin typeface="Arial"/>
+            </a:endParaRPr>
+          </a:p>
+          <a:p>
+            <a:pPr>
+              <a:lnSpc>
+                <a:spcPct val="93000"/>
+              </a:lnSpc>
+            </a:pPr>
+            <a:r>
+              <a:rPr b="0" lang="en-US" sz="1800" spc="-1" strike="noStrike">
+                <a:solidFill>
+                  <a:srgbClr val="000000"/>
+                </a:solidFill>
+                <a:uFill>
+                  <a:solidFill>
+                    <a:srgbClr val="ffffff"/>
+                  </a:solidFill>
+                </a:uFill>
+                <a:latin typeface="Arial"/>
+                <a:ea typeface="DejaVu Sans"/>
               </a:rPr>
               <a:t> </a:t>
             </a:r>
@@ -2806,172 +2965,133 @@
                   </a:solidFill>
                 </a:uFill>
                 <a:latin typeface="Arial"/>
-              </a:rPr>
-              <a:t>-Mining</a:t>
-            </a:r>
-            <a:r>
-              <a:rPr b="0" lang="ja-JP" sz="1800" spc="-1" strike="noStrike">
-                <a:solidFill>
-                  <a:srgbClr val="000000"/>
-                </a:solidFill>
-                <a:uFill>
-                  <a:solidFill>
-                    <a:srgbClr val="ffffff"/>
-                  </a:solidFill>
-                </a:uFill>
-                <a:latin typeface="Arial"/>
-              </a:rPr>
-              <a:t>　マイニング</a:t>
-            </a:r>
-            <a:endParaRPr b="0" lang="en-US" sz="1800" spc="-1" strike="noStrike">
-              <a:solidFill>
-                <a:srgbClr val="000000"/>
-              </a:solidFill>
-              <a:uFill>
-                <a:solidFill>
-                  <a:srgbClr val="ffffff"/>
-                </a:solidFill>
-              </a:uFill>
-              <a:latin typeface="Arial"/>
-            </a:endParaRPr>
-          </a:p>
-          <a:p>
-            <a:pPr>
-              <a:lnSpc>
-                <a:spcPct val="93000"/>
-              </a:lnSpc>
-            </a:pPr>
-            <a:r>
-              <a:rPr b="0" lang="ja-JP" sz="1800" spc="-1" strike="noStrike">
-                <a:solidFill>
-                  <a:srgbClr val="000000"/>
-                </a:solidFill>
-                <a:uFill>
-                  <a:solidFill>
-                    <a:srgbClr val="ffffff"/>
-                  </a:solidFill>
-                </a:uFill>
-                <a:latin typeface="Arial"/>
-              </a:rPr>
-              <a:t>　（</a:t>
-            </a:r>
-            <a:r>
-              <a:rPr b="0" lang="en-US" sz="1800" spc="-1" strike="noStrike">
-                <a:solidFill>
-                  <a:srgbClr val="000000"/>
-                </a:solidFill>
-                <a:uFill>
-                  <a:solidFill>
-                    <a:srgbClr val="ffffff"/>
-                  </a:solidFill>
-                </a:uFill>
-                <a:latin typeface="Arial"/>
-              </a:rPr>
-              <a:t>Merkle Tree </a:t>
-            </a:r>
-            <a:r>
-              <a:rPr b="0" lang="ja-JP" sz="1800" spc="-1" strike="noStrike">
-                <a:solidFill>
-                  <a:srgbClr val="000000"/>
-                </a:solidFill>
-                <a:uFill>
-                  <a:solidFill>
-                    <a:srgbClr val="ffffff"/>
-                  </a:solidFill>
-                </a:uFill>
-                <a:latin typeface="Arial"/>
-              </a:rPr>
-              <a:t>マークルトリー）</a:t>
-            </a:r>
-            <a:endParaRPr b="0" lang="en-US" sz="1800" spc="-1" strike="noStrike">
-              <a:solidFill>
-                <a:srgbClr val="000000"/>
-              </a:solidFill>
-              <a:uFill>
-                <a:solidFill>
-                  <a:srgbClr val="ffffff"/>
-                </a:solidFill>
-              </a:uFill>
-              <a:latin typeface="Arial"/>
-            </a:endParaRPr>
-          </a:p>
-          <a:p>
-            <a:pPr>
-              <a:lnSpc>
-                <a:spcPct val="93000"/>
-              </a:lnSpc>
-            </a:pPr>
-            <a:r>
-              <a:rPr b="0" lang="ja-JP" sz="1800" spc="-1" strike="noStrike">
-                <a:solidFill>
-                  <a:srgbClr val="000000"/>
-                </a:solidFill>
-                <a:uFill>
-                  <a:solidFill>
-                    <a:srgbClr val="ffffff"/>
-                  </a:solidFill>
-                </a:uFill>
-                <a:latin typeface="Arial"/>
-              </a:rPr>
-              <a:t>　（</a:t>
-            </a:r>
-            <a:r>
-              <a:rPr b="0" lang="en-US" sz="1800" spc="-1" strike="noStrike">
-                <a:solidFill>
-                  <a:srgbClr val="000000"/>
-                </a:solidFill>
-                <a:uFill>
-                  <a:solidFill>
-                    <a:srgbClr val="ffffff"/>
-                  </a:solidFill>
-                </a:uFill>
-                <a:latin typeface="Arial"/>
-              </a:rPr>
-              <a:t>Consensus algorithm </a:t>
-            </a:r>
-            <a:r>
-              <a:rPr b="0" lang="ja-JP" sz="1800" spc="-1" strike="noStrike">
-                <a:solidFill>
-                  <a:srgbClr val="000000"/>
-                </a:solidFill>
-                <a:uFill>
-                  <a:solidFill>
-                    <a:srgbClr val="ffffff"/>
-                  </a:solidFill>
-                </a:uFill>
-                <a:latin typeface="Arial"/>
-              </a:rPr>
-              <a:t>合意形成のアルゴリズム）</a:t>
-            </a:r>
-            <a:endParaRPr b="0" lang="en-US" sz="1800" spc="-1" strike="noStrike">
-              <a:solidFill>
-                <a:srgbClr val="000000"/>
-              </a:solidFill>
-              <a:uFill>
-                <a:solidFill>
-                  <a:srgbClr val="ffffff"/>
-                </a:solidFill>
-              </a:uFill>
-              <a:latin typeface="Arial"/>
-            </a:endParaRPr>
-          </a:p>
-          <a:p>
-            <a:pPr>
-              <a:lnSpc>
-                <a:spcPct val="93000"/>
-              </a:lnSpc>
-            </a:pPr>
-            <a:r>
-              <a:rPr b="0" lang="en-US" sz="1800" spc="-1" strike="noStrike">
-                <a:solidFill>
-                  <a:srgbClr val="000000"/>
-                </a:solidFill>
-                <a:uFill>
-                  <a:solidFill>
-                    <a:srgbClr val="ffffff"/>
-                  </a:solidFill>
-                </a:uFill>
-                <a:latin typeface="Arial"/>
+                <a:ea typeface="DejaVu Sans"/>
+              </a:rPr>
+              <a:t>■</a:t>
+            </a:r>
+            <a:r>
+              <a:rPr b="0" lang="en-US" sz="1800" spc="-1" strike="noStrike">
+                <a:solidFill>
+                  <a:srgbClr val="000000"/>
+                </a:solidFill>
+                <a:uFill>
+                  <a:solidFill>
+                    <a:srgbClr val="ffffff"/>
+                  </a:solidFill>
+                </a:uFill>
+                <a:latin typeface="Arial"/>
+                <a:ea typeface="DejaVu Sans"/>
+              </a:rPr>
+              <a:t>　</a:t>
+            </a:r>
+            <a:r>
+              <a:rPr b="0" lang="en-US" sz="1800" spc="-1" strike="noStrike">
+                <a:solidFill>
+                  <a:srgbClr val="000000"/>
+                </a:solidFill>
+                <a:uFill>
+                  <a:solidFill>
+                    <a:srgbClr val="ffffff"/>
+                  </a:solidFill>
+                </a:uFill>
+                <a:latin typeface="Arial"/>
+                <a:ea typeface="DejaVu Sans"/>
+              </a:rPr>
+              <a:t>Peer to Peer   P2P</a:t>
+            </a:r>
+            <a:endParaRPr b="0" lang="en-US" sz="1800" spc="-1" strike="noStrike">
+              <a:solidFill>
+                <a:srgbClr val="000000"/>
+              </a:solidFill>
+              <a:uFill>
+                <a:solidFill>
+                  <a:srgbClr val="ffffff"/>
+                </a:solidFill>
+              </a:uFill>
+              <a:latin typeface="Arial"/>
+            </a:endParaRPr>
+          </a:p>
+          <a:p>
+            <a:pPr>
+              <a:lnSpc>
+                <a:spcPct val="93000"/>
+              </a:lnSpc>
+            </a:pPr>
+            <a:r>
+              <a:rPr b="0" lang="en-US" sz="1800" spc="-1" strike="noStrike">
+                <a:solidFill>
+                  <a:srgbClr val="000000"/>
+                </a:solidFill>
+                <a:uFill>
+                  <a:solidFill>
+                    <a:srgbClr val="ffffff"/>
+                  </a:solidFill>
+                </a:uFill>
+                <a:latin typeface="Arial"/>
+                <a:ea typeface="DejaVu Sans"/>
+              </a:rPr>
+              <a:t>■</a:t>
+            </a:r>
+            <a:r>
+              <a:rPr b="0" lang="en-US" sz="1800" spc="-1" strike="noStrike">
+                <a:solidFill>
+                  <a:srgbClr val="000000"/>
+                </a:solidFill>
+                <a:uFill>
+                  <a:solidFill>
+                    <a:srgbClr val="ffffff"/>
+                  </a:solidFill>
+                </a:uFill>
+                <a:latin typeface="Arial"/>
+                <a:ea typeface="DejaVu Sans"/>
+              </a:rPr>
+              <a:t>　</a:t>
+            </a:r>
+            <a:r>
+              <a:rPr b="0" lang="en-US" sz="1800" spc="-1" strike="noStrike">
+                <a:solidFill>
+                  <a:srgbClr val="000000"/>
+                </a:solidFill>
+                <a:uFill>
+                  <a:solidFill>
+                    <a:srgbClr val="ffffff"/>
+                  </a:solidFill>
+                </a:uFill>
+                <a:latin typeface="Arial"/>
+                <a:ea typeface="DejaVu Sans"/>
+              </a:rPr>
+              <a:t>node</a:t>
+            </a:r>
+            <a:endParaRPr b="0" lang="en-US" sz="1800" spc="-1" strike="noStrike">
+              <a:solidFill>
+                <a:srgbClr val="000000"/>
+              </a:solidFill>
+              <a:uFill>
+                <a:solidFill>
+                  <a:srgbClr val="ffffff"/>
+                </a:solidFill>
+              </a:uFill>
+              <a:latin typeface="Arial"/>
+            </a:endParaRPr>
+          </a:p>
+          <a:p>
+            <a:pPr>
+              <a:lnSpc>
+                <a:spcPct val="93000"/>
+              </a:lnSpc>
+            </a:pPr>
+            <a:r>
+              <a:rPr b="0" lang="en-US" sz="1800" spc="-1" strike="noStrike">
+                <a:solidFill>
+                  <a:srgbClr val="000000"/>
+                </a:solidFill>
+                <a:uFill>
+                  <a:solidFill>
+                    <a:srgbClr val="ffffff"/>
+                  </a:solidFill>
+                </a:uFill>
+                <a:latin typeface="Arial"/>
+                <a:ea typeface="DejaVu Sans"/>
               </a:rPr>
               <a:t> </a:t>
             </a:r>
@@ -3004,102 +3124,7 @@
                   </a:solidFill>
                 </a:uFill>
                 <a:latin typeface="Arial"/>
-              </a:rPr>
-              <a:t>-Peer to Peer   P2P</a:t>
-            </a:r>
-            <a:endParaRPr b="0" lang="en-US" sz="1800" spc="-1" strike="noStrike">
-              <a:solidFill>
-                <a:srgbClr val="000000"/>
-              </a:solidFill>
-              <a:uFill>
-                <a:solidFill>
-                  <a:srgbClr val="ffffff"/>
-                </a:solidFill>
-              </a:uFill>
-              <a:latin typeface="Arial"/>
-            </a:endParaRPr>
-          </a:p>
-          <a:p>
-            <a:pPr>
-              <a:lnSpc>
-                <a:spcPct val="93000"/>
-              </a:lnSpc>
-            </a:pPr>
-            <a:r>
-              <a:rPr b="0" lang="en-US" sz="1800" spc="-1" strike="noStrike">
-                <a:solidFill>
-                  <a:srgbClr val="000000"/>
-                </a:solidFill>
-                <a:uFill>
-                  <a:solidFill>
-                    <a:srgbClr val="ffffff"/>
-                  </a:solidFill>
-                </a:uFill>
-                <a:latin typeface="Arial"/>
-              </a:rPr>
-              <a:t>-node</a:t>
-            </a:r>
-            <a:endParaRPr b="0" lang="en-US" sz="1800" spc="-1" strike="noStrike">
-              <a:solidFill>
-                <a:srgbClr val="000000"/>
-              </a:solidFill>
-              <a:uFill>
-                <a:solidFill>
-                  <a:srgbClr val="ffffff"/>
-                </a:solidFill>
-              </a:uFill>
-              <a:latin typeface="Arial"/>
-            </a:endParaRPr>
-          </a:p>
-          <a:p>
-            <a:pPr>
-              <a:lnSpc>
-                <a:spcPct val="93000"/>
-              </a:lnSpc>
-            </a:pPr>
-            <a:r>
-              <a:rPr b="0" lang="en-US" sz="1800" spc="-1" strike="noStrike">
-                <a:solidFill>
-                  <a:srgbClr val="000000"/>
-                </a:solidFill>
-                <a:uFill>
-                  <a:solidFill>
-                    <a:srgbClr val="ffffff"/>
-                  </a:solidFill>
-                </a:uFill>
-                <a:latin typeface="Arial"/>
-              </a:rPr>
-              <a:t> </a:t>
-            </a:r>
-            <a:endParaRPr b="0" lang="en-US" sz="1800" spc="-1" strike="noStrike">
-              <a:solidFill>
-                <a:srgbClr val="000000"/>
-              </a:solidFill>
-              <a:uFill>
-                <a:solidFill>
-                  <a:srgbClr val="ffffff"/>
-                </a:solidFill>
-              </a:uFill>
-              <a:latin typeface="Arial"/>
-            </a:endParaRPr>
-          </a:p>
-          <a:p>
-            <a:pPr>
-              <a:lnSpc>
-                <a:spcPct val="93000"/>
-              </a:lnSpc>
-            </a:pPr>
-            <a:r>
-              <a:rPr b="0" lang="en-US" sz="1800" spc="-1" strike="noStrike">
-                <a:solidFill>
-                  <a:srgbClr val="000000"/>
-                </a:solidFill>
-                <a:uFill>
-                  <a:solidFill>
-                    <a:srgbClr val="ffffff"/>
-                  </a:solidFill>
-                </a:uFill>
-                <a:latin typeface="Arial"/>
+                <a:ea typeface="DejaVu Sans"/>
               </a:rPr>
               <a:t> </a:t>
             </a:r>
@@ -3119,6 +3144,33 @@
       </p:sp>
     </p:spTree>
   </p:cSld>
+  <p:timing>
+    <p:tnLst>
+      <p:par>
+        <p:cTn id="1" dur="indefinite" restart="never" nodeType="tmRoot">
+          <p:childTnLst>
+            <p:seq>
+              <p:cTn id="2" nodeType="mainSeq"/>
+              <p:prevCondLst>
+                <p:cond delay="0" evt="onPrev">
+                  <p:tgtEl>
+                    <p:sldTgt/>
+                  </p:tgtEl>
+                </p:cond>
+              </p:prevCondLst>
+              <p:nextCondLst>
+                <p:cond delay="0" evt="onNext">
+                  <p:tgtEl>
+                    <p:sldTgt/>
+                  </p:tgtEl>
+                </p:cond>
+              </p:nextCondLst>
+            </p:seq>
+          </p:childTnLst>
+        </p:cTn>
+      </p:par>
+    </p:tnLst>
+  </p:timing>
 </p:sld>
 </file>
 
@@ -3148,14 +3200,14 @@
       </p:grpSpPr>
       <p:sp>
         <p:nvSpPr>
-          <p:cNvPr id="46" name="CustomShape 1"/>
+          <p:cNvPr id="42" name="CustomShape 1"/>
           <p:cNvSpPr/>
           <p:nvPr/>
         </p:nvSpPr>
         <p:spPr>
           <a:xfrm>
             <a:off x="431640" y="496800"/>
-            <a:ext cx="9288720" cy="6048360"/>
+            <a:ext cx="9288360" cy="6048000"/>
           </a:xfrm>
           <a:custGeom>
             <a:avLst/>
@@ -3213,20 +3265,133 @@
                   </a:solidFill>
                 </a:uFill>
                 <a:latin typeface="Arial"/>
+                <a:ea typeface="DejaVu Sans"/>
+              </a:rPr>
+              <a:t>■</a:t>
+            </a:r>
+            <a:r>
+              <a:rPr b="0" lang="en-US" sz="1800" spc="-1" strike="noStrike">
+                <a:solidFill>
+                  <a:srgbClr val="000000"/>
+                </a:solidFill>
+                <a:uFill>
+                  <a:solidFill>
+                    <a:srgbClr val="ffffff"/>
+                  </a:solidFill>
+                </a:uFill>
+                <a:latin typeface="Arial"/>
+                <a:ea typeface="DejaVu Sans"/>
+              </a:rPr>
+              <a:t>Mining (</a:t>
+            </a:r>
+            <a:r>
+              <a:rPr b="0" lang="en-US" sz="1800" spc="-1" strike="noStrike">
+                <a:solidFill>
+                  <a:srgbClr val="000000"/>
+                </a:solidFill>
+                <a:uFill>
+                  <a:solidFill>
+                    <a:srgbClr val="ffffff"/>
+                  </a:solidFill>
+                </a:uFill>
+                <a:latin typeface="Arial"/>
+                <a:ea typeface="DejaVu Sans"/>
+              </a:rPr>
+              <a:t>マイニング</a:t>
+            </a:r>
+            <a:r>
+              <a:rPr b="0" lang="en-US" sz="1800" spc="-1" strike="noStrike">
+                <a:solidFill>
+                  <a:srgbClr val="000000"/>
+                </a:solidFill>
+                <a:uFill>
+                  <a:solidFill>
+                    <a:srgbClr val="ffffff"/>
+                  </a:solidFill>
+                </a:uFill>
+                <a:latin typeface="Arial"/>
+                <a:ea typeface="DejaVu Sans"/>
+              </a:rPr>
+              <a:t>)</a:t>
+            </a:r>
+            <a:r>
+              <a:rPr b="0" lang="en-US" sz="1800" spc="-1" strike="noStrike">
+                <a:solidFill>
+                  <a:srgbClr val="000000"/>
+                </a:solidFill>
+                <a:uFill>
+                  <a:solidFill>
+                    <a:srgbClr val="ffffff"/>
+                  </a:solidFill>
+                </a:uFill>
+                <a:latin typeface="Arial"/>
+                <a:ea typeface="DejaVu Sans"/>
+              </a:rPr>
+              <a:t>の構成要素</a:t>
+            </a:r>
+            <a:endParaRPr b="0" lang="en-US" sz="1800" spc="-1" strike="noStrike">
+              <a:solidFill>
+                <a:srgbClr val="000000"/>
+              </a:solidFill>
+              <a:uFill>
+                <a:solidFill>
+                  <a:srgbClr val="ffffff"/>
+                </a:solidFill>
+              </a:uFill>
+              <a:latin typeface="Arial"/>
+            </a:endParaRPr>
+          </a:p>
+          <a:p>
+            <a:pPr>
+              <a:lnSpc>
+                <a:spcPct val="93000"/>
+              </a:lnSpc>
+            </a:pPr>
+            <a:endParaRPr b="0" lang="en-US" sz="1800" spc="-1" strike="noStrike">
+              <a:solidFill>
+                <a:srgbClr val="000000"/>
+              </a:solidFill>
+              <a:uFill>
+                <a:solidFill>
+                  <a:srgbClr val="ffffff"/>
+                </a:solidFill>
+              </a:uFill>
+              <a:latin typeface="Arial"/>
+            </a:endParaRPr>
+          </a:p>
+          <a:p>
+            <a:pPr>
+              <a:lnSpc>
+                <a:spcPct val="93000"/>
+              </a:lnSpc>
+            </a:pPr>
+            <a:r>
+              <a:rPr b="0" lang="en-US" sz="1800" spc="-1" strike="noStrike">
+                <a:solidFill>
+                  <a:srgbClr val="000000"/>
+                </a:solidFill>
+                <a:uFill>
+                  <a:solidFill>
+                    <a:srgbClr val="ffffff"/>
+                  </a:solidFill>
+                </a:uFill>
+                <a:latin typeface="Arial"/>
+                <a:ea typeface="DejaVu Sans"/>
               </a:rPr>
               <a:t>Hash  (</a:t>
             </a:r>
             <a:r>
-              <a:rPr b="0" lang="ja-JP" sz="1800" spc="-1" strike="noStrike">
-                <a:solidFill>
-                  <a:srgbClr val="000000"/>
-                </a:solidFill>
-                <a:uFill>
-                  <a:solidFill>
-                    <a:srgbClr val="ffffff"/>
-                  </a:solidFill>
-                </a:uFill>
-                <a:latin typeface="Arial"/>
+              <a:rPr b="0" lang="en-US" sz="1800" spc="-1" strike="noStrike">
+                <a:solidFill>
+                  <a:srgbClr val="000000"/>
+                </a:solidFill>
+                <a:uFill>
+                  <a:solidFill>
+                    <a:srgbClr val="ffffff"/>
+                  </a:solidFill>
+                </a:uFill>
+                <a:latin typeface="Arial"/>
+                <a:ea typeface="DejaVu Sans"/>
               </a:rPr>
               <a:t>ハッシュ値）</a:t>
             </a:r>
@@ -3259,20 +3424,22 @@
                   </a:solidFill>
                 </a:uFill>
                 <a:latin typeface="Arial"/>
+                <a:ea typeface="DejaVu Sans"/>
               </a:rPr>
               <a:t>    </a:t>
             </a:r>
             <a:r>
-              <a:rPr b="0" lang="ja-JP" sz="1800" spc="-1" strike="noStrike">
-                <a:solidFill>
-                  <a:srgbClr val="000000"/>
-                </a:solidFill>
-                <a:uFill>
-                  <a:solidFill>
-                    <a:srgbClr val="ffffff"/>
-                  </a:solidFill>
-                </a:uFill>
-                <a:latin typeface="Arial"/>
+              <a:rPr b="0" lang="en-US" sz="1800" spc="-1" strike="noStrike">
+                <a:solidFill>
+                  <a:srgbClr val="000000"/>
+                </a:solidFill>
+                <a:uFill>
+                  <a:solidFill>
+                    <a:srgbClr val="ffffff"/>
+                  </a:solidFill>
+                </a:uFill>
+                <a:latin typeface="Arial"/>
+                <a:ea typeface="DejaVu Sans"/>
               </a:rPr>
               <a:t>・認証、指紋みたいなもの、データの</a:t>
             </a:r>
@@ -3287,6 +3454,7 @@
                   </a:solidFill>
                 </a:uFill>
                 <a:latin typeface="Arial"/>
+                <a:ea typeface="DejaVu Sans"/>
               </a:rPr>
               <a:t>ID</a:t>
             </a:r>
@@ -3319,6 +3487,7 @@
                   </a:solidFill>
                 </a:uFill>
                 <a:latin typeface="Arial"/>
+                <a:ea typeface="DejaVu Sans"/>
               </a:rPr>
               <a:t> </a:t>
             </a:r>
@@ -3351,20 +3520,22 @@
                   </a:solidFill>
                 </a:uFill>
                 <a:latin typeface="Arial"/>
+                <a:ea typeface="DejaVu Sans"/>
               </a:rPr>
               <a:t>Merkle Tree</a:t>
             </a:r>
             <a:r>
-              <a:rPr b="0" lang="ja-JP" sz="1800" spc="-1" strike="noStrike">
-                <a:solidFill>
-                  <a:srgbClr val="000000"/>
-                </a:solidFill>
-                <a:uFill>
-                  <a:solidFill>
-                    <a:srgbClr val="ffffff"/>
-                  </a:solidFill>
-                </a:uFill>
-                <a:latin typeface="Arial"/>
+              <a:rPr b="0" lang="en-US" sz="1800" spc="-1" strike="noStrike">
+                <a:solidFill>
+                  <a:srgbClr val="000000"/>
+                </a:solidFill>
+                <a:uFill>
+                  <a:solidFill>
+                    <a:srgbClr val="ffffff"/>
+                  </a:solidFill>
+                </a:uFill>
+                <a:latin typeface="Arial"/>
+                <a:ea typeface="DejaVu Sans"/>
               </a:rPr>
               <a:t>（マークル・ツリー）</a:t>
             </a:r>
@@ -3397,20 +3568,22 @@
                   </a:solidFill>
                 </a:uFill>
                 <a:latin typeface="Arial"/>
+                <a:ea typeface="DejaVu Sans"/>
               </a:rPr>
               <a:t>    </a:t>
             </a:r>
             <a:r>
-              <a:rPr b="0" lang="ja-JP" sz="1800" spc="-1" strike="noStrike">
-                <a:solidFill>
-                  <a:srgbClr val="000000"/>
-                </a:solidFill>
-                <a:uFill>
-                  <a:solidFill>
-                    <a:srgbClr val="ffffff"/>
-                  </a:solidFill>
-                </a:uFill>
-                <a:latin typeface="Arial"/>
+              <a:rPr b="0" lang="en-US" sz="1800" spc="-1" strike="noStrike">
+                <a:solidFill>
+                  <a:srgbClr val="000000"/>
+                </a:solidFill>
+                <a:uFill>
+                  <a:solidFill>
+                    <a:srgbClr val="ffffff"/>
+                  </a:solidFill>
+                </a:uFill>
+                <a:latin typeface="Arial"/>
+                <a:ea typeface="DejaVu Sans"/>
               </a:rPr>
               <a:t>・複数の</a:t>
             </a:r>
@@ -3425,20 +3598,22 @@
                   </a:solidFill>
                 </a:uFill>
                 <a:latin typeface="Arial"/>
+                <a:ea typeface="DejaVu Sans"/>
               </a:rPr>
               <a:t>Hash</a:t>
             </a:r>
             <a:r>
-              <a:rPr b="0" lang="ja-JP" sz="1800" spc="-1" strike="noStrike">
-                <a:solidFill>
-                  <a:srgbClr val="000000"/>
-                </a:solidFill>
-                <a:uFill>
-                  <a:solidFill>
-                    <a:srgbClr val="ffffff"/>
-                  </a:solidFill>
-                </a:uFill>
-                <a:latin typeface="Arial"/>
+              <a:rPr b="0" lang="en-US" sz="1800" spc="-1" strike="noStrike">
+                <a:solidFill>
+                  <a:srgbClr val="000000"/>
+                </a:solidFill>
+                <a:uFill>
+                  <a:solidFill>
+                    <a:srgbClr val="ffffff"/>
+                  </a:solidFill>
+                </a:uFill>
+                <a:latin typeface="Arial"/>
+                <a:ea typeface="DejaVu Sans"/>
               </a:rPr>
               <a:t>値の組み合わせ、</a:t>
             </a:r>
@@ -3453,20 +3628,22 @@
                   </a:solidFill>
                 </a:uFill>
                 <a:latin typeface="Arial"/>
+                <a:ea typeface="DejaVu Sans"/>
               </a:rPr>
               <a:t>Block</a:t>
             </a:r>
             <a:r>
-              <a:rPr b="0" lang="ja-JP" sz="1800" spc="-1" strike="noStrike">
-                <a:solidFill>
-                  <a:srgbClr val="000000"/>
-                </a:solidFill>
-                <a:uFill>
-                  <a:solidFill>
-                    <a:srgbClr val="ffffff"/>
-                  </a:solidFill>
-                </a:uFill>
-                <a:latin typeface="Arial"/>
+              <a:rPr b="0" lang="en-US" sz="1800" spc="-1" strike="noStrike">
+                <a:solidFill>
+                  <a:srgbClr val="000000"/>
+                </a:solidFill>
+                <a:uFill>
+                  <a:solidFill>
+                    <a:srgbClr val="ffffff"/>
+                  </a:solidFill>
+                </a:uFill>
+                <a:latin typeface="Arial"/>
+                <a:ea typeface="DejaVu Sans"/>
               </a:rPr>
               <a:t>生成に寄与</a:t>
             </a:r>
@@ -3499,6 +3676,7 @@
                   </a:solidFill>
                 </a:uFill>
                 <a:latin typeface="Arial"/>
+                <a:ea typeface="DejaVu Sans"/>
               </a:rPr>
               <a:t> </a:t>
             </a:r>
@@ -3531,34 +3709,37 @@
                   </a:solidFill>
                 </a:uFill>
                 <a:latin typeface="Arial"/>
+                <a:ea typeface="DejaVu Sans"/>
               </a:rPr>
               <a:t>     </a:t>
             </a:r>
             <a:r>
-              <a:rPr b="0" lang="ja-JP" sz="1800" spc="-1" strike="noStrike">
-                <a:solidFill>
-                  <a:srgbClr val="000000"/>
-                </a:solidFill>
-                <a:uFill>
-                  <a:solidFill>
-                    <a:srgbClr val="ffffff"/>
-                  </a:solidFill>
-                </a:uFill>
-                <a:latin typeface="Arial"/>
-              </a:rPr>
-              <a:t>・</a:t>
-            </a:r>
-            <a:r>
-              <a:rPr b="0" lang="en-US" sz="1800" spc="-1" strike="noStrike">
-                <a:solidFill>
-                  <a:srgbClr val="ccccff"/>
-                </a:solidFill>
-                <a:uFill>
-                  <a:solidFill>
-                    <a:srgbClr val="ffffff"/>
-                  </a:solidFill>
-                </a:uFill>
-                <a:latin typeface="Arial"/>
+              <a:rPr b="0" lang="en-US" sz="1800" spc="-1" strike="noStrike">
+                <a:solidFill>
+                  <a:srgbClr val="000000"/>
+                </a:solidFill>
+                <a:uFill>
+                  <a:solidFill>
+                    <a:srgbClr val="ffffff"/>
+                  </a:solidFill>
+                </a:uFill>
+                <a:latin typeface="Arial"/>
+                <a:ea typeface="DejaVu Sans"/>
+              </a:rPr>
+              <a:t>・例図：　</a:t>
+            </a:r>
+            <a:r>
+              <a:rPr b="0" lang="en-US" sz="1800" spc="-1" strike="noStrike" u="sng">
+                <a:solidFill>
+                  <a:srgbClr val="0000ff"/>
+                </a:solidFill>
+                <a:uFill>
+                  <a:solidFill>
+                    <a:srgbClr val="ffffff"/>
+                  </a:solidFill>
+                </a:uFill>
+                <a:latin typeface="Arial"/>
+                <a:ea typeface="DejaVu Sans"/>
                 <a:hlinkClick r:id="rId1"/>
               </a:rPr>
               <a:t>https://hackernoon.com/merkle-tree-introduction-4c44250e2da7</a:t>
@@ -3592,6 +3773,7 @@
                   </a:solidFill>
                 </a:uFill>
                 <a:latin typeface="Arial"/>
+                <a:ea typeface="DejaVu Sans"/>
               </a:rPr>
               <a:t> </a:t>
             </a:r>
@@ -3624,20 +3806,22 @@
                   </a:solidFill>
                 </a:uFill>
                 <a:latin typeface="Arial"/>
+                <a:ea typeface="DejaVu Sans"/>
               </a:rPr>
               <a:t>pending_Transactions</a:t>
             </a:r>
             <a:r>
-              <a:rPr b="0" lang="ja-JP" sz="1800" spc="-1" strike="noStrike">
-                <a:solidFill>
-                  <a:srgbClr val="000000"/>
-                </a:solidFill>
-                <a:uFill>
-                  <a:solidFill>
-                    <a:srgbClr val="ffffff"/>
-                  </a:solidFill>
-                </a:uFill>
-                <a:latin typeface="Arial"/>
+              <a:rPr b="0" lang="en-US" sz="1800" spc="-1" strike="noStrike">
+                <a:solidFill>
+                  <a:srgbClr val="000000"/>
+                </a:solidFill>
+                <a:uFill>
+                  <a:solidFill>
+                    <a:srgbClr val="ffffff"/>
+                  </a:solidFill>
+                </a:uFill>
+                <a:latin typeface="Arial"/>
+                <a:ea typeface="DejaVu Sans"/>
               </a:rPr>
               <a:t>　（ペンディング・トランザクション）</a:t>
             </a:r>
@@ -3670,6 +3854,7 @@
                   </a:solidFill>
                 </a:uFill>
                 <a:latin typeface="Arial"/>
+                <a:ea typeface="DejaVu Sans"/>
               </a:rPr>
               <a:t> </a:t>
             </a:r>
@@ -3702,20 +3887,22 @@
                   </a:solidFill>
                 </a:uFill>
                 <a:latin typeface="Arial"/>
+                <a:ea typeface="DejaVu Sans"/>
               </a:rPr>
               <a:t>     </a:t>
             </a:r>
             <a:r>
-              <a:rPr b="0" lang="ja-JP" sz="1800" spc="-1" strike="noStrike">
-                <a:solidFill>
-                  <a:srgbClr val="000000"/>
-                </a:solidFill>
-                <a:uFill>
-                  <a:solidFill>
-                    <a:srgbClr val="ffffff"/>
-                  </a:solidFill>
-                </a:uFill>
-                <a:latin typeface="Arial"/>
+              <a:rPr b="0" lang="en-US" sz="1800" spc="-1" strike="noStrike">
+                <a:solidFill>
+                  <a:srgbClr val="000000"/>
+                </a:solidFill>
+                <a:uFill>
+                  <a:solidFill>
+                    <a:srgbClr val="ffffff"/>
+                  </a:solidFill>
+                </a:uFill>
+                <a:latin typeface="Arial"/>
+                <a:ea typeface="DejaVu Sans"/>
               </a:rPr>
               <a:t>・トランザクションログのプール</a:t>
             </a:r>
@@ -3748,6 +3935,7 @@
                   </a:solidFill>
                 </a:uFill>
                 <a:latin typeface="Arial"/>
+                <a:ea typeface="DejaVu Sans"/>
               </a:rPr>
               <a:t> </a:t>
             </a:r>
@@ -3780,80 +3968,7 @@
                   </a:solidFill>
                 </a:uFill>
                 <a:latin typeface="Arial"/>
-              </a:rPr>
-              <a:t>Nonce (</a:t>
-            </a:r>
-            <a:r>
-              <a:rPr b="0" lang="ja-JP" sz="1800" spc="-1" strike="noStrike">
-                <a:solidFill>
-                  <a:srgbClr val="000000"/>
-                </a:solidFill>
-                <a:uFill>
-                  <a:solidFill>
-                    <a:srgbClr val="ffffff"/>
-                  </a:solidFill>
-                </a:uFill>
-                <a:latin typeface="Arial"/>
-              </a:rPr>
-              <a:t>ナンス）、</a:t>
-            </a:r>
-            <a:r>
-              <a:rPr b="0" lang="en-US" sz="1800" spc="-1" strike="noStrike">
-                <a:solidFill>
-                  <a:srgbClr val="000000"/>
-                </a:solidFill>
-                <a:uFill>
-                  <a:solidFill>
-                    <a:srgbClr val="ffffff"/>
-                  </a:solidFill>
-                </a:uFill>
-                <a:latin typeface="Arial"/>
-              </a:rPr>
-              <a:t>difficulty (</a:t>
-            </a:r>
-            <a:r>
-              <a:rPr b="0" lang="ja-JP" sz="1800" spc="-1" strike="noStrike">
-                <a:solidFill>
-                  <a:srgbClr val="000000"/>
-                </a:solidFill>
-                <a:uFill>
-                  <a:solidFill>
-                    <a:srgbClr val="ffffff"/>
-                  </a:solidFill>
-                </a:uFill>
-                <a:latin typeface="Arial"/>
-              </a:rPr>
-              <a:t>ディフィカルティ）</a:t>
-            </a:r>
-            <a:endParaRPr b="0" lang="en-US" sz="1800" spc="-1" strike="noStrike">
-              <a:solidFill>
-                <a:srgbClr val="000000"/>
-              </a:solidFill>
-              <a:uFill>
-                <a:solidFill>
-                  <a:srgbClr val="ffffff"/>
-                </a:solidFill>
-              </a:uFill>
-              <a:latin typeface="Arial"/>
-            </a:endParaRPr>
-          </a:p>
-          <a:p>
-            <a:pPr>
-              <a:lnSpc>
-                <a:spcPct val="93000"/>
-              </a:lnSpc>
-            </a:pPr>
-            <a:r>
-              <a:rPr b="0" lang="en-US" sz="1800" spc="-1" strike="noStrike">
-                <a:solidFill>
-                  <a:srgbClr val="000000"/>
-                </a:solidFill>
-                <a:uFill>
-                  <a:solidFill>
-                    <a:srgbClr val="ffffff"/>
-                  </a:solidFill>
-                </a:uFill>
-                <a:latin typeface="Arial"/>
+                <a:ea typeface="DejaVu Sans"/>
               </a:rPr>
               <a:t> </a:t>
             </a:r>
@@ -3886,6 +4001,271 @@
                   </a:solidFill>
                 </a:uFill>
                 <a:latin typeface="Arial"/>
+                <a:ea typeface="DejaVu Sans"/>
+              </a:rPr>
+              <a:t>Block</a:t>
+            </a:r>
+            <a:r>
+              <a:rPr b="0" lang="en-US" sz="1800" spc="-1" strike="noStrike">
+                <a:solidFill>
+                  <a:srgbClr val="000000"/>
+                </a:solidFill>
+                <a:uFill>
+                  <a:solidFill>
+                    <a:srgbClr val="ffffff"/>
+                  </a:solidFill>
+                </a:uFill>
+                <a:latin typeface="Arial"/>
+                <a:ea typeface="DejaVu Sans"/>
+              </a:rPr>
+              <a:t>作成 </a:t>
+            </a:r>
+            <a:r>
+              <a:rPr b="0" lang="en-US" sz="1800" spc="-1" strike="noStrike">
+                <a:solidFill>
+                  <a:srgbClr val="000000"/>
+                </a:solidFill>
+                <a:uFill>
+                  <a:solidFill>
+                    <a:srgbClr val="ffffff"/>
+                  </a:solidFill>
+                </a:uFill>
+                <a:latin typeface="Arial"/>
+                <a:ea typeface="DejaVu Sans"/>
+              </a:rPr>
+              <a:t>(</a:t>
+            </a:r>
+            <a:r>
+              <a:rPr b="0" lang="en-US" sz="1800" spc="-1" strike="noStrike">
+                <a:solidFill>
+                  <a:srgbClr val="000000"/>
+                </a:solidFill>
+                <a:uFill>
+                  <a:solidFill>
+                    <a:srgbClr val="ffffff"/>
+                  </a:solidFill>
+                </a:uFill>
+                <a:latin typeface="Arial"/>
+                <a:ea typeface="DejaVu Sans"/>
+              </a:rPr>
+              <a:t>ブロックの作成の例）</a:t>
+            </a:r>
+            <a:endParaRPr b="0" lang="en-US" sz="1800" spc="-1" strike="noStrike">
+              <a:solidFill>
+                <a:srgbClr val="000000"/>
+              </a:solidFill>
+              <a:uFill>
+                <a:solidFill>
+                  <a:srgbClr val="ffffff"/>
+                </a:solidFill>
+              </a:uFill>
+              <a:latin typeface="Arial"/>
+            </a:endParaRPr>
+          </a:p>
+          <a:p>
+            <a:pPr>
+              <a:lnSpc>
+                <a:spcPct val="93000"/>
+              </a:lnSpc>
+            </a:pPr>
+            <a:r>
+              <a:rPr b="0" lang="en-US" sz="1800" spc="-1" strike="noStrike">
+                <a:solidFill>
+                  <a:srgbClr val="000000"/>
+                </a:solidFill>
+                <a:uFill>
+                  <a:solidFill>
+                    <a:srgbClr val="ffffff"/>
+                  </a:solidFill>
+                </a:uFill>
+                <a:latin typeface="Arial"/>
+                <a:ea typeface="DejaVu Sans"/>
+              </a:rPr>
+              <a:t>　・元データ：前の</a:t>
+            </a:r>
+            <a:r>
+              <a:rPr b="0" lang="en-US" sz="1800" spc="-1" strike="noStrike">
+                <a:solidFill>
+                  <a:srgbClr val="000000"/>
+                </a:solidFill>
+                <a:uFill>
+                  <a:solidFill>
+                    <a:srgbClr val="ffffff"/>
+                  </a:solidFill>
+                </a:uFill>
+                <a:latin typeface="Arial"/>
+                <a:ea typeface="DejaVu Sans"/>
+              </a:rPr>
+              <a:t>block</a:t>
+            </a:r>
+            <a:r>
+              <a:rPr b="0" lang="en-US" sz="1800" spc="-1" strike="noStrike">
+                <a:solidFill>
+                  <a:srgbClr val="000000"/>
+                </a:solidFill>
+                <a:uFill>
+                  <a:solidFill>
+                    <a:srgbClr val="ffffff"/>
+                  </a:solidFill>
+                </a:uFill>
+                <a:latin typeface="Arial"/>
+                <a:ea typeface="DejaVu Sans"/>
+              </a:rPr>
+              <a:t>の</a:t>
+            </a:r>
+            <a:r>
+              <a:rPr b="0" lang="en-US" sz="1800" spc="-1" strike="noStrike">
+                <a:solidFill>
+                  <a:srgbClr val="000000"/>
+                </a:solidFill>
+                <a:uFill>
+                  <a:solidFill>
+                    <a:srgbClr val="ffffff"/>
+                  </a:solidFill>
+                </a:uFill>
+                <a:latin typeface="Arial"/>
+                <a:ea typeface="DejaVu Sans"/>
+              </a:rPr>
+              <a:t>hash</a:t>
+            </a:r>
+            <a:r>
+              <a:rPr b="0" lang="en-US" sz="1800" spc="-1" strike="noStrike">
+                <a:solidFill>
+                  <a:srgbClr val="000000"/>
+                </a:solidFill>
+                <a:uFill>
+                  <a:solidFill>
+                    <a:srgbClr val="ffffff"/>
+                  </a:solidFill>
+                </a:uFill>
+                <a:latin typeface="Arial"/>
+                <a:ea typeface="DejaVu Sans"/>
+              </a:rPr>
+              <a:t>の文字列＋タイムスタンプ＋トランザクション＋ナンス</a:t>
+            </a:r>
+            <a:endParaRPr b="0" lang="en-US" sz="1800" spc="-1" strike="noStrike">
+              <a:solidFill>
+                <a:srgbClr val="000000"/>
+              </a:solidFill>
+              <a:uFill>
+                <a:solidFill>
+                  <a:srgbClr val="ffffff"/>
+                </a:solidFill>
+              </a:uFill>
+              <a:latin typeface="Arial"/>
+            </a:endParaRPr>
+          </a:p>
+          <a:p>
+            <a:pPr>
+              <a:lnSpc>
+                <a:spcPct val="93000"/>
+              </a:lnSpc>
+            </a:pPr>
+            <a:r>
+              <a:rPr b="0" lang="en-US" sz="1800" spc="-1" strike="noStrike">
+                <a:solidFill>
+                  <a:srgbClr val="000000"/>
+                </a:solidFill>
+                <a:uFill>
+                  <a:solidFill>
+                    <a:srgbClr val="ffffff"/>
+                  </a:solidFill>
+                </a:uFill>
+                <a:latin typeface="Arial"/>
+                <a:ea typeface="DejaVu Sans"/>
+              </a:rPr>
+              <a:t>　・ハッシュ値の計算：　元データから</a:t>
+            </a:r>
+            <a:r>
+              <a:rPr b="0" lang="en-US" sz="1800" spc="-1" strike="noStrike">
+                <a:solidFill>
+                  <a:srgbClr val="000000"/>
+                </a:solidFill>
+                <a:uFill>
+                  <a:solidFill>
+                    <a:srgbClr val="ffffff"/>
+                  </a:solidFill>
+                </a:uFill>
+                <a:latin typeface="Arial"/>
+                <a:ea typeface="DejaVu Sans"/>
+              </a:rPr>
+              <a:t>hash</a:t>
+            </a:r>
+            <a:r>
+              <a:rPr b="0" lang="en-US" sz="1800" spc="-1" strike="noStrike">
+                <a:solidFill>
+                  <a:srgbClr val="000000"/>
+                </a:solidFill>
+                <a:uFill>
+                  <a:solidFill>
+                    <a:srgbClr val="ffffff"/>
+                  </a:solidFill>
+                </a:uFill>
+                <a:latin typeface="Arial"/>
+                <a:ea typeface="DejaVu Sans"/>
+              </a:rPr>
+              <a:t>値を取得　　（</a:t>
+            </a:r>
+            <a:r>
+              <a:rPr b="0" lang="en-US" sz="1800" spc="-1" strike="noStrike">
+                <a:solidFill>
+                  <a:srgbClr val="000000"/>
+                </a:solidFill>
+                <a:uFill>
+                  <a:solidFill>
+                    <a:srgbClr val="ffffff"/>
+                  </a:solidFill>
+                </a:uFill>
+                <a:latin typeface="Arial"/>
+                <a:ea typeface="DejaVu Sans"/>
+              </a:rPr>
+              <a:t>difficulty</a:t>
+            </a:r>
+            <a:r>
+              <a:rPr b="0" lang="en-US" sz="1800" spc="-1" strike="noStrike">
+                <a:solidFill>
+                  <a:srgbClr val="000000"/>
+                </a:solidFill>
+                <a:uFill>
+                  <a:solidFill>
+                    <a:srgbClr val="ffffff"/>
+                  </a:solidFill>
+                </a:uFill>
+                <a:latin typeface="Arial"/>
+                <a:ea typeface="DejaVu Sans"/>
+              </a:rPr>
+              <a:t>を満たすか？）</a:t>
+            </a:r>
+            <a:endParaRPr b="0" lang="en-US" sz="1800" spc="-1" strike="noStrike">
+              <a:solidFill>
+                <a:srgbClr val="000000"/>
+              </a:solidFill>
+              <a:uFill>
+                <a:solidFill>
+                  <a:srgbClr val="ffffff"/>
+                </a:solidFill>
+              </a:uFill>
+              <a:latin typeface="Arial"/>
+            </a:endParaRPr>
+          </a:p>
+          <a:p>
+            <a:pPr>
+              <a:lnSpc>
+                <a:spcPct val="93000"/>
+              </a:lnSpc>
+            </a:pPr>
+            <a:r>
+              <a:rPr b="0" lang="en-US" sz="1400" spc="-1" strike="noStrike">
+                <a:solidFill>
+                  <a:srgbClr val="000000"/>
+                </a:solidFill>
+                <a:uFill>
+                  <a:solidFill>
+                    <a:srgbClr val="ffffff"/>
+                  </a:solidFill>
+                </a:uFill>
+                <a:latin typeface="Arial"/>
+                <a:ea typeface="DejaVu Sans"/>
               </a:rPr>
               <a:t> </a:t>
             </a:r>
@@ -3908,422 +4288,239 @@
               </a:lnSpc>
             </a:pPr>
             <a:r>
-              <a:rPr b="0" lang="en-US" sz="1800" spc="-1" strike="noStrike">
-                <a:solidFill>
-                  <a:srgbClr val="000000"/>
-                </a:solidFill>
-                <a:uFill>
-                  <a:solidFill>
-                    <a:srgbClr val="ffffff"/>
-                  </a:solidFill>
-                </a:uFill>
-                <a:latin typeface="Arial"/>
-              </a:rPr>
-              <a:t>Block (</a:t>
-            </a:r>
-            <a:r>
-              <a:rPr b="0" lang="ja-JP" sz="1800" spc="-1" strike="noStrike">
-                <a:solidFill>
-                  <a:srgbClr val="000000"/>
-                </a:solidFill>
-                <a:uFill>
-                  <a:solidFill>
-                    <a:srgbClr val="ffffff"/>
-                  </a:solidFill>
-                </a:uFill>
-                <a:latin typeface="Arial"/>
-              </a:rPr>
-              <a:t>ブロックの作成）</a:t>
-            </a:r>
-            <a:endParaRPr b="0" lang="en-US" sz="1800" spc="-1" strike="noStrike">
-              <a:solidFill>
-                <a:srgbClr val="000000"/>
-              </a:solidFill>
-              <a:uFill>
-                <a:solidFill>
-                  <a:srgbClr val="ffffff"/>
-                </a:solidFill>
-              </a:uFill>
-              <a:latin typeface="Arial"/>
-            </a:endParaRPr>
-          </a:p>
-          <a:p>
-            <a:pPr>
-              <a:lnSpc>
-                <a:spcPct val="93000"/>
-              </a:lnSpc>
-            </a:pPr>
-            <a:r>
-              <a:rPr b="0" lang="ja-JP" sz="1800" spc="-1" strike="noStrike">
-                <a:solidFill>
-                  <a:srgbClr val="000000"/>
-                </a:solidFill>
-                <a:uFill>
-                  <a:solidFill>
-                    <a:srgbClr val="ffffff"/>
-                  </a:solidFill>
-                </a:uFill>
-                <a:latin typeface="Arial"/>
-              </a:rPr>
-              <a:t>　・元データ：　前の</a:t>
-            </a:r>
-            <a:r>
-              <a:rPr b="0" lang="en-US" sz="1800" spc="-1" strike="noStrike">
-                <a:solidFill>
-                  <a:srgbClr val="000000"/>
-                </a:solidFill>
-                <a:uFill>
-                  <a:solidFill>
-                    <a:srgbClr val="ffffff"/>
-                  </a:solidFill>
-                </a:uFill>
-                <a:latin typeface="Arial"/>
-              </a:rPr>
-              <a:t>block</a:t>
-            </a:r>
-            <a:r>
-              <a:rPr b="0" lang="ja-JP" sz="1800" spc="-1" strike="noStrike">
-                <a:solidFill>
-                  <a:srgbClr val="000000"/>
-                </a:solidFill>
-                <a:uFill>
-                  <a:solidFill>
-                    <a:srgbClr val="ffffff"/>
-                  </a:solidFill>
-                </a:uFill>
-                <a:latin typeface="Arial"/>
-              </a:rPr>
-              <a:t>の</a:t>
-            </a:r>
-            <a:r>
-              <a:rPr b="0" lang="en-US" sz="1800" spc="-1" strike="noStrike">
-                <a:solidFill>
-                  <a:srgbClr val="000000"/>
-                </a:solidFill>
-                <a:uFill>
-                  <a:solidFill>
-                    <a:srgbClr val="ffffff"/>
-                  </a:solidFill>
-                </a:uFill>
-                <a:latin typeface="Arial"/>
-              </a:rPr>
-              <a:t>hash</a:t>
-            </a:r>
-            <a:r>
-              <a:rPr b="0" lang="ja-JP" sz="1800" spc="-1" strike="noStrike">
-                <a:solidFill>
-                  <a:srgbClr val="000000"/>
-                </a:solidFill>
-                <a:uFill>
-                  <a:solidFill>
-                    <a:srgbClr val="ffffff"/>
-                  </a:solidFill>
-                </a:uFill>
-                <a:latin typeface="Arial"/>
-              </a:rPr>
-              <a:t>の文字列　＋　タイムスタンプ　＋　トランザクション　＋　ナンス</a:t>
-            </a:r>
-            <a:endParaRPr b="0" lang="en-US" sz="1800" spc="-1" strike="noStrike">
-              <a:solidFill>
-                <a:srgbClr val="000000"/>
-              </a:solidFill>
-              <a:uFill>
-                <a:solidFill>
-                  <a:srgbClr val="ffffff"/>
-                </a:solidFill>
-              </a:uFill>
-              <a:latin typeface="Arial"/>
-            </a:endParaRPr>
-          </a:p>
-          <a:p>
-            <a:pPr>
-              <a:lnSpc>
-                <a:spcPct val="93000"/>
-              </a:lnSpc>
-            </a:pPr>
-            <a:r>
-              <a:rPr b="0" lang="ja-JP" sz="1800" spc="-1" strike="noStrike">
-                <a:solidFill>
-                  <a:srgbClr val="000000"/>
-                </a:solidFill>
-                <a:uFill>
-                  <a:solidFill>
-                    <a:srgbClr val="ffffff"/>
-                  </a:solidFill>
-                </a:uFill>
-                <a:latin typeface="Arial"/>
-              </a:rPr>
-              <a:t>　・ハッシュ値の計算：　元データから</a:t>
-            </a:r>
-            <a:r>
-              <a:rPr b="0" lang="en-US" sz="1800" spc="-1" strike="noStrike">
-                <a:solidFill>
-                  <a:srgbClr val="000000"/>
-                </a:solidFill>
-                <a:uFill>
-                  <a:solidFill>
-                    <a:srgbClr val="ffffff"/>
-                  </a:solidFill>
-                </a:uFill>
-                <a:latin typeface="Arial"/>
-              </a:rPr>
-              <a:t>hash</a:t>
-            </a:r>
-            <a:r>
-              <a:rPr b="0" lang="ja-JP" sz="1800" spc="-1" strike="noStrike">
-                <a:solidFill>
-                  <a:srgbClr val="000000"/>
-                </a:solidFill>
-                <a:uFill>
-                  <a:solidFill>
-                    <a:srgbClr val="ffffff"/>
-                  </a:solidFill>
-                </a:uFill>
-                <a:latin typeface="Arial"/>
-              </a:rPr>
-              <a:t>値を取得　　（</a:t>
-            </a:r>
-            <a:r>
-              <a:rPr b="0" lang="en-US" sz="1800" spc="-1" strike="noStrike">
-                <a:solidFill>
-                  <a:srgbClr val="000000"/>
-                </a:solidFill>
-                <a:uFill>
-                  <a:solidFill>
-                    <a:srgbClr val="ffffff"/>
-                  </a:solidFill>
-                </a:uFill>
-                <a:latin typeface="Arial"/>
+              <a:rPr b="0" lang="en-US" sz="1400" spc="-1" strike="noStrike">
+                <a:solidFill>
+                  <a:srgbClr val="000000"/>
+                </a:solidFill>
+                <a:uFill>
+                  <a:solidFill>
+                    <a:srgbClr val="ffffff"/>
+                  </a:solidFill>
+                </a:uFill>
+                <a:latin typeface="Arial"/>
+                <a:ea typeface="DejaVu Sans"/>
+              </a:rPr>
+              <a:t>    </a:t>
+            </a:r>
+            <a:r>
+              <a:rPr b="0" lang="en-US" sz="1400" spc="-1" strike="noStrike">
+                <a:solidFill>
+                  <a:srgbClr val="000000"/>
+                </a:solidFill>
+                <a:uFill>
+                  <a:solidFill>
+                    <a:srgbClr val="ffffff"/>
+                  </a:solidFill>
+                </a:uFill>
+                <a:latin typeface="Arial"/>
+                <a:ea typeface="DejaVu Sans"/>
+              </a:rPr>
+              <a:t>calculateHash() {</a:t>
+            </a:r>
+            <a:endParaRPr b="0" lang="en-US" sz="1800" spc="-1" strike="noStrike">
+              <a:solidFill>
+                <a:srgbClr val="000000"/>
+              </a:solidFill>
+              <a:uFill>
+                <a:solidFill>
+                  <a:srgbClr val="ffffff"/>
+                </a:solidFill>
+              </a:uFill>
+              <a:latin typeface="Arial"/>
+            </a:endParaRPr>
+          </a:p>
+          <a:p>
+            <a:pPr>
+              <a:lnSpc>
+                <a:spcPct val="93000"/>
+              </a:lnSpc>
+            </a:pPr>
+            <a:r>
+              <a:rPr b="0" lang="en-US" sz="1400" spc="-1" strike="noStrike">
+                <a:solidFill>
+                  <a:srgbClr val="000000"/>
+                </a:solidFill>
+                <a:uFill>
+                  <a:solidFill>
+                    <a:srgbClr val="ffffff"/>
+                  </a:solidFill>
+                </a:uFill>
+                <a:latin typeface="Arial"/>
+                <a:ea typeface="DejaVu Sans"/>
+              </a:rPr>
+              <a:t>        </a:t>
+            </a:r>
+            <a:r>
+              <a:rPr b="0" lang="en-US" sz="1400" spc="-1" strike="noStrike">
+                <a:solidFill>
+                  <a:srgbClr val="000000"/>
+                </a:solidFill>
+                <a:uFill>
+                  <a:solidFill>
+                    <a:srgbClr val="ffffff"/>
+                  </a:solidFill>
+                </a:uFill>
+                <a:latin typeface="Arial"/>
+                <a:ea typeface="DejaVu Sans"/>
+              </a:rPr>
+              <a:t>return SHA256(this.previousHash + this.timestamp +JSON.stringify(this.transactions) + this.nonce);</a:t>
+            </a:r>
+            <a:endParaRPr b="0" lang="en-US" sz="1800" spc="-1" strike="noStrike">
+              <a:solidFill>
+                <a:srgbClr val="000000"/>
+              </a:solidFill>
+              <a:uFill>
+                <a:solidFill>
+                  <a:srgbClr val="ffffff"/>
+                </a:solidFill>
+              </a:uFill>
+              <a:latin typeface="Arial"/>
+            </a:endParaRPr>
+          </a:p>
+          <a:p>
+            <a:pPr>
+              <a:lnSpc>
+                <a:spcPct val="93000"/>
+              </a:lnSpc>
+            </a:pPr>
+            <a:r>
+              <a:rPr b="0" lang="en-US" sz="1800" spc="-1" strike="noStrike">
+                <a:solidFill>
+                  <a:srgbClr val="000000"/>
+                </a:solidFill>
+                <a:uFill>
+                  <a:solidFill>
+                    <a:srgbClr val="ffffff"/>
+                  </a:solidFill>
+                </a:uFill>
+                <a:latin typeface="Arial"/>
+                <a:ea typeface="DejaVu Sans"/>
+              </a:rPr>
+              <a:t> </a:t>
+            </a:r>
+            <a:endParaRPr b="0" lang="en-US" sz="1800" spc="-1" strike="noStrike">
+              <a:solidFill>
+                <a:srgbClr val="000000"/>
+              </a:solidFill>
+              <a:uFill>
+                <a:solidFill>
+                  <a:srgbClr val="ffffff"/>
+                </a:solidFill>
+              </a:uFill>
+              <a:latin typeface="Arial"/>
+            </a:endParaRPr>
+          </a:p>
+          <a:p>
+            <a:pPr>
+              <a:lnSpc>
+                <a:spcPct val="93000"/>
+              </a:lnSpc>
+            </a:pPr>
+            <a:r>
+              <a:rPr b="0" lang="en-US" sz="1800" spc="-1" strike="noStrike">
+                <a:solidFill>
+                  <a:srgbClr val="000000"/>
+                </a:solidFill>
+                <a:uFill>
+                  <a:solidFill>
+                    <a:srgbClr val="ffffff"/>
+                  </a:solidFill>
+                </a:uFill>
+                <a:latin typeface="Arial"/>
+                <a:ea typeface="DejaVu Sans"/>
+              </a:rPr>
+              <a:t>　・</a:t>
+            </a:r>
+            <a:r>
+              <a:rPr b="0" lang="en-US" sz="1800" spc="-1" strike="noStrike">
+                <a:solidFill>
+                  <a:srgbClr val="000000"/>
+                </a:solidFill>
+                <a:uFill>
+                  <a:solidFill>
+                    <a:srgbClr val="ffffff"/>
+                  </a:solidFill>
+                </a:uFill>
+                <a:latin typeface="Arial"/>
+                <a:ea typeface="DejaVu Sans"/>
+              </a:rPr>
+              <a:t>nonce</a:t>
+            </a:r>
+            <a:r>
+              <a:rPr b="0" lang="en-US" sz="1800" spc="-1" strike="noStrike">
+                <a:solidFill>
+                  <a:srgbClr val="000000"/>
+                </a:solidFill>
+                <a:uFill>
+                  <a:solidFill>
+                    <a:srgbClr val="ffffff"/>
+                  </a:solidFill>
+                </a:uFill>
+                <a:latin typeface="Arial"/>
+                <a:ea typeface="DejaVu Sans"/>
+              </a:rPr>
+              <a:t>：　ハッシュ値の先頭桁数がゼロであること</a:t>
+            </a:r>
+            <a:endParaRPr b="0" lang="en-US" sz="1800" spc="-1" strike="noStrike">
+              <a:solidFill>
+                <a:srgbClr val="000000"/>
+              </a:solidFill>
+              <a:uFill>
+                <a:solidFill>
+                  <a:srgbClr val="ffffff"/>
+                </a:solidFill>
+              </a:uFill>
+              <a:latin typeface="Arial"/>
+            </a:endParaRPr>
+          </a:p>
+          <a:p>
+            <a:pPr>
+              <a:lnSpc>
+                <a:spcPct val="93000"/>
+              </a:lnSpc>
+            </a:pPr>
+            <a:r>
+              <a:rPr b="0" lang="en-US" sz="1800" spc="-1" strike="noStrike">
+                <a:solidFill>
+                  <a:srgbClr val="000000"/>
+                </a:solidFill>
+                <a:uFill>
+                  <a:solidFill>
+                    <a:srgbClr val="ffffff"/>
+                  </a:solidFill>
+                </a:uFill>
+                <a:latin typeface="Arial"/>
+                <a:ea typeface="DejaVu Sans"/>
+              </a:rPr>
+              <a:t>　・</a:t>
+            </a:r>
+            <a:r>
+              <a:rPr b="0" lang="en-US" sz="1800" spc="-1" strike="noStrike">
+                <a:solidFill>
+                  <a:srgbClr val="000000"/>
+                </a:solidFill>
+                <a:uFill>
+                  <a:solidFill>
+                    <a:srgbClr val="ffffff"/>
+                  </a:solidFill>
+                </a:uFill>
+                <a:latin typeface="Arial"/>
+                <a:ea typeface="DejaVu Sans"/>
               </a:rPr>
               <a:t>difficulty</a:t>
             </a:r>
             <a:r>
-              <a:rPr b="0" lang="ja-JP" sz="1800" spc="-1" strike="noStrike">
-                <a:solidFill>
-                  <a:srgbClr val="000000"/>
-                </a:solidFill>
-                <a:uFill>
-                  <a:solidFill>
-                    <a:srgbClr val="ffffff"/>
-                  </a:solidFill>
-                </a:uFill>
-                <a:latin typeface="Arial"/>
-              </a:rPr>
-              <a:t>を満たすか？）</a:t>
-            </a:r>
-            <a:endParaRPr b="0" lang="en-US" sz="1800" spc="-1" strike="noStrike">
-              <a:solidFill>
-                <a:srgbClr val="000000"/>
-              </a:solidFill>
-              <a:uFill>
-                <a:solidFill>
-                  <a:srgbClr val="ffffff"/>
-                </a:solidFill>
-              </a:uFill>
-              <a:latin typeface="Arial"/>
-            </a:endParaRPr>
-          </a:p>
-          <a:p>
-            <a:pPr>
-              <a:lnSpc>
-                <a:spcPct val="93000"/>
-              </a:lnSpc>
-            </a:pPr>
-            <a:r>
-              <a:rPr b="0" lang="en-US" sz="1400" spc="-1" strike="noStrike">
-                <a:solidFill>
-                  <a:srgbClr val="000000"/>
-                </a:solidFill>
-                <a:uFill>
-                  <a:solidFill>
-                    <a:srgbClr val="ffffff"/>
-                  </a:solidFill>
-                </a:uFill>
-                <a:latin typeface="Arial"/>
-              </a:rPr>
-              <a:t> </a:t>
-            </a:r>
-            <a:endParaRPr b="0" lang="en-US" sz="1800" spc="-1" strike="noStrike">
-              <a:solidFill>
-                <a:srgbClr val="000000"/>
-              </a:solidFill>
-              <a:uFill>
-                <a:solidFill>
-                  <a:srgbClr val="ffffff"/>
-                </a:solidFill>
-              </a:uFill>
-              <a:latin typeface="Arial"/>
-            </a:endParaRPr>
-          </a:p>
-          <a:p>
-            <a:pPr>
-              <a:lnSpc>
-                <a:spcPct val="93000"/>
-              </a:lnSpc>
-            </a:pPr>
-            <a:r>
-              <a:rPr b="0" lang="en-US" sz="1400" spc="-1" strike="noStrike">
-                <a:solidFill>
-                  <a:srgbClr val="000000"/>
-                </a:solidFill>
-                <a:uFill>
-                  <a:solidFill>
-                    <a:srgbClr val="ffffff"/>
-                  </a:solidFill>
-                </a:uFill>
-                <a:latin typeface="Arial"/>
-              </a:rPr>
-              <a:t>    </a:t>
-            </a:r>
-            <a:r>
-              <a:rPr b="0" lang="en-US" sz="1400" spc="-1" strike="noStrike">
-                <a:solidFill>
-                  <a:srgbClr val="000000"/>
-                </a:solidFill>
-                <a:uFill>
-                  <a:solidFill>
-                    <a:srgbClr val="ffffff"/>
-                  </a:solidFill>
-                </a:uFill>
-                <a:latin typeface="Arial"/>
-              </a:rPr>
-              <a:t>calculateHash() {</a:t>
-            </a:r>
-            <a:endParaRPr b="0" lang="en-US" sz="1800" spc="-1" strike="noStrike">
-              <a:solidFill>
-                <a:srgbClr val="000000"/>
-              </a:solidFill>
-              <a:uFill>
-                <a:solidFill>
-                  <a:srgbClr val="ffffff"/>
-                </a:solidFill>
-              </a:uFill>
-              <a:latin typeface="Arial"/>
-            </a:endParaRPr>
-          </a:p>
-          <a:p>
-            <a:pPr>
-              <a:lnSpc>
-                <a:spcPct val="93000"/>
-              </a:lnSpc>
-            </a:pPr>
-            <a:r>
-              <a:rPr b="0" lang="en-US" sz="1400" spc="-1" strike="noStrike">
-                <a:solidFill>
-                  <a:srgbClr val="000000"/>
-                </a:solidFill>
-                <a:uFill>
-                  <a:solidFill>
-                    <a:srgbClr val="ffffff"/>
-                  </a:solidFill>
-                </a:uFill>
-                <a:latin typeface="Arial"/>
-              </a:rPr>
-              <a:t>        </a:t>
-            </a:r>
-            <a:r>
-              <a:rPr b="0" lang="en-US" sz="1400" spc="-1" strike="noStrike">
-                <a:solidFill>
-                  <a:srgbClr val="000000"/>
-                </a:solidFill>
-                <a:uFill>
-                  <a:solidFill>
-                    <a:srgbClr val="ffffff"/>
-                  </a:solidFill>
-                </a:uFill>
-                <a:latin typeface="Arial"/>
-              </a:rPr>
-              <a:t>return SHA256(this.previousHash + this.timestamp +JSON.stringify(this.transactions) + this.nonce);</a:t>
-            </a:r>
-            <a:endParaRPr b="0" lang="en-US" sz="1800" spc="-1" strike="noStrike">
-              <a:solidFill>
-                <a:srgbClr val="000000"/>
-              </a:solidFill>
-              <a:uFill>
-                <a:solidFill>
-                  <a:srgbClr val="ffffff"/>
-                </a:solidFill>
-              </a:uFill>
-              <a:latin typeface="Arial"/>
-            </a:endParaRPr>
-          </a:p>
-          <a:p>
-            <a:pPr>
-              <a:lnSpc>
-                <a:spcPct val="93000"/>
-              </a:lnSpc>
-            </a:pPr>
-            <a:r>
-              <a:rPr b="0" lang="en-US" sz="1800" spc="-1" strike="noStrike">
-                <a:solidFill>
-                  <a:srgbClr val="000000"/>
-                </a:solidFill>
-                <a:uFill>
-                  <a:solidFill>
-                    <a:srgbClr val="ffffff"/>
-                  </a:solidFill>
-                </a:uFill>
-                <a:latin typeface="Arial"/>
-              </a:rPr>
-              <a:t> </a:t>
-            </a:r>
-            <a:endParaRPr b="0" lang="en-US" sz="1800" spc="-1" strike="noStrike">
-              <a:solidFill>
-                <a:srgbClr val="000000"/>
-              </a:solidFill>
-              <a:uFill>
-                <a:solidFill>
-                  <a:srgbClr val="ffffff"/>
-                </a:solidFill>
-              </a:uFill>
-              <a:latin typeface="Arial"/>
-            </a:endParaRPr>
-          </a:p>
-          <a:p>
-            <a:pPr>
-              <a:lnSpc>
-                <a:spcPct val="93000"/>
-              </a:lnSpc>
-            </a:pPr>
-            <a:r>
-              <a:rPr b="0" lang="ja-JP" sz="1800" spc="-1" strike="noStrike">
-                <a:solidFill>
-                  <a:srgbClr val="000000"/>
-                </a:solidFill>
-                <a:uFill>
-                  <a:solidFill>
-                    <a:srgbClr val="ffffff"/>
-                  </a:solidFill>
-                </a:uFill>
-                <a:latin typeface="Arial"/>
-              </a:rPr>
-              <a:t>　・</a:t>
-            </a:r>
-            <a:r>
-              <a:rPr b="0" lang="en-US" sz="1800" spc="-1" strike="noStrike">
-                <a:solidFill>
-                  <a:srgbClr val="000000"/>
-                </a:solidFill>
-                <a:uFill>
-                  <a:solidFill>
-                    <a:srgbClr val="ffffff"/>
-                  </a:solidFill>
-                </a:uFill>
-                <a:latin typeface="Arial"/>
-              </a:rPr>
-              <a:t>difficulty</a:t>
-            </a:r>
-            <a:r>
-              <a:rPr b="0" lang="ja-JP" sz="1800" spc="-1" strike="noStrike">
-                <a:solidFill>
-                  <a:srgbClr val="000000"/>
-                </a:solidFill>
-                <a:uFill>
-                  <a:solidFill>
-                    <a:srgbClr val="ffffff"/>
-                  </a:solidFill>
-                </a:uFill>
-                <a:latin typeface="Arial"/>
+              <a:rPr b="0" lang="en-US" sz="1800" spc="-1" strike="noStrike">
+                <a:solidFill>
+                  <a:srgbClr val="000000"/>
+                </a:solidFill>
+                <a:uFill>
+                  <a:solidFill>
+                    <a:srgbClr val="ffffff"/>
+                  </a:solidFill>
+                </a:uFill>
+                <a:latin typeface="Arial"/>
+                <a:ea typeface="DejaVu Sans"/>
               </a:rPr>
               <a:t>：　ハッシュ値の先頭桁数がゼロであること</a:t>
             </a:r>
@@ -4346,16 +4543,17 @@
               </a:lnSpc>
             </a:pPr>
             <a:r>
-              <a:rPr b="0" lang="ja-JP" sz="1800" spc="-1" strike="noStrike">
-                <a:solidFill>
-                  <a:srgbClr val="000000"/>
-                </a:solidFill>
-                <a:uFill>
-                  <a:solidFill>
-                    <a:srgbClr val="ffffff"/>
-                  </a:solidFill>
-                </a:uFill>
-                <a:latin typeface="Arial"/>
+              <a:rPr b="0" lang="en-US" sz="1800" spc="-1" strike="noStrike">
+                <a:solidFill>
+                  <a:srgbClr val="000000"/>
+                </a:solidFill>
+                <a:uFill>
+                  <a:solidFill>
+                    <a:srgbClr val="ffffff"/>
+                  </a:solidFill>
+                </a:uFill>
+                <a:latin typeface="Arial"/>
+                <a:ea typeface="DejaVu Sans"/>
               </a:rPr>
               <a:t> </a:t>
             </a:r>
@@ -4375,6 +4573,33 @@
       </p:sp>
     </p:spTree>
   </p:cSld>
+  <p:timing>
+    <p:tnLst>
+      <p:par>
+        <p:cTn id="3" dur="indefinite" restart="never" nodeType="tmRoot">
+          <p:childTnLst>
+            <p:seq>
+              <p:cTn id="4" nodeType="mainSeq"/>
+              <p:prevCondLst>
+                <p:cond delay="0" evt="onPrev">
+                  <p:tgtEl>
+                    <p:sldTgt/>
+                  </p:tgtEl>
+                </p:cond>
+              </p:prevCondLst>
+              <p:nextCondLst>
+                <p:cond delay="0" evt="onNext">
+                  <p:tgtEl>
+                    <p:sldTgt/>
+                  </p:tgtEl>
+                </p:cond>
+              </p:nextCondLst>
+            </p:seq>
+          </p:childTnLst>
+        </p:cTn>
+      </p:par>
+    </p:tnLst>
+  </p:timing>
 </p:sld>
 </file>
 
@@ -4404,14 +4629,14 @@
       </p:grpSpPr>
       <p:sp>
         <p:nvSpPr>
-          <p:cNvPr id="47" name="CustomShape 1"/>
+          <p:cNvPr id="43" name="CustomShape 1"/>
           <p:cNvSpPr/>
           <p:nvPr/>
         </p:nvSpPr>
         <p:spPr>
           <a:xfrm>
             <a:off x="3672000" y="647640"/>
-            <a:ext cx="2447640" cy="2622600"/>
+            <a:ext cx="2447280" cy="2622240"/>
           </a:xfrm>
           <a:custGeom>
             <a:avLst/>
@@ -4469,20 +4694,22 @@
                   </a:solidFill>
                 </a:uFill>
                 <a:latin typeface="Arial"/>
+                <a:ea typeface="DejaVu Sans"/>
               </a:rPr>
               <a:t>Web </a:t>
             </a:r>
             <a:r>
-              <a:rPr b="0" lang="ja-JP" sz="1800" spc="-1" strike="noStrike">
-                <a:solidFill>
-                  <a:srgbClr val="000000"/>
-                </a:solidFill>
-                <a:uFill>
-                  <a:solidFill>
-                    <a:srgbClr val="ffffff"/>
-                  </a:solidFill>
-                </a:uFill>
-                <a:latin typeface="Arial"/>
+              <a:rPr b="0" lang="en-US" sz="1800" spc="-1" strike="noStrike">
+                <a:solidFill>
+                  <a:srgbClr val="000000"/>
+                </a:solidFill>
+                <a:uFill>
+                  <a:solidFill>
+                    <a:srgbClr val="ffffff"/>
+                  </a:solidFill>
+                </a:uFill>
+                <a:latin typeface="Arial"/>
+                <a:ea typeface="DejaVu Sans"/>
               </a:rPr>
               <a:t>サーバ</a:t>
             </a:r>
@@ -4515,6 +4742,7 @@
                   </a:solidFill>
                 </a:uFill>
                 <a:latin typeface="Arial"/>
+                <a:ea typeface="DejaVu Sans"/>
               </a:rPr>
               <a:t> </a:t>
             </a:r>
@@ -4547,6 +4775,7 @@
                   </a:solidFill>
                 </a:uFill>
                 <a:latin typeface="Arial"/>
+                <a:ea typeface="DejaVu Sans"/>
               </a:rPr>
               <a:t>web_s.js</a:t>
             </a:r>
@@ -4579,6 +4808,7 @@
                   </a:solidFill>
                 </a:uFill>
                 <a:latin typeface="Arial"/>
+                <a:ea typeface="DejaVu Sans"/>
               </a:rPr>
               <a:t>account_list.js</a:t>
             </a:r>
@@ -4611,6 +4841,7 @@
                   </a:solidFill>
                 </a:uFill>
                 <a:latin typeface="Arial"/>
+                <a:ea typeface="DejaVu Sans"/>
               </a:rPr>
               <a:t>calc_balance.js</a:t>
             </a:r>
@@ -4643,6 +4874,7 @@
                   </a:solidFill>
                 </a:uFill>
                 <a:latin typeface="Arial"/>
+                <a:ea typeface="DejaVu Sans"/>
               </a:rPr>
               <a:t>router.js</a:t>
             </a:r>
@@ -4675,6 +4907,7 @@
                   </a:solidFill>
                 </a:uFill>
                 <a:latin typeface="Arial"/>
+                <a:ea typeface="DejaVu Sans"/>
               </a:rPr>
               <a:t>send_web_redis.js</a:t>
             </a:r>
@@ -4707,6 +4940,7 @@
                   </a:solidFill>
                 </a:uFill>
                 <a:latin typeface="Arial"/>
+                <a:ea typeface="DejaVu Sans"/>
               </a:rPr>
               <a:t> </a:t>
             </a:r>
@@ -4739,6 +4973,7 @@
                   </a:solidFill>
                 </a:uFill>
                 <a:latin typeface="Arial"/>
+                <a:ea typeface="DejaVu Sans"/>
               </a:rPr>
               <a:t> </a:t>
             </a:r>
@@ -4771,6 +5006,7 @@
                   </a:solidFill>
                 </a:uFill>
                 <a:latin typeface="Arial"/>
+                <a:ea typeface="DejaVu Sans"/>
               </a:rPr>
               <a:t> </a:t>
             </a:r>
@@ -4803,6 +5039,7 @@
                   </a:solidFill>
                 </a:uFill>
                 <a:latin typeface="Arial"/>
+                <a:ea typeface="DejaVu Sans"/>
               </a:rPr>
               <a:t>jquery</a:t>
             </a:r>
@@ -4835,6 +5072,7 @@
                   </a:solidFill>
                 </a:uFill>
                 <a:latin typeface="Arial"/>
+                <a:ea typeface="DejaVu Sans"/>
               </a:rPr>
               <a:t>express</a:t>
             </a:r>
@@ -4854,14 +5092,14 @@
       </p:sp>
       <p:sp>
         <p:nvSpPr>
-          <p:cNvPr id="48" name="CustomShape 2"/>
+          <p:cNvPr id="44" name="CustomShape 2"/>
           <p:cNvSpPr/>
           <p:nvPr/>
         </p:nvSpPr>
         <p:spPr>
           <a:xfrm>
             <a:off x="5904000" y="792000"/>
-            <a:ext cx="1655640" cy="2448000"/>
+            <a:ext cx="1655280" cy="2447640"/>
           </a:xfrm>
           <a:custGeom>
             <a:avLst/>
@@ -4919,6 +5157,7 @@
                   </a:solidFill>
                 </a:uFill>
                 <a:latin typeface="Arial"/>
+                <a:ea typeface="DejaVu Sans"/>
               </a:rPr>
               <a:t>Message</a:t>
             </a:r>
@@ -4951,6 +5190,7 @@
                   </a:solidFill>
                 </a:uFill>
                 <a:latin typeface="Arial"/>
+                <a:ea typeface="DejaVu Sans"/>
               </a:rPr>
               <a:t>Queue </a:t>
             </a:r>
@@ -4983,6 +5223,7 @@
                   </a:solidFill>
                 </a:uFill>
                 <a:latin typeface="Arial"/>
+                <a:ea typeface="DejaVu Sans"/>
               </a:rPr>
               <a:t>(Redis)</a:t>
             </a:r>
@@ -5002,14 +5243,14 @@
       </p:sp>
       <p:sp>
         <p:nvSpPr>
-          <p:cNvPr id="49" name="CustomShape 3"/>
+          <p:cNvPr id="45" name="CustomShape 3"/>
           <p:cNvSpPr/>
           <p:nvPr/>
         </p:nvSpPr>
         <p:spPr>
           <a:xfrm>
             <a:off x="7991640" y="792000"/>
-            <a:ext cx="1655640" cy="2448000"/>
+            <a:ext cx="1655280" cy="2447640"/>
           </a:xfrm>
           <a:custGeom>
             <a:avLst/>
@@ -5067,20 +5308,22 @@
                   </a:solidFill>
                 </a:uFill>
                 <a:latin typeface="Arial"/>
+                <a:ea typeface="DejaVu Sans"/>
               </a:rPr>
               <a:t>Mining</a:t>
             </a:r>
             <a:r>
-              <a:rPr b="0" lang="ja-JP" sz="1800" spc="-1" strike="noStrike">
-                <a:solidFill>
-                  <a:srgbClr val="000000"/>
-                </a:solidFill>
-                <a:uFill>
-                  <a:solidFill>
-                    <a:srgbClr val="ffffff"/>
-                  </a:solidFill>
-                </a:uFill>
-                <a:latin typeface="Arial"/>
+              <a:rPr b="0" lang="en-US" sz="1800" spc="-1" strike="noStrike">
+                <a:solidFill>
+                  <a:srgbClr val="000000"/>
+                </a:solidFill>
+                <a:uFill>
+                  <a:solidFill>
+                    <a:srgbClr val="ffffff"/>
+                  </a:solidFill>
+                </a:uFill>
+                <a:latin typeface="Arial"/>
+                <a:ea typeface="DejaVu Sans"/>
               </a:rPr>
               <a:t>サーバ  </a:t>
             </a:r>
@@ -5113,6 +5356,7 @@
                   </a:solidFill>
                 </a:uFill>
                 <a:latin typeface="Arial"/>
+                <a:ea typeface="DejaVu Sans"/>
               </a:rPr>
               <a:t> </a:t>
             </a:r>
@@ -5145,6 +5389,7 @@
                   </a:solidFill>
                 </a:uFill>
                 <a:latin typeface="Arial"/>
+                <a:ea typeface="DejaVu Sans"/>
               </a:rPr>
               <a:t>mining_s.js</a:t>
             </a:r>
@@ -5177,6 +5422,7 @@
                   </a:solidFill>
                 </a:uFill>
                 <a:latin typeface="Arial"/>
+                <a:ea typeface="DejaVu Sans"/>
               </a:rPr>
               <a:t> </a:t>
             </a:r>
@@ -5209,6 +5455,7 @@
                   </a:solidFill>
                 </a:uFill>
                 <a:latin typeface="Arial"/>
+                <a:ea typeface="DejaVu Sans"/>
               </a:rPr>
               <a:t>Jikan.js</a:t>
             </a:r>
@@ -5228,14 +5475,14 @@
       </p:sp>
       <p:sp>
         <p:nvSpPr>
-          <p:cNvPr id="50" name="CustomShape 4"/>
+          <p:cNvPr id="46" name="CustomShape 4"/>
           <p:cNvSpPr/>
           <p:nvPr/>
         </p:nvSpPr>
         <p:spPr>
           <a:xfrm>
             <a:off x="252360" y="863640"/>
-            <a:ext cx="1655640" cy="2448000"/>
+            <a:ext cx="1655280" cy="2447640"/>
           </a:xfrm>
           <a:custGeom>
             <a:avLst/>
@@ -5283,16 +5530,17 @@
               </a:lnSpc>
             </a:pPr>
             <a:r>
-              <a:rPr b="0" lang="ja-JP" sz="1800" spc="-1" strike="noStrike">
-                <a:solidFill>
-                  <a:srgbClr val="000000"/>
-                </a:solidFill>
-                <a:uFill>
-                  <a:solidFill>
-                    <a:srgbClr val="ffffff"/>
-                  </a:solidFill>
-                </a:uFill>
-                <a:latin typeface="Arial"/>
+              <a:rPr b="0" lang="en-US" sz="1800" spc="-1" strike="noStrike">
+                <a:solidFill>
+                  <a:srgbClr val="000000"/>
+                </a:solidFill>
+                <a:uFill>
+                  <a:solidFill>
+                    <a:srgbClr val="ffffff"/>
+                  </a:solidFill>
+                </a:uFill>
+                <a:latin typeface="Arial"/>
+                <a:ea typeface="DejaVu Sans"/>
               </a:rPr>
               <a:t>クライアント</a:t>
             </a:r>
@@ -5325,6 +5573,7 @@
                   </a:solidFill>
                 </a:uFill>
                 <a:latin typeface="Arial"/>
+                <a:ea typeface="DejaVu Sans"/>
               </a:rPr>
               <a:t> </a:t>
             </a:r>
@@ -5357,6 +5606,7 @@
                   </a:solidFill>
                 </a:uFill>
                 <a:latin typeface="Arial"/>
+                <a:ea typeface="DejaVu Sans"/>
               </a:rPr>
               <a:t>main.ejs</a:t>
             </a:r>
@@ -5389,6 +5639,7 @@
                   </a:solidFill>
                 </a:uFill>
                 <a:latin typeface="Arial"/>
+                <a:ea typeface="DejaVu Sans"/>
               </a:rPr>
               <a:t>aj-list.js</a:t>
             </a:r>
@@ -5421,6 +5672,7 @@
                   </a:solidFill>
                 </a:uFill>
                 <a:latin typeface="Arial"/>
+                <a:ea typeface="DejaVu Sans"/>
               </a:rPr>
               <a:t>as-list.js</a:t>
             </a:r>
@@ -5453,6 +5705,7 @@
                   </a:solidFill>
                 </a:uFill>
                 <a:latin typeface="Arial"/>
+                <a:ea typeface="DejaVu Sans"/>
               </a:rPr>
               <a:t> </a:t>
             </a:r>
@@ -5485,6 +5738,7 @@
                   </a:solidFill>
                 </a:uFill>
                 <a:latin typeface="Arial"/>
+                <a:ea typeface="DejaVu Sans"/>
               </a:rPr>
               <a:t> </a:t>
             </a:r>
@@ -5517,6 +5771,7 @@
                   </a:solidFill>
                 </a:uFill>
                 <a:latin typeface="Arial"/>
+                <a:ea typeface="DejaVu Sans"/>
               </a:rPr>
               <a:t> </a:t>
             </a:r>
@@ -5549,6 +5804,7 @@
                   </a:solidFill>
                 </a:uFill>
                 <a:latin typeface="Arial"/>
+                <a:ea typeface="DejaVu Sans"/>
               </a:rPr>
               <a:t> </a:t>
             </a:r>
@@ -5581,6 +5837,7 @@
                   </a:solidFill>
                 </a:uFill>
                 <a:latin typeface="Arial"/>
+                <a:ea typeface="DejaVu Sans"/>
               </a:rPr>
               <a:t> </a:t>
             </a:r>
@@ -5600,14 +5857,14 @@
       </p:sp>
       <p:sp>
         <p:nvSpPr>
-          <p:cNvPr id="51" name="CustomShape 5"/>
+          <p:cNvPr id="47" name="CustomShape 5"/>
           <p:cNvSpPr/>
           <p:nvPr/>
         </p:nvSpPr>
         <p:spPr>
           <a:xfrm>
             <a:off x="3492360" y="647640"/>
-            <a:ext cx="1871640" cy="2664000"/>
+            <a:ext cx="1871280" cy="2663640"/>
           </a:xfrm>
           <a:prstGeom prst="rect">
             <a:avLst/>
@@ -5629,14 +5886,14 @@
       </p:sp>
       <p:sp>
         <p:nvSpPr>
-          <p:cNvPr id="52" name="CustomShape 6"/>
+          <p:cNvPr id="48" name="CustomShape 6"/>
           <p:cNvSpPr/>
           <p:nvPr/>
         </p:nvSpPr>
         <p:spPr>
           <a:xfrm>
             <a:off x="5759280" y="647640"/>
-            <a:ext cx="1656000" cy="3384720"/>
+            <a:ext cx="1655640" cy="3384360"/>
           </a:xfrm>
           <a:prstGeom prst="rect">
             <a:avLst/>
@@ -5658,14 +5915,14 @@
       </p:sp>
       <p:sp>
         <p:nvSpPr>
-          <p:cNvPr id="53" name="CustomShape 7"/>
+          <p:cNvPr id="49" name="CustomShape 7"/>
           <p:cNvSpPr/>
           <p:nvPr/>
         </p:nvSpPr>
         <p:spPr>
           <a:xfrm>
             <a:off x="7920000" y="647640"/>
-            <a:ext cx="1655640" cy="2664000"/>
+            <a:ext cx="1655280" cy="2663640"/>
           </a:xfrm>
           <a:prstGeom prst="rect">
             <a:avLst/>
@@ -5687,14 +5944,14 @@
       </p:sp>
       <p:sp>
         <p:nvSpPr>
-          <p:cNvPr id="54" name="CustomShape 8"/>
+          <p:cNvPr id="50" name="CustomShape 8"/>
           <p:cNvSpPr/>
           <p:nvPr/>
         </p:nvSpPr>
         <p:spPr>
           <a:xfrm>
             <a:off x="144360" y="755640"/>
-            <a:ext cx="1656000" cy="2556000"/>
+            <a:ext cx="1655640" cy="2555640"/>
           </a:xfrm>
           <a:prstGeom prst="rect">
             <a:avLst/>
@@ -5716,7 +5973,7 @@
       </p:sp>
       <p:sp>
         <p:nvSpPr>
-          <p:cNvPr id="55" name="Line 9"/>
+          <p:cNvPr id="51" name="Line 9"/>
           <p:cNvSpPr/>
           <p:nvPr/>
         </p:nvSpPr>
@@ -5744,14 +6001,14 @@
       </p:sp>
       <p:sp>
         <p:nvSpPr>
-          <p:cNvPr id="56" name="CustomShape 10"/>
+          <p:cNvPr id="52" name="CustomShape 10"/>
           <p:cNvSpPr/>
           <p:nvPr/>
         </p:nvSpPr>
         <p:spPr>
           <a:xfrm>
             <a:off x="1944720" y="2303640"/>
-            <a:ext cx="1655640" cy="863280"/>
+            <a:ext cx="1655280" cy="862920"/>
           </a:xfrm>
           <a:custGeom>
             <a:avLst/>
@@ -5809,6 +6066,7 @@
                   </a:solidFill>
                 </a:uFill>
                 <a:latin typeface="Arial"/>
+                <a:ea typeface="DejaVu Sans"/>
               </a:rPr>
               <a:t>Http (socket.io)</a:t>
             </a:r>
@@ -5841,6 +6099,7 @@
                   </a:solidFill>
                 </a:uFill>
                 <a:latin typeface="Arial"/>
+                <a:ea typeface="DejaVu Sans"/>
               </a:rPr>
               <a:t> </a:t>
             </a:r>
@@ -5860,14 +6119,14 @@
       </p:sp>
       <p:sp>
         <p:nvSpPr>
-          <p:cNvPr id="57" name="CustomShape 11"/>
+          <p:cNvPr id="53" name="CustomShape 11"/>
           <p:cNvSpPr/>
           <p:nvPr/>
         </p:nvSpPr>
         <p:spPr>
           <a:xfrm>
             <a:off x="7272360" y="2232000"/>
-            <a:ext cx="1655640" cy="936720"/>
+            <a:ext cx="1655280" cy="936360"/>
           </a:xfrm>
           <a:custGeom>
             <a:avLst/>
@@ -5925,6 +6184,7 @@
                   </a:solidFill>
                 </a:uFill>
                 <a:latin typeface="Arial"/>
+                <a:ea typeface="DejaVu Sans"/>
               </a:rPr>
               <a:t>Redis RPC</a:t>
             </a:r>
@@ -5944,14 +6204,14 @@
       </p:sp>
       <p:sp>
         <p:nvSpPr>
-          <p:cNvPr id="58" name="CustomShape 12"/>
+          <p:cNvPr id="54" name="CustomShape 12"/>
           <p:cNvSpPr/>
           <p:nvPr/>
         </p:nvSpPr>
         <p:spPr>
           <a:xfrm>
             <a:off x="223920" y="5184720"/>
-            <a:ext cx="2008080" cy="1087560"/>
+            <a:ext cx="2007720" cy="1087200"/>
           </a:xfrm>
           <a:custGeom>
             <a:avLst/>
@@ -5999,16 +6259,17 @@
               </a:lnSpc>
             </a:pPr>
             <a:r>
-              <a:rPr b="0" lang="ja-JP" sz="1800" spc="-1" strike="noStrike">
-                <a:solidFill>
-                  <a:srgbClr val="000000"/>
-                </a:solidFill>
-                <a:uFill>
-                  <a:solidFill>
-                    <a:srgbClr val="ffffff"/>
-                  </a:solidFill>
-                </a:uFill>
-                <a:latin typeface="Arial"/>
+              <a:rPr b="0" lang="en-US" sz="1800" spc="-1" strike="noStrike">
+                <a:solidFill>
+                  <a:srgbClr val="000000"/>
+                </a:solidFill>
+                <a:uFill>
+                  <a:solidFill>
+                    <a:srgbClr val="ffffff"/>
+                  </a:solidFill>
+                </a:uFill>
+                <a:latin typeface="Arial"/>
+                <a:ea typeface="DejaVu Sans"/>
               </a:rPr>
               <a:t>サポートプログラム</a:t>
             </a:r>
@@ -6041,6 +6302,7 @@
                   </a:solidFill>
                 </a:uFill>
                 <a:latin typeface="Arial"/>
+                <a:ea typeface="DejaVu Sans"/>
               </a:rPr>
               <a:t> </a:t>
             </a:r>
@@ -6073,6 +6335,7 @@
                   </a:solidFill>
                 </a:uFill>
                 <a:latin typeface="Arial"/>
+                <a:ea typeface="DejaVu Sans"/>
               </a:rPr>
               <a:t>createAC.js</a:t>
             </a:r>
@@ -6105,6 +6368,7 @@
                   </a:solidFill>
                 </a:uFill>
                 <a:latin typeface="Arial"/>
+                <a:ea typeface="DejaVu Sans"/>
               </a:rPr>
               <a:t>stop_mining.js</a:t>
             </a:r>
@@ -6124,14 +6388,14 @@
       </p:sp>
       <p:sp>
         <p:nvSpPr>
-          <p:cNvPr id="59" name="CustomShape 13"/>
+          <p:cNvPr id="55" name="CustomShape 13"/>
           <p:cNvSpPr/>
           <p:nvPr/>
         </p:nvSpPr>
         <p:spPr>
           <a:xfrm>
             <a:off x="338040" y="216000"/>
-            <a:ext cx="3492720" cy="1087200"/>
+            <a:ext cx="3492360" cy="1086840"/>
           </a:xfrm>
           <a:custGeom>
             <a:avLst/>
@@ -6179,16 +6443,17 @@
               </a:lnSpc>
             </a:pPr>
             <a:r>
-              <a:rPr b="0" lang="ja-JP" sz="1800" spc="-1" strike="noStrike">
-                <a:solidFill>
-                  <a:srgbClr val="000000"/>
-                </a:solidFill>
-                <a:uFill>
-                  <a:solidFill>
-                    <a:srgbClr val="ffffff"/>
-                  </a:solidFill>
-                </a:uFill>
-                <a:latin typeface="Arial"/>
+              <a:rPr b="0" lang="en-US" sz="1800" spc="-1" strike="noStrike">
+                <a:solidFill>
+                  <a:srgbClr val="000000"/>
+                </a:solidFill>
+                <a:uFill>
+                  <a:solidFill>
+                    <a:srgbClr val="ffffff"/>
+                  </a:solidFill>
+                </a:uFill>
+                <a:latin typeface="Arial"/>
+                <a:ea typeface="DejaVu Sans"/>
               </a:rPr>
               <a:t>今日のプログラムのアーキテクチャ</a:t>
             </a:r>
@@ -6221,6 +6486,7 @@
                   </a:solidFill>
                 </a:uFill>
                 <a:latin typeface="Arial"/>
+                <a:ea typeface="DejaVu Sans"/>
               </a:rPr>
               <a:t> </a:t>
             </a:r>
@@ -6253,6 +6519,7 @@
                   </a:solidFill>
                 </a:uFill>
                 <a:latin typeface="Arial"/>
+                <a:ea typeface="DejaVu Sans"/>
               </a:rPr>
               <a:t> </a:t>
             </a:r>
@@ -6272,14 +6539,14 @@
       </p:sp>
       <p:sp>
         <p:nvSpPr>
-          <p:cNvPr id="60" name="CustomShape 14"/>
+          <p:cNvPr id="56" name="CustomShape 14"/>
           <p:cNvSpPr/>
           <p:nvPr/>
         </p:nvSpPr>
         <p:spPr>
           <a:xfrm>
             <a:off x="5037120" y="2558880"/>
-            <a:ext cx="866880" cy="319320"/>
+            <a:ext cx="866520" cy="318960"/>
           </a:xfrm>
           <a:custGeom>
             <a:avLst/>
@@ -6358,14 +6625,14 @@
       </p:sp>
       <p:sp>
         <p:nvSpPr>
-          <p:cNvPr id="61" name="CustomShape 15"/>
+          <p:cNvPr id="57" name="CustomShape 15"/>
           <p:cNvSpPr/>
           <p:nvPr/>
         </p:nvSpPr>
         <p:spPr>
           <a:xfrm>
             <a:off x="5064840" y="2558880"/>
-            <a:ext cx="837360" cy="314640"/>
+            <a:ext cx="837000" cy="314280"/>
           </a:xfrm>
           <a:custGeom>
             <a:avLst/>
@@ -6434,14 +6701,14 @@
       </p:sp>
       <p:sp>
         <p:nvSpPr>
-          <p:cNvPr id="62" name="CustomShape 16"/>
+          <p:cNvPr id="58" name="CustomShape 16"/>
           <p:cNvSpPr/>
           <p:nvPr/>
         </p:nvSpPr>
         <p:spPr>
           <a:xfrm>
             <a:off x="7196040" y="2487600"/>
-            <a:ext cx="866880" cy="318960"/>
+            <a:ext cx="866520" cy="318600"/>
           </a:xfrm>
           <a:custGeom>
             <a:avLst/>
@@ -6520,14 +6787,14 @@
       </p:sp>
       <p:sp>
         <p:nvSpPr>
-          <p:cNvPr id="63" name="CustomShape 17"/>
+          <p:cNvPr id="59" name="CustomShape 17"/>
           <p:cNvSpPr/>
           <p:nvPr/>
         </p:nvSpPr>
         <p:spPr>
           <a:xfrm>
             <a:off x="7225560" y="2490480"/>
-            <a:ext cx="837000" cy="313920"/>
+            <a:ext cx="836640" cy="313560"/>
           </a:xfrm>
           <a:custGeom>
             <a:avLst/>
@@ -6596,14 +6863,14 @@
       </p:sp>
       <p:sp>
         <p:nvSpPr>
-          <p:cNvPr id="64" name="CustomShape 18"/>
+          <p:cNvPr id="60" name="CustomShape 18"/>
           <p:cNvSpPr/>
           <p:nvPr/>
         </p:nvSpPr>
         <p:spPr>
           <a:xfrm>
             <a:off x="5111640" y="2232000"/>
-            <a:ext cx="1656000" cy="936720"/>
+            <a:ext cx="1655640" cy="936360"/>
           </a:xfrm>
           <a:custGeom>
             <a:avLst/>
@@ -6661,6 +6928,7 @@
                   </a:solidFill>
                 </a:uFill>
                 <a:latin typeface="Arial"/>
+                <a:ea typeface="DejaVu Sans"/>
               </a:rPr>
               <a:t>Redis RPC</a:t>
             </a:r>
@@ -6680,14 +6948,14 @@
       </p:sp>
       <p:sp>
         <p:nvSpPr>
-          <p:cNvPr id="65" name="CustomShape 19"/>
+          <p:cNvPr id="61" name="CustomShape 19"/>
           <p:cNvSpPr/>
           <p:nvPr/>
         </p:nvSpPr>
         <p:spPr>
           <a:xfrm>
             <a:off x="3492360" y="3419640"/>
-            <a:ext cx="1871640" cy="612720"/>
+            <a:ext cx="1871280" cy="612360"/>
           </a:xfrm>
           <a:prstGeom prst="rect">
             <a:avLst/>
@@ -6709,14 +6977,14 @@
       </p:sp>
       <p:sp>
         <p:nvSpPr>
-          <p:cNvPr id="66" name="CustomShape 20"/>
+          <p:cNvPr id="62" name="CustomShape 20"/>
           <p:cNvSpPr/>
           <p:nvPr/>
         </p:nvSpPr>
         <p:spPr>
           <a:xfrm>
             <a:off x="7883640" y="3419640"/>
-            <a:ext cx="1871640" cy="612720"/>
+            <a:ext cx="1871280" cy="612360"/>
           </a:xfrm>
           <a:prstGeom prst="rect">
             <a:avLst/>
@@ -6738,14 +7006,14 @@
       </p:sp>
       <p:sp>
         <p:nvSpPr>
-          <p:cNvPr id="67" name="CustomShape 21"/>
+          <p:cNvPr id="63" name="CustomShape 21"/>
           <p:cNvSpPr/>
           <p:nvPr/>
         </p:nvSpPr>
         <p:spPr>
           <a:xfrm>
             <a:off x="3635280" y="3564000"/>
-            <a:ext cx="1656000" cy="936720"/>
+            <a:ext cx="1655640" cy="936360"/>
           </a:xfrm>
           <a:custGeom>
             <a:avLst/>
@@ -6803,6 +7071,7 @@
                   </a:solidFill>
                 </a:uFill>
                 <a:latin typeface="Arial"/>
+                <a:ea typeface="DejaVu Sans"/>
               </a:rPr>
               <a:t>Node.js</a:t>
             </a:r>
@@ -6822,14 +7091,14 @@
       </p:sp>
       <p:sp>
         <p:nvSpPr>
-          <p:cNvPr id="68" name="CustomShape 22"/>
+          <p:cNvPr id="64" name="CustomShape 22"/>
           <p:cNvSpPr/>
           <p:nvPr/>
         </p:nvSpPr>
         <p:spPr>
           <a:xfrm>
             <a:off x="8099280" y="3564000"/>
-            <a:ext cx="1656000" cy="936720"/>
+            <a:ext cx="1655640" cy="936360"/>
           </a:xfrm>
           <a:custGeom>
             <a:avLst/>
@@ -6887,6 +7156,7 @@
                   </a:solidFill>
                 </a:uFill>
                 <a:latin typeface="Arial"/>
+                <a:ea typeface="DejaVu Sans"/>
               </a:rPr>
               <a:t>Node.js</a:t>
             </a:r>
@@ -6906,14 +7176,14 @@
       </p:sp>
       <p:sp>
         <p:nvSpPr>
-          <p:cNvPr id="69" name="CustomShape 23"/>
+          <p:cNvPr id="65" name="CustomShape 23"/>
           <p:cNvSpPr/>
           <p:nvPr/>
         </p:nvSpPr>
         <p:spPr>
           <a:xfrm>
             <a:off x="144360" y="3456000"/>
-            <a:ext cx="1656000" cy="612720"/>
+            <a:ext cx="1655640" cy="612360"/>
           </a:xfrm>
           <a:prstGeom prst="rect">
             <a:avLst/>
@@ -6935,14 +7205,14 @@
       </p:sp>
       <p:sp>
         <p:nvSpPr>
-          <p:cNvPr id="70" name="CustomShape 24"/>
+          <p:cNvPr id="66" name="CustomShape 24"/>
           <p:cNvSpPr/>
           <p:nvPr/>
         </p:nvSpPr>
         <p:spPr>
           <a:xfrm>
             <a:off x="287280" y="3564000"/>
-            <a:ext cx="1656000" cy="936720"/>
+            <a:ext cx="1655640" cy="936360"/>
           </a:xfrm>
           <a:custGeom>
             <a:avLst/>
@@ -7000,6 +7270,7 @@
                   </a:solidFill>
                 </a:uFill>
                 <a:latin typeface="Arial"/>
+                <a:ea typeface="DejaVu Sans"/>
               </a:rPr>
               <a:t>Chrome</a:t>
             </a:r>
@@ -7019,14 +7290,14 @@
       </p:sp>
       <p:sp>
         <p:nvSpPr>
-          <p:cNvPr id="71" name="CustomShape 25"/>
+          <p:cNvPr id="67" name="CustomShape 25"/>
           <p:cNvSpPr/>
           <p:nvPr/>
         </p:nvSpPr>
         <p:spPr>
           <a:xfrm>
             <a:off x="144360" y="4176720"/>
-            <a:ext cx="9647280" cy="612720"/>
+            <a:ext cx="9646920" cy="612360"/>
           </a:xfrm>
           <a:prstGeom prst="rect">
             <a:avLst/>
@@ -7048,14 +7319,14 @@
       </p:sp>
       <p:sp>
         <p:nvSpPr>
-          <p:cNvPr id="72" name="CustomShape 26"/>
+          <p:cNvPr id="68" name="CustomShape 26"/>
           <p:cNvSpPr/>
           <p:nvPr/>
         </p:nvSpPr>
         <p:spPr>
           <a:xfrm>
             <a:off x="4140360" y="4356000"/>
-            <a:ext cx="2195280" cy="936720"/>
+            <a:ext cx="2194920" cy="936360"/>
           </a:xfrm>
           <a:custGeom>
             <a:avLst/>
@@ -7113,6 +7384,7 @@
                   </a:solidFill>
                 </a:uFill>
                 <a:latin typeface="Arial"/>
+                <a:ea typeface="DejaVu Sans"/>
               </a:rPr>
               <a:t>Lubuntu 16.4 LTS</a:t>
             </a:r>
@@ -7132,14 +7404,14 @@
       </p:sp>
       <p:sp>
         <p:nvSpPr>
-          <p:cNvPr id="73" name="CustomShape 27"/>
+          <p:cNvPr id="69" name="CustomShape 27"/>
           <p:cNvSpPr/>
           <p:nvPr/>
         </p:nvSpPr>
         <p:spPr>
           <a:xfrm>
             <a:off x="2828880" y="5191200"/>
-            <a:ext cx="2355840" cy="1571400"/>
+            <a:ext cx="2355480" cy="1571040"/>
           </a:xfrm>
           <a:custGeom>
             <a:avLst/>
@@ -7187,16 +7459,17 @@
               </a:lnSpc>
             </a:pPr>
             <a:r>
-              <a:rPr b="0" lang="ja-JP" sz="1800" spc="-1" strike="noStrike">
-                <a:solidFill>
-                  <a:srgbClr val="000000"/>
-                </a:solidFill>
-                <a:uFill>
-                  <a:solidFill>
-                    <a:srgbClr val="ffffff"/>
-                  </a:solidFill>
-                </a:uFill>
-                <a:latin typeface="Arial"/>
+              <a:rPr b="0" lang="en-US" sz="1800" spc="-1" strike="noStrike">
+                <a:solidFill>
+                  <a:srgbClr val="000000"/>
+                </a:solidFill>
+                <a:uFill>
+                  <a:solidFill>
+                    <a:srgbClr val="ffffff"/>
+                  </a:solidFill>
+                </a:uFill>
+                <a:latin typeface="Arial"/>
+                <a:ea typeface="DejaVu Sans"/>
               </a:rPr>
               <a:t>ライブラリ管理</a:t>
             </a:r>
@@ -7229,6 +7502,7 @@
                   </a:solidFill>
                 </a:uFill>
                 <a:latin typeface="Arial"/>
+                <a:ea typeface="DejaVu Sans"/>
               </a:rPr>
               <a:t> </a:t>
             </a:r>
@@ -7261,6 +7535,7 @@
                   </a:solidFill>
                 </a:uFill>
                 <a:latin typeface="Arial"/>
+                <a:ea typeface="DejaVu Sans"/>
               </a:rPr>
               <a:t>.git/</a:t>
             </a:r>
@@ -7293,20 +7568,22 @@
                   </a:solidFill>
                 </a:uFill>
                 <a:latin typeface="Arial"/>
+                <a:ea typeface="DejaVu Sans"/>
               </a:rPr>
               <a:t>.gitignore  - git</a:t>
             </a:r>
             <a:r>
-              <a:rPr b="0" lang="ja-JP" sz="1800" spc="-1" strike="noStrike">
-                <a:solidFill>
-                  <a:srgbClr val="000000"/>
-                </a:solidFill>
-                <a:uFill>
-                  <a:solidFill>
-                    <a:srgbClr val="ffffff"/>
-                  </a:solidFill>
-                </a:uFill>
-                <a:latin typeface="Arial"/>
+              <a:rPr b="0" lang="en-US" sz="1800" spc="-1" strike="noStrike">
+                <a:solidFill>
+                  <a:srgbClr val="000000"/>
+                </a:solidFill>
+                <a:uFill>
+                  <a:solidFill>
+                    <a:srgbClr val="ffffff"/>
+                  </a:solidFill>
+                </a:uFill>
+                <a:latin typeface="Arial"/>
+                <a:ea typeface="DejaVu Sans"/>
               </a:rPr>
               <a:t>で使用 </a:t>
             </a:r>
@@ -7339,6 +7616,7 @@
                   </a:solidFill>
                 </a:uFill>
                 <a:latin typeface="Arial"/>
+                <a:ea typeface="DejaVu Sans"/>
               </a:rPr>
               <a:t>package.json</a:t>
             </a:r>
@@ -7353,6 +7631,7 @@
                   </a:solidFill>
                 </a:uFill>
                 <a:latin typeface="Arial"/>
+                <a:ea typeface="DejaVu Sans"/>
               </a:rPr>
               <a:t>　</a:t>
             </a:r>
@@ -7367,6 +7646,7 @@
                   </a:solidFill>
                 </a:uFill>
                 <a:latin typeface="Arial"/>
+                <a:ea typeface="DejaVu Sans"/>
               </a:rPr>
               <a:t>-npm</a:t>
             </a:r>
@@ -7381,6 +7661,7 @@
                   </a:solidFill>
                 </a:uFill>
                 <a:latin typeface="Arial"/>
+                <a:ea typeface="DejaVu Sans"/>
               </a:rPr>
               <a:t>で使用</a:t>
             </a:r>
@@ -7413,6 +7694,7 @@
                   </a:solidFill>
                 </a:uFill>
                 <a:latin typeface="Arial"/>
+                <a:ea typeface="DejaVu Sans"/>
               </a:rPr>
               <a:t>Package-lock.json</a:t>
             </a:r>
@@ -7432,14 +7714,14 @@
       </p:sp>
       <p:sp>
         <p:nvSpPr>
-          <p:cNvPr id="74" name="CustomShape 28"/>
+          <p:cNvPr id="70" name="CustomShape 28"/>
           <p:cNvSpPr/>
           <p:nvPr/>
         </p:nvSpPr>
         <p:spPr>
           <a:xfrm>
             <a:off x="5745240" y="5191200"/>
-            <a:ext cx="2863800" cy="2082600"/>
+            <a:ext cx="2863440" cy="2082240"/>
           </a:xfrm>
           <a:custGeom>
             <a:avLst/>
@@ -7487,16 +7769,17 @@
               </a:lnSpc>
             </a:pPr>
             <a:r>
-              <a:rPr b="0" lang="ja-JP" sz="1800" spc="-1" strike="noStrike">
-                <a:solidFill>
-                  <a:srgbClr val="000000"/>
-                </a:solidFill>
-                <a:uFill>
-                  <a:solidFill>
-                    <a:srgbClr val="ffffff"/>
-                  </a:solidFill>
-                </a:uFill>
-                <a:latin typeface="Arial"/>
+              <a:rPr b="0" lang="en-US" sz="1800" spc="-1" strike="noStrike">
+                <a:solidFill>
+                  <a:srgbClr val="000000"/>
+                </a:solidFill>
+                <a:uFill>
+                  <a:solidFill>
+                    <a:srgbClr val="ffffff"/>
+                  </a:solidFill>
+                </a:uFill>
+                <a:latin typeface="Arial"/>
+                <a:ea typeface="DejaVu Sans"/>
               </a:rPr>
               <a:t>サブ・ディレクトリ</a:t>
             </a:r>
@@ -7529,6 +7812,7 @@
                   </a:solidFill>
                 </a:uFill>
                 <a:latin typeface="Arial"/>
+                <a:ea typeface="DejaVu Sans"/>
               </a:rPr>
               <a:t>./master/    </a:t>
             </a:r>
@@ -7543,6 +7827,7 @@
                   </a:solidFill>
                 </a:uFill>
                 <a:latin typeface="Arial"/>
+                <a:ea typeface="DejaVu Sans"/>
               </a:rPr>
               <a:t>口座情報</a:t>
             </a:r>
@@ -7575,6 +7860,7 @@
                   </a:solidFill>
                 </a:uFill>
                 <a:latin typeface="Arial"/>
+                <a:ea typeface="DejaVu Sans"/>
               </a:rPr>
               <a:t>./db/      </a:t>
             </a:r>
@@ -7589,6 +7875,7 @@
                   </a:solidFill>
                 </a:uFill>
                 <a:latin typeface="Arial"/>
+                <a:ea typeface="DejaVu Sans"/>
               </a:rPr>
               <a:t>ブロック・ファイル</a:t>
             </a:r>
@@ -7621,20 +7908,22 @@
                   </a:solidFill>
                 </a:uFill>
                 <a:latin typeface="Arial"/>
+                <a:ea typeface="DejaVu Sans"/>
               </a:rPr>
               <a:t>./redis-log/   redis</a:t>
             </a:r>
             <a:r>
-              <a:rPr b="0" lang="ja-JP" sz="1800" spc="-1" strike="noStrike">
-                <a:solidFill>
-                  <a:srgbClr val="000000"/>
-                </a:solidFill>
-                <a:uFill>
-                  <a:solidFill>
-                    <a:srgbClr val="ffffff"/>
-                  </a:solidFill>
-                </a:uFill>
-                <a:latin typeface="Arial"/>
+              <a:rPr b="0" lang="en-US" sz="1800" spc="-1" strike="noStrike">
+                <a:solidFill>
+                  <a:srgbClr val="000000"/>
+                </a:solidFill>
+                <a:uFill>
+                  <a:solidFill>
+                    <a:srgbClr val="ffffff"/>
+                  </a:solidFill>
+                </a:uFill>
+                <a:latin typeface="Arial"/>
+                <a:ea typeface="DejaVu Sans"/>
               </a:rPr>
               <a:t>関連</a:t>
             </a:r>
@@ -7667,6 +7956,7 @@
                   </a:solidFill>
                 </a:uFill>
                 <a:latin typeface="Arial"/>
+                <a:ea typeface="DejaVu Sans"/>
               </a:rPr>
               <a:t> </a:t>
             </a:r>
@@ -7699,20 +7989,22 @@
                   </a:solidFill>
                 </a:uFill>
                 <a:latin typeface="Arial"/>
+                <a:ea typeface="DejaVu Sans"/>
               </a:rPr>
               <a:t>./public/  </a:t>
             </a:r>
             <a:r>
-              <a:rPr b="0" lang="ja-JP" sz="1800" spc="-1" strike="noStrike">
-                <a:solidFill>
-                  <a:srgbClr val="000000"/>
-                </a:solidFill>
-                <a:uFill>
-                  <a:solidFill>
-                    <a:srgbClr val="ffffff"/>
-                  </a:solidFill>
-                </a:uFill>
-                <a:latin typeface="Arial"/>
+              <a:rPr b="0" lang="en-US" sz="1800" spc="-1" strike="noStrike">
+                <a:solidFill>
+                  <a:srgbClr val="000000"/>
+                </a:solidFill>
+                <a:uFill>
+                  <a:solidFill>
+                    <a:srgbClr val="ffffff"/>
+                  </a:solidFill>
+                </a:uFill>
+                <a:latin typeface="Arial"/>
+                <a:ea typeface="DejaVu Sans"/>
               </a:rPr>
               <a:t>　</a:t>
             </a:r>
@@ -7727,6 +8019,7 @@
                   </a:solidFill>
                 </a:uFill>
                 <a:latin typeface="Arial"/>
+                <a:ea typeface="DejaVu Sans"/>
               </a:rPr>
               <a:t>web</a:t>
             </a:r>
@@ -7741,66 +8034,55 @@
                   </a:solidFill>
                 </a:uFill>
                 <a:latin typeface="Arial"/>
-              </a:rPr>
-              <a:t>サーバ</a:t>
-            </a:r>
-            <a:r>
-              <a:rPr b="0" lang="ja-JP" sz="1800" spc="-1" strike="noStrike">
-                <a:solidFill>
-                  <a:srgbClr val="000000"/>
-                </a:solidFill>
-                <a:uFill>
-                  <a:solidFill>
-                    <a:srgbClr val="ffffff"/>
-                  </a:solidFill>
-                </a:uFill>
-                <a:latin typeface="Arial"/>
-              </a:rPr>
-              <a:t>関連</a:t>
-            </a:r>
-            <a:endParaRPr b="0" lang="en-US" sz="1800" spc="-1" strike="noStrike">
-              <a:solidFill>
-                <a:srgbClr val="000000"/>
-              </a:solidFill>
-              <a:uFill>
-                <a:solidFill>
-                  <a:srgbClr val="ffffff"/>
-                </a:solidFill>
-              </a:uFill>
-              <a:latin typeface="Arial"/>
-            </a:endParaRPr>
-          </a:p>
-          <a:p>
-            <a:pPr>
-              <a:lnSpc>
-                <a:spcPct val="93000"/>
-              </a:lnSpc>
-            </a:pPr>
-            <a:r>
-              <a:rPr b="0" lang="en-US" sz="1800" spc="-1" strike="noStrike">
-                <a:solidFill>
-                  <a:srgbClr val="000000"/>
-                </a:solidFill>
-                <a:uFill>
-                  <a:solidFill>
-                    <a:srgbClr val="ffffff"/>
-                  </a:solidFill>
-                </a:uFill>
-                <a:latin typeface="Arial"/>
+                <a:ea typeface="DejaVu Sans"/>
+              </a:rPr>
+              <a:t>サーバ関連</a:t>
+            </a:r>
+            <a:endParaRPr b="0" lang="en-US" sz="1800" spc="-1" strike="noStrike">
+              <a:solidFill>
+                <a:srgbClr val="000000"/>
+              </a:solidFill>
+              <a:uFill>
+                <a:solidFill>
+                  <a:srgbClr val="ffffff"/>
+                </a:solidFill>
+              </a:uFill>
+              <a:latin typeface="Arial"/>
+            </a:endParaRPr>
+          </a:p>
+          <a:p>
+            <a:pPr>
+              <a:lnSpc>
+                <a:spcPct val="93000"/>
+              </a:lnSpc>
+            </a:pPr>
+            <a:r>
+              <a:rPr b="0" lang="en-US" sz="1800" spc="-1" strike="noStrike">
+                <a:solidFill>
+                  <a:srgbClr val="000000"/>
+                </a:solidFill>
+                <a:uFill>
+                  <a:solidFill>
+                    <a:srgbClr val="ffffff"/>
+                  </a:solidFill>
+                </a:uFill>
+                <a:latin typeface="Arial"/>
+                <a:ea typeface="DejaVu Sans"/>
               </a:rPr>
               <a:t>./view/ </a:t>
             </a:r>
             <a:r>
-              <a:rPr b="0" lang="ja-JP" sz="1800" spc="-1" strike="noStrike">
-                <a:solidFill>
-                  <a:srgbClr val="000000"/>
-                </a:solidFill>
-                <a:uFill>
-                  <a:solidFill>
-                    <a:srgbClr val="ffffff"/>
-                  </a:solidFill>
-                </a:uFill>
-                <a:latin typeface="Arial"/>
+              <a:rPr b="0" lang="en-US" sz="1800" spc="-1" strike="noStrike">
+                <a:solidFill>
+                  <a:srgbClr val="000000"/>
+                </a:solidFill>
+                <a:uFill>
+                  <a:solidFill>
+                    <a:srgbClr val="ffffff"/>
+                  </a:solidFill>
+                </a:uFill>
+                <a:latin typeface="Arial"/>
+                <a:ea typeface="DejaVu Sans"/>
               </a:rPr>
               <a:t>　　</a:t>
             </a:r>
@@ -7815,6 +8097,7 @@
                   </a:solidFill>
                 </a:uFill>
                 <a:latin typeface="Arial"/>
+                <a:ea typeface="DejaVu Sans"/>
               </a:rPr>
               <a:t>web</a:t>
             </a:r>
@@ -7829,66 +8112,55 @@
                   </a:solidFill>
                 </a:uFill>
                 <a:latin typeface="Arial"/>
-              </a:rPr>
-              <a:t>サーバ</a:t>
-            </a:r>
-            <a:r>
-              <a:rPr b="0" lang="ja-JP" sz="1800" spc="-1" strike="noStrike">
-                <a:solidFill>
-                  <a:srgbClr val="000000"/>
-                </a:solidFill>
-                <a:uFill>
-                  <a:solidFill>
-                    <a:srgbClr val="ffffff"/>
-                  </a:solidFill>
-                </a:uFill>
-                <a:latin typeface="Arial"/>
-              </a:rPr>
-              <a:t>関連</a:t>
-            </a:r>
-            <a:endParaRPr b="0" lang="en-US" sz="1800" spc="-1" strike="noStrike">
-              <a:solidFill>
-                <a:srgbClr val="000000"/>
-              </a:solidFill>
-              <a:uFill>
-                <a:solidFill>
-                  <a:srgbClr val="ffffff"/>
-                </a:solidFill>
-              </a:uFill>
-              <a:latin typeface="Arial"/>
-            </a:endParaRPr>
-          </a:p>
-          <a:p>
-            <a:pPr>
-              <a:lnSpc>
-                <a:spcPct val="93000"/>
-              </a:lnSpc>
-            </a:pPr>
-            <a:r>
-              <a:rPr b="0" lang="en-US" sz="1800" spc="-1" strike="noStrike">
-                <a:solidFill>
-                  <a:srgbClr val="000000"/>
-                </a:solidFill>
-                <a:uFill>
-                  <a:solidFill>
-                    <a:srgbClr val="ffffff"/>
-                  </a:solidFill>
-                </a:uFill>
-                <a:latin typeface="Arial"/>
+                <a:ea typeface="DejaVu Sans"/>
+              </a:rPr>
+              <a:t>サーバ関連</a:t>
+            </a:r>
+            <a:endParaRPr b="0" lang="en-US" sz="1800" spc="-1" strike="noStrike">
+              <a:solidFill>
+                <a:srgbClr val="000000"/>
+              </a:solidFill>
+              <a:uFill>
+                <a:solidFill>
+                  <a:srgbClr val="ffffff"/>
+                </a:solidFill>
+              </a:uFill>
+              <a:latin typeface="Arial"/>
+            </a:endParaRPr>
+          </a:p>
+          <a:p>
+            <a:pPr>
+              <a:lnSpc>
+                <a:spcPct val="93000"/>
+              </a:lnSpc>
+            </a:pPr>
+            <a:r>
+              <a:rPr b="0" lang="en-US" sz="1800" spc="-1" strike="noStrike">
+                <a:solidFill>
+                  <a:srgbClr val="000000"/>
+                </a:solidFill>
+                <a:uFill>
+                  <a:solidFill>
+                    <a:srgbClr val="ffffff"/>
+                  </a:solidFill>
+                </a:uFill>
+                <a:latin typeface="Arial"/>
+                <a:ea typeface="DejaVu Sans"/>
               </a:rPr>
               <a:t>./routes/ </a:t>
             </a:r>
             <a:r>
-              <a:rPr b="0" lang="ja-JP" sz="1800" spc="-1" strike="noStrike">
-                <a:solidFill>
-                  <a:srgbClr val="000000"/>
-                </a:solidFill>
-                <a:uFill>
-                  <a:solidFill>
-                    <a:srgbClr val="ffffff"/>
-                  </a:solidFill>
-                </a:uFill>
-                <a:latin typeface="Arial"/>
+              <a:rPr b="0" lang="en-US" sz="1800" spc="-1" strike="noStrike">
+                <a:solidFill>
+                  <a:srgbClr val="000000"/>
+                </a:solidFill>
+                <a:uFill>
+                  <a:solidFill>
+                    <a:srgbClr val="ffffff"/>
+                  </a:solidFill>
+                </a:uFill>
+                <a:latin typeface="Arial"/>
+                <a:ea typeface="DejaVu Sans"/>
               </a:rPr>
               <a:t>　 </a:t>
             </a:r>
@@ -7903,6 +8175,7 @@
                   </a:solidFill>
                 </a:uFill>
                 <a:latin typeface="Arial"/>
+                <a:ea typeface="DejaVu Sans"/>
               </a:rPr>
               <a:t>web</a:t>
             </a:r>
@@ -7917,22 +8190,9 @@
                   </a:solidFill>
                 </a:uFill>
                 <a:latin typeface="Arial"/>
-              </a:rPr>
-              <a:t>サーバ</a:t>
-            </a:r>
-            <a:r>
-              <a:rPr b="0" lang="ja-JP" sz="1800" spc="-1" strike="noStrike">
-                <a:solidFill>
-                  <a:srgbClr val="000000"/>
-                </a:solidFill>
-                <a:uFill>
-                  <a:solidFill>
-                    <a:srgbClr val="ffffff"/>
-                  </a:solidFill>
-                </a:uFill>
-                <a:latin typeface="Arial"/>
-              </a:rPr>
-              <a:t>関連</a:t>
+                <a:ea typeface="DejaVu Sans"/>
+              </a:rPr>
+              <a:t>サーバ関連</a:t>
             </a:r>
             <a:endParaRPr b="0" lang="en-US" sz="1800" spc="-1" strike="noStrike">
               <a:solidFill>
@@ -7950,6 +8210,33 @@
       </p:sp>
     </p:spTree>
   </p:cSld>
+  <p:timing>
+    <p:tnLst>
+      <p:par>
+        <p:cTn id="5" dur="indefinite" restart="never" nodeType="tmRoot">
+          <p:childTnLst>
+            <p:seq>
+              <p:cTn id="6" nodeType="mainSeq"/>
+              <p:prevCondLst>
+                <p:cond delay="0" evt="onPrev">
+                  <p:tgtEl>
+                    <p:sldTgt/>
+                  </p:tgtEl>
+                </p:cond>
+              </p:prevCondLst>
+              <p:nextCondLst>
+                <p:cond delay="0" evt="onNext">
+                  <p:tgtEl>
+                    <p:sldTgt/>
+                  </p:tgtEl>
+                </p:cond>
+              </p:nextCondLst>
+            </p:seq>
+          </p:childTnLst>
+        </p:cTn>
+      </p:par>
+    </p:tnLst>
+  </p:timing>
 </p:sld>
 </file>
 

--- a/doc/Flips_blockchain2.pptx
+++ b/doc/Flips_blockchain2.pptx
@@ -11,6 +11,7 @@
     <p:sldId id="256" r:id="rId4"/>
     <p:sldId id="257" r:id="rId5"/>
     <p:sldId id="258" r:id="rId6"/>
+    <p:sldId id="259" r:id="rId7"/>
   </p:sldIdLst>
   <p:sldSz cx="10080625" cy="7559675"/>
   <p:notesSz cx="7559675" cy="10691812"/>
@@ -118,7 +119,7 @@
                 </a:uFill>
                 <a:latin typeface="Times New Roman"/>
               </a:rPr>
-              <a:t>&lt;header&gt;</a:t>
+              <a:t> </a:t>
             </a:r>
             <a:endParaRPr b="0" lang="en-US" sz="1400" spc="-1" strike="noStrike">
               <a:solidFill>
@@ -169,7 +170,7 @@
                 </a:uFill>
                 <a:latin typeface="Times New Roman"/>
               </a:rPr>
-              <a:t>&lt;date/time&gt;</a:t>
+              <a:t> </a:t>
             </a:r>
             <a:endParaRPr b="0" lang="en-US" sz="1400" spc="-1" strike="noStrike">
               <a:solidFill>
@@ -219,7 +220,7 @@
                 </a:uFill>
                 <a:latin typeface="Times New Roman"/>
               </a:rPr>
-              <a:t>&lt;footer&gt;</a:t>
+              <a:t> </a:t>
             </a:r>
             <a:endParaRPr b="0" lang="en-US" sz="1400" spc="-1" strike="noStrike">
               <a:solidFill>
@@ -258,7 +259,7 @@
           <a:bodyPr lIns="0" rIns="0" tIns="0" bIns="0" anchor="b"/>
           <a:p>
             <a:pPr algn="r"/>
-            <a:fld id="{88F4F2CB-EF48-4863-9B02-18FAD7C24D70}" type="slidenum">
+            <a:fld id="{B6CE41BC-EF11-49E4-802D-6119D2031052}" type="slidenum">
               <a:rPr b="0" lang="en-US" sz="1400" spc="-1" strike="noStrike">
                 <a:solidFill>
                   <a:srgbClr val="000000"/>
@@ -270,7 +271,7 @@
                 </a:uFill>
                 <a:latin typeface="Times New Roman"/>
               </a:rPr>
-              <a:t>&lt;number&gt;</a:t>
+              <a:t>1</a:t>
             </a:fld>
             <a:endParaRPr b="0" lang="en-US" sz="1400" spc="-1" strike="noStrike">
               <a:solidFill>
@@ -311,14 +312,14 @@
       </p:grpSpPr>
       <p:sp>
         <p:nvSpPr>
-          <p:cNvPr id="71" name="CustomShape 1"/>
+          <p:cNvPr id="86" name="CustomShape 1"/>
           <p:cNvSpPr/>
           <p:nvPr/>
         </p:nvSpPr>
         <p:spPr>
           <a:xfrm>
             <a:off x="755280" y="5078520"/>
-            <a:ext cx="6048000" cy="4811400"/>
+            <a:ext cx="6047640" cy="4811040"/>
           </a:xfrm>
           <a:prstGeom prst="rect">
             <a:avLst/>
@@ -359,14 +360,14 @@
       </p:grpSpPr>
       <p:sp>
         <p:nvSpPr>
-          <p:cNvPr id="72" name="CustomShape 1"/>
+          <p:cNvPr id="87" name="CustomShape 1"/>
           <p:cNvSpPr/>
           <p:nvPr/>
         </p:nvSpPr>
         <p:spPr>
           <a:xfrm>
             <a:off x="755280" y="5078520"/>
-            <a:ext cx="6048000" cy="4811400"/>
+            <a:ext cx="6047640" cy="4811040"/>
           </a:xfrm>
           <a:prstGeom prst="rect">
             <a:avLst/>
@@ -407,14 +408,62 @@
       </p:grpSpPr>
       <p:sp>
         <p:nvSpPr>
-          <p:cNvPr id="73" name="CustomShape 1"/>
+          <p:cNvPr id="88" name="CustomShape 1"/>
           <p:cNvSpPr/>
           <p:nvPr/>
         </p:nvSpPr>
         <p:spPr>
           <a:xfrm>
             <a:off x="755280" y="5078520"/>
-            <a:ext cx="6048000" cy="4811400"/>
+            <a:ext cx="6047640" cy="4811040"/>
+          </a:xfrm>
+          <a:prstGeom prst="rect">
+            <a:avLst/>
+          </a:prstGeom>
+          <a:noFill/>
+          <a:ln>
+            <a:noFill/>
+          </a:ln>
+        </p:spPr>
+        <p:style>
+          <a:lnRef idx="0"/>
+          <a:fillRef idx="0"/>
+          <a:effectRef idx="0"/>
+          <a:fontRef idx="minor"/>
+        </p:style>
+      </p:sp>
+    </p:spTree>
+  </p:cSld>
+</p:notes>
+</file>
+
+<file path=ppt/notesSlides/notesSlide4.xml><?xml version="1.0" encoding="utf-8"?>
+<p:notes xmlns:a="http://schemas.openxmlformats.org/drawingml/2006/main" xmlns:p="http://schemas.openxmlformats.org/presentationml/2006/main" xmlns:r="http://schemas.openxmlformats.org/officeDocument/2006/relationships" xmlns:p14="http://schemas.microsoft.com/office/powerpoint/2010/main" xmlns:p15="http://schemas.microsoft.com/office/powerpoint/2012/main" xmlns:mc="http://schemas.openxmlformats.org/markup-compatibility/2006">
+  <p:cSld>
+    <p:spTree>
+      <p:nvGrpSpPr>
+        <p:cNvPr id="1" name=""/>
+        <p:cNvGrpSpPr/>
+        <p:nvPr/>
+      </p:nvGrpSpPr>
+      <p:grpSpPr>
+        <a:xfrm>
+          <a:off x="0" y="0"/>
+          <a:ext cx="0" cy="0"/>
+          <a:chOff x="0" y="0"/>
+          <a:chExt cx="0" cy="0"/>
+        </a:xfrm>
+      </p:grpSpPr>
+      <p:sp>
+        <p:nvSpPr>
+          <p:cNvPr id="89" name="CustomShape 1"/>
+          <p:cNvSpPr/>
+          <p:nvPr/>
+        </p:nvSpPr>
+        <p:spPr>
+          <a:xfrm>
+            <a:off x="755280" y="5078520"/>
+            <a:ext cx="6047640" cy="4811040"/>
           </a:xfrm>
           <a:prstGeom prst="rect">
             <a:avLst/>
@@ -488,7 +537,7 @@
         <p:spPr>
           <a:xfrm>
             <a:off x="502920" y="301320"/>
-            <a:ext cx="9069120" cy="1260000"/>
+            <a:ext cx="9068760" cy="1259640"/>
           </a:xfrm>
           <a:prstGeom prst="rect">
             <a:avLst/>
@@ -525,7 +574,7 @@
         <p:spPr>
           <a:xfrm>
             <a:off x="504000" y="1768680"/>
-            <a:ext cx="9072000" cy="2090880"/>
+            <a:ext cx="9071640" cy="2090880"/>
           </a:xfrm>
           <a:prstGeom prst="rect">
             <a:avLst/>
@@ -561,7 +610,7 @@
         <p:spPr>
           <a:xfrm>
             <a:off x="504000" y="4058640"/>
-            <a:ext cx="9072000" cy="2090880"/>
+            <a:ext cx="9071640" cy="2090880"/>
           </a:xfrm>
           <a:prstGeom prst="rect">
             <a:avLst/>
@@ -619,7 +668,7 @@
         <p:spPr>
           <a:xfrm>
             <a:off x="502920" y="301320"/>
-            <a:ext cx="9069120" cy="1260000"/>
+            <a:ext cx="9068760" cy="1259640"/>
           </a:xfrm>
           <a:prstGeom prst="rect">
             <a:avLst/>
@@ -822,7 +871,7 @@
         <p:spPr>
           <a:xfrm>
             <a:off x="502920" y="301320"/>
-            <a:ext cx="9069120" cy="1260000"/>
+            <a:ext cx="9068760" cy="1259640"/>
           </a:xfrm>
           <a:prstGeom prst="rect">
             <a:avLst/>
@@ -859,7 +908,7 @@
         <p:spPr>
           <a:xfrm>
             <a:off x="504000" y="1768680"/>
-            <a:ext cx="9072000" cy="4384080"/>
+            <a:ext cx="9071640" cy="4383720"/>
           </a:xfrm>
           <a:prstGeom prst="rect">
             <a:avLst/>
@@ -895,7 +944,7 @@
         <p:spPr>
           <a:xfrm>
             <a:off x="504000" y="1768680"/>
-            <a:ext cx="9072000" cy="4384080"/>
+            <a:ext cx="9071640" cy="4383720"/>
           </a:xfrm>
           <a:prstGeom prst="rect">
             <a:avLst/>
@@ -930,8 +979,8 @@
         </p:blipFill>
         <p:spPr>
           <a:xfrm>
-            <a:off x="2292480" y="1768680"/>
-            <a:ext cx="5494680" cy="4384080"/>
+            <a:off x="2292480" y="1768320"/>
+            <a:ext cx="5494320" cy="4383720"/>
           </a:xfrm>
           <a:prstGeom prst="rect">
             <a:avLst/>
@@ -953,8 +1002,8 @@
         </p:blipFill>
         <p:spPr>
           <a:xfrm>
-            <a:off x="2292480" y="1768680"/>
-            <a:ext cx="5494680" cy="4384080"/>
+            <a:off x="2292480" y="1768320"/>
+            <a:ext cx="5494320" cy="4383720"/>
           </a:xfrm>
           <a:prstGeom prst="rect">
             <a:avLst/>
@@ -999,7 +1048,7 @@
         <p:spPr>
           <a:xfrm>
             <a:off x="502920" y="301320"/>
-            <a:ext cx="9069120" cy="1260000"/>
+            <a:ext cx="9068760" cy="1259640"/>
           </a:xfrm>
           <a:prstGeom prst="rect">
             <a:avLst/>
@@ -1036,7 +1085,7 @@
         <p:spPr>
           <a:xfrm>
             <a:off x="504000" y="1768680"/>
-            <a:ext cx="9072000" cy="4384080"/>
+            <a:ext cx="9071640" cy="4383720"/>
           </a:xfrm>
           <a:prstGeom prst="rect">
             <a:avLst/>
@@ -1095,7 +1144,7 @@
         <p:spPr>
           <a:xfrm>
             <a:off x="502920" y="301320"/>
-            <a:ext cx="9069120" cy="1260000"/>
+            <a:ext cx="9068760" cy="1259640"/>
           </a:xfrm>
           <a:prstGeom prst="rect">
             <a:avLst/>
@@ -1132,7 +1181,7 @@
         <p:spPr>
           <a:xfrm>
             <a:off x="504000" y="1768680"/>
-            <a:ext cx="9072000" cy="4384080"/>
+            <a:ext cx="9071640" cy="4383720"/>
           </a:xfrm>
           <a:prstGeom prst="rect">
             <a:avLst/>
@@ -1190,7 +1239,7 @@
         <p:spPr>
           <a:xfrm>
             <a:off x="502920" y="301320"/>
-            <a:ext cx="9069120" cy="1260000"/>
+            <a:ext cx="9068760" cy="1259640"/>
           </a:xfrm>
           <a:prstGeom prst="rect">
             <a:avLst/>
@@ -1227,7 +1276,7 @@
         <p:spPr>
           <a:xfrm>
             <a:off x="504000" y="1768680"/>
-            <a:ext cx="4426920" cy="4384080"/>
+            <a:ext cx="4426920" cy="4383720"/>
           </a:xfrm>
           <a:prstGeom prst="rect">
             <a:avLst/>
@@ -1263,7 +1312,7 @@
         <p:spPr>
           <a:xfrm>
             <a:off x="5152680" y="1768680"/>
-            <a:ext cx="4426920" cy="4384080"/>
+            <a:ext cx="4426920" cy="4383720"/>
           </a:xfrm>
           <a:prstGeom prst="rect">
             <a:avLst/>
@@ -1321,7 +1370,7 @@
         <p:spPr>
           <a:xfrm>
             <a:off x="502920" y="301320"/>
-            <a:ext cx="9069120" cy="1260000"/>
+            <a:ext cx="9068760" cy="1259640"/>
           </a:xfrm>
           <a:prstGeom prst="rect">
             <a:avLst/>
@@ -1380,7 +1429,7 @@
         <p:spPr>
           <a:xfrm>
             <a:off x="502920" y="301320"/>
-            <a:ext cx="9069120" cy="5842080"/>
+            <a:ext cx="9068760" cy="5840280"/>
           </a:xfrm>
           <a:prstGeom prst="rect">
             <a:avLst/>
@@ -1439,7 +1488,7 @@
         <p:spPr>
           <a:xfrm>
             <a:off x="502920" y="301320"/>
-            <a:ext cx="9069120" cy="1260000"/>
+            <a:ext cx="9068760" cy="1259640"/>
           </a:xfrm>
           <a:prstGeom prst="rect">
             <a:avLst/>
@@ -1548,7 +1597,7 @@
         <p:spPr>
           <a:xfrm>
             <a:off x="5152680" y="1768680"/>
-            <a:ext cx="4426920" cy="4384080"/>
+            <a:ext cx="4426920" cy="4383720"/>
           </a:xfrm>
           <a:prstGeom prst="rect">
             <a:avLst/>
@@ -1606,7 +1655,7 @@
         <p:spPr>
           <a:xfrm>
             <a:off x="502920" y="301320"/>
-            <a:ext cx="9069120" cy="1260000"/>
+            <a:ext cx="9068760" cy="1259640"/>
           </a:xfrm>
           <a:prstGeom prst="rect">
             <a:avLst/>
@@ -1643,7 +1692,7 @@
         <p:spPr>
           <a:xfrm>
             <a:off x="504000" y="1768680"/>
-            <a:ext cx="4426920" cy="4384080"/>
+            <a:ext cx="4426920" cy="4383720"/>
           </a:xfrm>
           <a:prstGeom prst="rect">
             <a:avLst/>
@@ -1773,7 +1822,7 @@
         <p:spPr>
           <a:xfrm>
             <a:off x="502920" y="301320"/>
-            <a:ext cx="9069120" cy="1260000"/>
+            <a:ext cx="9068760" cy="1259640"/>
           </a:xfrm>
           <a:prstGeom prst="rect">
             <a:avLst/>
@@ -1882,7 +1931,7 @@
         <p:spPr>
           <a:xfrm>
             <a:off x="504000" y="4058640"/>
-            <a:ext cx="9072000" cy="2090880"/>
+            <a:ext cx="9071640" cy="2090880"/>
           </a:xfrm>
           <a:prstGeom prst="rect">
             <a:avLst/>
@@ -1947,7 +1996,7 @@
         <p:spPr>
           <a:xfrm>
             <a:off x="502920" y="301320"/>
-            <a:ext cx="9069120" cy="1260000"/>
+            <a:ext cx="9068760" cy="1259640"/>
           </a:xfrm>
           <a:prstGeom prst="rect">
             <a:avLst/>
@@ -1984,7 +2033,7 @@
         <p:spPr>
           <a:xfrm>
             <a:off x="504000" y="1768680"/>
-            <a:ext cx="9072000" cy="4384080"/>
+            <a:ext cx="9071640" cy="4383720"/>
           </a:xfrm>
           <a:prstGeom prst="rect">
             <a:avLst/>
@@ -2002,7 +2051,7 @@
               <a:buChar char=""/>
             </a:pPr>
             <a:r>
-              <a:rPr b="0" lang="en-US" sz="3200" spc="-1" strike="noStrike">
+              <a:rPr b="0" lang="en-US" sz="1800" spc="-1" strike="noStrike">
                 <a:solidFill>
                   <a:srgbClr val="000000"/>
                 </a:solidFill>
@@ -2015,7 +2064,7 @@
               </a:rPr>
               <a:t>Click to edit the outline text format</a:t>
             </a:r>
-            <a:endParaRPr b="0" lang="en-US" sz="3200" spc="-1" strike="noStrike">
+            <a:endParaRPr b="0" lang="en-US" sz="1800" spc="-1" strike="noStrike">
               <a:solidFill>
                 <a:srgbClr val="000000"/>
               </a:solidFill>
@@ -2037,7 +2086,7 @@
               <a:buChar char=""/>
             </a:pPr>
             <a:r>
-              <a:rPr b="0" lang="en-US" sz="2800" spc="-1" strike="noStrike">
+              <a:rPr b="0" lang="en-US" sz="1800" spc="-1" strike="noStrike">
                 <a:solidFill>
                   <a:srgbClr val="000000"/>
                 </a:solidFill>
@@ -2050,7 +2099,7 @@
               </a:rPr>
               <a:t>Second Outline Level</a:t>
             </a:r>
-            <a:endParaRPr b="0" lang="en-US" sz="2800" spc="-1" strike="noStrike">
+            <a:endParaRPr b="0" lang="en-US" sz="1800" spc="-1" strike="noStrike">
               <a:solidFill>
                 <a:srgbClr val="000000"/>
               </a:solidFill>
@@ -2072,7 +2121,7 @@
               <a:buChar char=""/>
             </a:pPr>
             <a:r>
-              <a:rPr b="0" lang="en-US" sz="2400" spc="-1" strike="noStrike">
+              <a:rPr b="0" lang="en-US" sz="1800" spc="-1" strike="noStrike">
                 <a:solidFill>
                   <a:srgbClr val="000000"/>
                 </a:solidFill>
@@ -2085,7 +2134,7 @@
               </a:rPr>
               <a:t>Third Outline Level</a:t>
             </a:r>
-            <a:endParaRPr b="0" lang="en-US" sz="2400" spc="-1" strike="noStrike">
+            <a:endParaRPr b="0" lang="en-US" sz="1800" spc="-1" strike="noStrike">
               <a:solidFill>
                 <a:srgbClr val="000000"/>
               </a:solidFill>
@@ -2107,7 +2156,7 @@
               <a:buChar char=""/>
             </a:pPr>
             <a:r>
-              <a:rPr b="0" lang="en-US" sz="2000" spc="-1" strike="noStrike">
+              <a:rPr b="0" lang="en-US" sz="1800" spc="-1" strike="noStrike">
                 <a:solidFill>
                   <a:srgbClr val="000000"/>
                 </a:solidFill>
@@ -2120,7 +2169,7 @@
               </a:rPr>
               <a:t>Fourth Outline Level</a:t>
             </a:r>
-            <a:endParaRPr b="0" lang="en-US" sz="2000" spc="-1" strike="noStrike">
+            <a:endParaRPr b="0" lang="en-US" sz="1800" spc="-1" strike="noStrike">
               <a:solidFill>
                 <a:srgbClr val="000000"/>
               </a:solidFill>
@@ -2142,7 +2191,7 @@
               <a:buChar char=""/>
             </a:pPr>
             <a:r>
-              <a:rPr b="0" lang="en-US" sz="2000" spc="-1" strike="noStrike">
+              <a:rPr b="0" lang="en-US" sz="1800" spc="-1" strike="noStrike">
                 <a:solidFill>
                   <a:srgbClr val="000000"/>
                 </a:solidFill>
@@ -2155,7 +2204,7 @@
               </a:rPr>
               <a:t>Fifth Outline Level</a:t>
             </a:r>
-            <a:endParaRPr b="0" lang="en-US" sz="2000" spc="-1" strike="noStrike">
+            <a:endParaRPr b="0" lang="en-US" sz="1800" spc="-1" strike="noStrike">
               <a:solidFill>
                 <a:srgbClr val="000000"/>
               </a:solidFill>
@@ -2177,7 +2226,7 @@
               <a:buChar char=""/>
             </a:pPr>
             <a:r>
-              <a:rPr b="0" lang="en-US" sz="2000" spc="-1" strike="noStrike">
+              <a:rPr b="0" lang="en-US" sz="1800" spc="-1" strike="noStrike">
                 <a:solidFill>
                   <a:srgbClr val="000000"/>
                 </a:solidFill>
@@ -2190,7 +2239,7 @@
               </a:rPr>
               <a:t>Sixth Outline Level</a:t>
             </a:r>
-            <a:endParaRPr b="0" lang="en-US" sz="2000" spc="-1" strike="noStrike">
+            <a:endParaRPr b="0" lang="en-US" sz="1800" spc="-1" strike="noStrike">
               <a:solidFill>
                 <a:srgbClr val="000000"/>
               </a:solidFill>
@@ -2212,7 +2261,7 @@
               <a:buChar char=""/>
             </a:pPr>
             <a:r>
-              <a:rPr b="0" lang="en-US" sz="2000" spc="-1" strike="noStrike">
+              <a:rPr b="0" lang="en-US" sz="1800" spc="-1" strike="noStrike">
                 <a:solidFill>
                   <a:srgbClr val="000000"/>
                 </a:solidFill>
@@ -2225,7 +2274,7 @@
               </a:rPr>
               <a:t>Seventh Outline Level</a:t>
             </a:r>
-            <a:endParaRPr b="0" lang="en-US" sz="2000" spc="-1" strike="noStrike">
+            <a:endParaRPr b="0" lang="en-US" sz="1800" spc="-1" strike="noStrike">
               <a:solidFill>
                 <a:srgbClr val="000000"/>
               </a:solidFill>
@@ -2292,7 +2341,7 @@
         <p:spPr>
           <a:xfrm>
             <a:off x="431640" y="496800"/>
-            <a:ext cx="5759280" cy="3822480"/>
+            <a:ext cx="5758920" cy="3822120"/>
           </a:xfrm>
           <a:custGeom>
             <a:avLst/>
@@ -3207,7 +3256,7 @@
         <p:spPr>
           <a:xfrm>
             <a:off x="431640" y="496800"/>
-            <a:ext cx="9288360" cy="6048000"/>
+            <a:ext cx="9288000" cy="6047640"/>
           </a:xfrm>
           <a:custGeom>
             <a:avLst/>
@@ -4636,7 +4685,7 @@
         <p:spPr>
           <a:xfrm>
             <a:off x="3672000" y="647640"/>
-            <a:ext cx="2447280" cy="2622240"/>
+            <a:ext cx="2446920" cy="2621880"/>
           </a:xfrm>
           <a:custGeom>
             <a:avLst/>
@@ -5099,7 +5148,7 @@
         <p:spPr>
           <a:xfrm>
             <a:off x="5904000" y="792000"/>
-            <a:ext cx="1655280" cy="2447640"/>
+            <a:ext cx="1654920" cy="2447280"/>
           </a:xfrm>
           <a:custGeom>
             <a:avLst/>
@@ -5250,7 +5299,7 @@
         <p:spPr>
           <a:xfrm>
             <a:off x="7991640" y="792000"/>
-            <a:ext cx="1655280" cy="2447640"/>
+            <a:ext cx="1654920" cy="2447280"/>
           </a:xfrm>
           <a:custGeom>
             <a:avLst/>
@@ -5482,7 +5531,7 @@
         <p:spPr>
           <a:xfrm>
             <a:off x="252360" y="863640"/>
-            <a:ext cx="1655280" cy="2447640"/>
+            <a:ext cx="1654920" cy="2447280"/>
           </a:xfrm>
           <a:custGeom>
             <a:avLst/>
@@ -5864,7 +5913,7 @@
         <p:spPr>
           <a:xfrm>
             <a:off x="3492360" y="647640"/>
-            <a:ext cx="1871280" cy="2663640"/>
+            <a:ext cx="1870920" cy="2663280"/>
           </a:xfrm>
           <a:prstGeom prst="rect">
             <a:avLst/>
@@ -5893,7 +5942,7 @@
         <p:spPr>
           <a:xfrm>
             <a:off x="5759280" y="647640"/>
-            <a:ext cx="1655640" cy="3384360"/>
+            <a:ext cx="1655280" cy="3384000"/>
           </a:xfrm>
           <a:prstGeom prst="rect">
             <a:avLst/>
@@ -5922,7 +5971,7 @@
         <p:spPr>
           <a:xfrm>
             <a:off x="7920000" y="647640"/>
-            <a:ext cx="1655280" cy="2663640"/>
+            <a:ext cx="1654920" cy="2663280"/>
           </a:xfrm>
           <a:prstGeom prst="rect">
             <a:avLst/>
@@ -5951,7 +6000,7 @@
         <p:spPr>
           <a:xfrm>
             <a:off x="144360" y="755640"/>
-            <a:ext cx="1655640" cy="2555640"/>
+            <a:ext cx="1655280" cy="2555280"/>
           </a:xfrm>
           <a:prstGeom prst="rect">
             <a:avLst/>
@@ -6008,7 +6057,7 @@
         <p:spPr>
           <a:xfrm>
             <a:off x="1944720" y="2303640"/>
-            <a:ext cx="1655280" cy="862920"/>
+            <a:ext cx="1654920" cy="862560"/>
           </a:xfrm>
           <a:custGeom>
             <a:avLst/>
@@ -6126,7 +6175,7 @@
         <p:spPr>
           <a:xfrm>
             <a:off x="7272360" y="2232000"/>
-            <a:ext cx="1655280" cy="936360"/>
+            <a:ext cx="1654920" cy="936000"/>
           </a:xfrm>
           <a:custGeom>
             <a:avLst/>
@@ -6211,7 +6260,7 @@
         <p:spPr>
           <a:xfrm>
             <a:off x="223920" y="5184720"/>
-            <a:ext cx="2007720" cy="1087200"/>
+            <a:ext cx="2007360" cy="1086840"/>
           </a:xfrm>
           <a:custGeom>
             <a:avLst/>
@@ -6395,7 +6444,7 @@
         <p:spPr>
           <a:xfrm>
             <a:off x="338040" y="216000"/>
-            <a:ext cx="3492360" cy="1086840"/>
+            <a:ext cx="3492000" cy="1086480"/>
           </a:xfrm>
           <a:custGeom>
             <a:avLst/>
@@ -6546,7 +6595,7 @@
         <p:spPr>
           <a:xfrm>
             <a:off x="5037120" y="2558880"/>
-            <a:ext cx="866520" cy="318960"/>
+            <a:ext cx="866160" cy="318600"/>
           </a:xfrm>
           <a:custGeom>
             <a:avLst/>
@@ -6632,7 +6681,7 @@
         <p:spPr>
           <a:xfrm>
             <a:off x="5064840" y="2558880"/>
-            <a:ext cx="837000" cy="314280"/>
+            <a:ext cx="836640" cy="313920"/>
           </a:xfrm>
           <a:custGeom>
             <a:avLst/>
@@ -6708,7 +6757,7 @@
         <p:spPr>
           <a:xfrm>
             <a:off x="7196040" y="2487600"/>
-            <a:ext cx="866520" cy="318600"/>
+            <a:ext cx="866160" cy="318240"/>
           </a:xfrm>
           <a:custGeom>
             <a:avLst/>
@@ -6794,7 +6843,7 @@
         <p:spPr>
           <a:xfrm>
             <a:off x="7225560" y="2490480"/>
-            <a:ext cx="836640" cy="313560"/>
+            <a:ext cx="836280" cy="313200"/>
           </a:xfrm>
           <a:custGeom>
             <a:avLst/>
@@ -6870,7 +6919,7 @@
         <p:spPr>
           <a:xfrm>
             <a:off x="5111640" y="2232000"/>
-            <a:ext cx="1655640" cy="936360"/>
+            <a:ext cx="1655280" cy="936000"/>
           </a:xfrm>
           <a:custGeom>
             <a:avLst/>
@@ -6955,7 +7004,7 @@
         <p:spPr>
           <a:xfrm>
             <a:off x="3492360" y="3419640"/>
-            <a:ext cx="1871280" cy="612360"/>
+            <a:ext cx="1870920" cy="612000"/>
           </a:xfrm>
           <a:prstGeom prst="rect">
             <a:avLst/>
@@ -6984,7 +7033,7 @@
         <p:spPr>
           <a:xfrm>
             <a:off x="7883640" y="3419640"/>
-            <a:ext cx="1871280" cy="612360"/>
+            <a:ext cx="1870920" cy="612000"/>
           </a:xfrm>
           <a:prstGeom prst="rect">
             <a:avLst/>
@@ -7013,7 +7062,7 @@
         <p:spPr>
           <a:xfrm>
             <a:off x="3635280" y="3564000"/>
-            <a:ext cx="1655640" cy="936360"/>
+            <a:ext cx="1655280" cy="936000"/>
           </a:xfrm>
           <a:custGeom>
             <a:avLst/>
@@ -7098,7 +7147,7 @@
         <p:spPr>
           <a:xfrm>
             <a:off x="8099280" y="3564000"/>
-            <a:ext cx="1655640" cy="936360"/>
+            <a:ext cx="1655280" cy="936000"/>
           </a:xfrm>
           <a:custGeom>
             <a:avLst/>
@@ -7183,7 +7232,7 @@
         <p:spPr>
           <a:xfrm>
             <a:off x="144360" y="3456000"/>
-            <a:ext cx="1655640" cy="612360"/>
+            <a:ext cx="1655280" cy="612000"/>
           </a:xfrm>
           <a:prstGeom prst="rect">
             <a:avLst/>
@@ -7212,7 +7261,7 @@
         <p:spPr>
           <a:xfrm>
             <a:off x="287280" y="3564000"/>
-            <a:ext cx="1655640" cy="936360"/>
+            <a:ext cx="1655280" cy="936000"/>
           </a:xfrm>
           <a:custGeom>
             <a:avLst/>
@@ -7297,7 +7346,7 @@
         <p:spPr>
           <a:xfrm>
             <a:off x="144360" y="4176720"/>
-            <a:ext cx="9646920" cy="612360"/>
+            <a:ext cx="9646560" cy="612000"/>
           </a:xfrm>
           <a:prstGeom prst="rect">
             <a:avLst/>
@@ -7326,7 +7375,7 @@
         <p:spPr>
           <a:xfrm>
             <a:off x="4140360" y="4356000"/>
-            <a:ext cx="2194920" cy="936360"/>
+            <a:ext cx="2194560" cy="936000"/>
           </a:xfrm>
           <a:custGeom>
             <a:avLst/>
@@ -7411,7 +7460,7 @@
         <p:spPr>
           <a:xfrm>
             <a:off x="2828880" y="5191200"/>
-            <a:ext cx="2355480" cy="1571040"/>
+            <a:ext cx="2355120" cy="1570680"/>
           </a:xfrm>
           <a:custGeom>
             <a:avLst/>
@@ -7721,7 +7770,7 @@
         <p:spPr>
           <a:xfrm>
             <a:off x="5745240" y="5191200"/>
-            <a:ext cx="2863440" cy="2082240"/>
+            <a:ext cx="2863080" cy="2081880"/>
           </a:xfrm>
           <a:custGeom>
             <a:avLst/>
@@ -8217,6 +8266,1838 @@
           <p:childTnLst>
             <p:seq>
               <p:cTn id="6" nodeType="mainSeq"/>
+              <p:prevCondLst>
+                <p:cond delay="0" evt="onPrev">
+                  <p:tgtEl>
+                    <p:sldTgt/>
+                  </p:tgtEl>
+                </p:cond>
+              </p:prevCondLst>
+              <p:nextCondLst>
+                <p:cond delay="0" evt="onNext">
+                  <p:tgtEl>
+                    <p:sldTgt/>
+                  </p:tgtEl>
+                </p:cond>
+              </p:nextCondLst>
+            </p:seq>
+          </p:childTnLst>
+        </p:cTn>
+      </p:par>
+    </p:tnLst>
+  </p:timing>
+</p:sld>
+</file>
+
+<file path=ppt/slides/slide4.xml><?xml version="1.0" encoding="utf-8"?>
+<p:sld xmlns:a="http://schemas.openxmlformats.org/drawingml/2006/main" xmlns:p="http://schemas.openxmlformats.org/presentationml/2006/main" xmlns:r="http://schemas.openxmlformats.org/officeDocument/2006/relationships" xmlns:p14="http://schemas.microsoft.com/office/powerpoint/2010/main" xmlns:p15="http://schemas.microsoft.com/office/powerpoint/2012/main" xmlns:mc="http://schemas.openxmlformats.org/markup-compatibility/2006">
+  <p:cSld>
+    <p:bg>
+      <p:bgPr>
+        <a:solidFill>
+          <a:srgbClr val="ffffff"/>
+        </a:solidFill>
+      </p:bgPr>
+    </p:bg>
+    <p:spTree>
+      <p:nvGrpSpPr>
+        <p:cNvPr id="1" name=""/>
+        <p:cNvGrpSpPr/>
+        <p:nvPr/>
+      </p:nvGrpSpPr>
+      <p:grpSpPr>
+        <a:xfrm>
+          <a:off x="0" y="0"/>
+          <a:ext cx="0" cy="0"/>
+          <a:chOff x="0" y="0"/>
+          <a:chExt cx="0" cy="0"/>
+        </a:xfrm>
+      </p:grpSpPr>
+      <p:sp>
+        <p:nvSpPr>
+          <p:cNvPr id="71" name="CustomShape 1"/>
+          <p:cNvSpPr/>
+          <p:nvPr/>
+        </p:nvSpPr>
+        <p:spPr>
+          <a:xfrm>
+            <a:off x="1154160" y="2520000"/>
+            <a:ext cx="2736000" cy="1728000"/>
+          </a:xfrm>
+          <a:custGeom>
+            <a:avLst/>
+            <a:gdLst/>
+            <a:ahLst/>
+            <a:rect l="l" t="t" r="r" b="b"/>
+            <a:pathLst>
+              <a:path w="21600" h="21600">
+                <a:moveTo>
+                  <a:pt x="0" y="0"/>
+                </a:moveTo>
+                <a:lnTo>
+                  <a:pt x="21600" y="0"/>
+                </a:lnTo>
+                <a:lnTo>
+                  <a:pt x="21600" y="21600"/>
+                </a:lnTo>
+                <a:lnTo>
+                  <a:pt x="0" y="21600"/>
+                </a:lnTo>
+                <a:lnTo>
+                  <a:pt x="0" y="0"/>
+                </a:lnTo>
+                <a:close/>
+              </a:path>
+            </a:pathLst>
+          </a:custGeom>
+          <a:solidFill>
+            <a:srgbClr val="ffd320"/>
+          </a:solidFill>
+          <a:ln>
+            <a:solidFill>
+              <a:srgbClr val="0066cc"/>
+            </a:solidFill>
+          </a:ln>
+        </p:spPr>
+        <p:style>
+          <a:lnRef idx="0"/>
+          <a:fillRef idx="0"/>
+          <a:effectRef idx="0"/>
+          <a:fontRef idx="minor"/>
+        </p:style>
+        <p:txBody>
+          <a:bodyPr lIns="90000" rIns="90000" tIns="60840" bIns="45000"/>
+          <a:p>
+            <a:pPr>
+              <a:lnSpc>
+                <a:spcPct val="93000"/>
+              </a:lnSpc>
+            </a:pPr>
+            <a:r>
+              <a:rPr b="0" lang="en-US" sz="1800" spc="-1" strike="noStrike">
+                <a:solidFill>
+                  <a:srgbClr val="000000"/>
+                </a:solidFill>
+                <a:uFill>
+                  <a:solidFill>
+                    <a:srgbClr val="ffffff"/>
+                  </a:solidFill>
+                </a:uFill>
+                <a:latin typeface="Arial"/>
+                <a:ea typeface="DejaVu Sans"/>
+              </a:rPr>
+              <a:t>recTrans</a:t>
+            </a:r>
+            <a:endParaRPr b="0" lang="en-US" sz="1800" spc="-1" strike="noStrike">
+              <a:solidFill>
+                <a:srgbClr val="000000"/>
+              </a:solidFill>
+              <a:uFill>
+                <a:solidFill>
+                  <a:srgbClr val="ffffff"/>
+                </a:solidFill>
+              </a:uFill>
+              <a:latin typeface="Arial"/>
+            </a:endParaRPr>
+          </a:p>
+          <a:p>
+            <a:pPr>
+              <a:lnSpc>
+                <a:spcPct val="93000"/>
+              </a:lnSpc>
+            </a:pPr>
+            <a:endParaRPr b="0" lang="en-US" sz="1800" spc="-1" strike="noStrike">
+              <a:solidFill>
+                <a:srgbClr val="000000"/>
+              </a:solidFill>
+              <a:uFill>
+                <a:solidFill>
+                  <a:srgbClr val="ffffff"/>
+                </a:solidFill>
+              </a:uFill>
+              <a:latin typeface="Arial"/>
+            </a:endParaRPr>
+          </a:p>
+          <a:p>
+            <a:pPr>
+              <a:lnSpc>
+                <a:spcPct val="93000"/>
+              </a:lnSpc>
+            </a:pPr>
+            <a:r>
+              <a:rPr b="0" lang="en-US" sz="1300" spc="-1" strike="noStrike">
+                <a:solidFill>
+                  <a:srgbClr val="000000"/>
+                </a:solidFill>
+                <a:uFill>
+                  <a:solidFill>
+                    <a:srgbClr val="ffffff"/>
+                  </a:solidFill>
+                </a:uFill>
+                <a:latin typeface="Arial"/>
+                <a:ea typeface="DejaVu Sans"/>
+              </a:rPr>
+              <a:t>   </a:t>
+            </a:r>
+            <a:r>
+              <a:rPr b="0" lang="en-US" sz="1300" spc="-1" strike="noStrike">
+                <a:solidFill>
+                  <a:srgbClr val="000000"/>
+                </a:solidFill>
+                <a:uFill>
+                  <a:solidFill>
+                    <a:srgbClr val="ffffff"/>
+                  </a:solidFill>
+                </a:uFill>
+                <a:latin typeface="Arial"/>
+                <a:ea typeface="DejaVu Sans"/>
+              </a:rPr>
+              <a:t>checktrans</a:t>
+            </a:r>
+            <a:r>
+              <a:rPr b="0" lang="en-US" sz="1300" spc="-1" strike="noStrike">
+                <a:solidFill>
+                  <a:srgbClr val="000000"/>
+                </a:solidFill>
+                <a:uFill>
+                  <a:solidFill>
+                    <a:srgbClr val="ffffff"/>
+                  </a:solidFill>
+                </a:uFill>
+                <a:latin typeface="Arial"/>
+                <a:ea typeface="DejaVu Sans"/>
+              </a:rPr>
+              <a:t>関数</a:t>
+            </a:r>
+            <a:endParaRPr b="0" lang="en-US" sz="1800" spc="-1" strike="noStrike">
+              <a:solidFill>
+                <a:srgbClr val="000000"/>
+              </a:solidFill>
+              <a:uFill>
+                <a:solidFill>
+                  <a:srgbClr val="ffffff"/>
+                </a:solidFill>
+              </a:uFill>
+              <a:latin typeface="Arial"/>
+            </a:endParaRPr>
+          </a:p>
+          <a:p>
+            <a:pPr>
+              <a:lnSpc>
+                <a:spcPct val="93000"/>
+              </a:lnSpc>
+            </a:pPr>
+            <a:r>
+              <a:rPr b="0" lang="en-US" sz="1300" spc="-1" strike="noStrike">
+                <a:solidFill>
+                  <a:srgbClr val="000000"/>
+                </a:solidFill>
+                <a:uFill>
+                  <a:solidFill>
+                    <a:srgbClr val="ffffff"/>
+                  </a:solidFill>
+                </a:uFill>
+                <a:latin typeface="Arial"/>
+                <a:ea typeface="DejaVu Sans"/>
+              </a:rPr>
+              <a:t>     </a:t>
+            </a:r>
+            <a:r>
+              <a:rPr b="0" lang="en-US" sz="1300" spc="-1" strike="noStrike">
+                <a:solidFill>
+                  <a:srgbClr val="000000"/>
+                </a:solidFill>
+                <a:uFill>
+                  <a:solidFill>
+                    <a:srgbClr val="ffffff"/>
+                  </a:solidFill>
+                </a:uFill>
+                <a:latin typeface="Arial"/>
+                <a:ea typeface="DejaVu Sans"/>
+              </a:rPr>
+              <a:t>Redis</a:t>
+            </a:r>
+            <a:r>
+              <a:rPr b="0" lang="en-US" sz="1300" spc="-1" strike="noStrike">
+                <a:solidFill>
+                  <a:srgbClr val="000000"/>
+                </a:solidFill>
+                <a:uFill>
+                  <a:solidFill>
+                    <a:srgbClr val="ffffff"/>
+                  </a:solidFill>
+                </a:uFill>
+                <a:latin typeface="Arial"/>
+                <a:ea typeface="DejaVu Sans"/>
+              </a:rPr>
+              <a:t>から電文を</a:t>
+            </a:r>
+            <a:r>
+              <a:rPr b="0" lang="en-US" sz="1300" spc="-1" strike="noStrike">
+                <a:solidFill>
+                  <a:srgbClr val="000000"/>
+                </a:solidFill>
+                <a:uFill>
+                  <a:solidFill>
+                    <a:srgbClr val="ffffff"/>
+                  </a:solidFill>
+                </a:uFill>
+                <a:latin typeface="Arial"/>
+                <a:ea typeface="DejaVu Sans"/>
+              </a:rPr>
+              <a:t>get</a:t>
+            </a:r>
+            <a:r>
+              <a:rPr b="0" lang="en-US" sz="1300" spc="-1" strike="noStrike">
+                <a:solidFill>
+                  <a:srgbClr val="000000"/>
+                </a:solidFill>
+                <a:uFill>
+                  <a:solidFill>
+                    <a:srgbClr val="ffffff"/>
+                  </a:solidFill>
+                </a:uFill>
+                <a:latin typeface="Arial"/>
+                <a:ea typeface="DejaVu Sans"/>
+              </a:rPr>
+              <a:t>し、 </a:t>
+            </a:r>
+            <a:endParaRPr b="0" lang="en-US" sz="1800" spc="-1" strike="noStrike">
+              <a:solidFill>
+                <a:srgbClr val="000000"/>
+              </a:solidFill>
+              <a:uFill>
+                <a:solidFill>
+                  <a:srgbClr val="ffffff"/>
+                </a:solidFill>
+              </a:uFill>
+              <a:latin typeface="Arial"/>
+            </a:endParaRPr>
+          </a:p>
+          <a:p>
+            <a:pPr>
+              <a:lnSpc>
+                <a:spcPct val="93000"/>
+              </a:lnSpc>
+            </a:pPr>
+            <a:r>
+              <a:rPr b="0" lang="en-US" sz="1300" spc="-1" strike="noStrike">
+                <a:solidFill>
+                  <a:srgbClr val="000000"/>
+                </a:solidFill>
+                <a:uFill>
+                  <a:solidFill>
+                    <a:srgbClr val="ffffff"/>
+                  </a:solidFill>
+                </a:uFill>
+                <a:latin typeface="Arial"/>
+                <a:ea typeface="DejaVu Sans"/>
+              </a:rPr>
+              <a:t>　</a:t>
+            </a:r>
+            <a:r>
+              <a:rPr b="0" lang="en-US" sz="1300" spc="-1" strike="noStrike">
+                <a:solidFill>
+                  <a:srgbClr val="000000"/>
+                </a:solidFill>
+                <a:uFill>
+                  <a:solidFill>
+                    <a:srgbClr val="ffffff"/>
+                  </a:solidFill>
+                </a:uFill>
+                <a:latin typeface="Arial"/>
+                <a:ea typeface="DejaVu Sans"/>
+              </a:rPr>
+              <a:t>transaction</a:t>
+            </a:r>
+            <a:r>
+              <a:rPr b="0" lang="en-US" sz="1300" spc="-1" strike="noStrike">
+                <a:solidFill>
+                  <a:srgbClr val="000000"/>
+                </a:solidFill>
+                <a:uFill>
+                  <a:solidFill>
+                    <a:srgbClr val="ffffff"/>
+                  </a:solidFill>
+                </a:uFill>
+                <a:latin typeface="Arial"/>
+                <a:ea typeface="DejaVu Sans"/>
+              </a:rPr>
+              <a:t>を作成し、プール　（</a:t>
+            </a:r>
+            <a:r>
+              <a:rPr b="0" lang="en-US" sz="1300" spc="-1" strike="noStrike">
+                <a:solidFill>
+                  <a:srgbClr val="000000"/>
+                </a:solidFill>
+                <a:uFill>
+                  <a:solidFill>
+                    <a:srgbClr val="ffffff"/>
+                  </a:solidFill>
+                </a:uFill>
+                <a:latin typeface="Arial"/>
+                <a:ea typeface="DejaVu Sans"/>
+              </a:rPr>
+              <a:t>pendingTransactions</a:t>
+            </a:r>
+            <a:r>
+              <a:rPr b="0" lang="en-US" sz="1300" spc="-1" strike="noStrike">
+                <a:solidFill>
+                  <a:srgbClr val="000000"/>
+                </a:solidFill>
+                <a:uFill>
+                  <a:solidFill>
+                    <a:srgbClr val="ffffff"/>
+                  </a:solidFill>
+                </a:uFill>
+                <a:latin typeface="Arial"/>
+                <a:ea typeface="DejaVu Sans"/>
+              </a:rPr>
+              <a:t>）へ追加 </a:t>
+            </a:r>
+            <a:endParaRPr b="0" lang="en-US" sz="1800" spc="-1" strike="noStrike">
+              <a:solidFill>
+                <a:srgbClr val="000000"/>
+              </a:solidFill>
+              <a:uFill>
+                <a:solidFill>
+                  <a:srgbClr val="ffffff"/>
+                </a:solidFill>
+              </a:uFill>
+              <a:latin typeface="Arial"/>
+            </a:endParaRPr>
+          </a:p>
+          <a:p>
+            <a:pPr>
+              <a:lnSpc>
+                <a:spcPct val="93000"/>
+              </a:lnSpc>
+            </a:pPr>
+            <a:r>
+              <a:rPr b="0" lang="en-US" sz="1300" spc="-1" strike="noStrike">
+                <a:solidFill>
+                  <a:srgbClr val="000000"/>
+                </a:solidFill>
+                <a:uFill>
+                  <a:solidFill>
+                    <a:srgbClr val="ffffff"/>
+                  </a:solidFill>
+                </a:uFill>
+                <a:latin typeface="Arial"/>
+                <a:ea typeface="DejaVu Sans"/>
+              </a:rPr>
+              <a:t> </a:t>
+            </a:r>
+            <a:endParaRPr b="0" lang="en-US" sz="1800" spc="-1" strike="noStrike">
+              <a:solidFill>
+                <a:srgbClr val="000000"/>
+              </a:solidFill>
+              <a:uFill>
+                <a:solidFill>
+                  <a:srgbClr val="ffffff"/>
+                </a:solidFill>
+              </a:uFill>
+              <a:latin typeface="Arial"/>
+            </a:endParaRPr>
+          </a:p>
+          <a:p>
+            <a:pPr>
+              <a:lnSpc>
+                <a:spcPct val="93000"/>
+              </a:lnSpc>
+            </a:pPr>
+            <a:r>
+              <a:rPr b="0" lang="en-US" sz="1300" spc="-1" strike="noStrike">
+                <a:solidFill>
+                  <a:srgbClr val="000000"/>
+                </a:solidFill>
+                <a:uFill>
+                  <a:solidFill>
+                    <a:srgbClr val="ffffff"/>
+                  </a:solidFill>
+                </a:uFill>
+                <a:latin typeface="Arial"/>
+                <a:ea typeface="DejaVu Sans"/>
+              </a:rPr>
+              <a:t> </a:t>
+            </a:r>
+            <a:endParaRPr b="0" lang="en-US" sz="1800" spc="-1" strike="noStrike">
+              <a:solidFill>
+                <a:srgbClr val="000000"/>
+              </a:solidFill>
+              <a:uFill>
+                <a:solidFill>
+                  <a:srgbClr val="ffffff"/>
+                </a:solidFill>
+              </a:uFill>
+              <a:latin typeface="Arial"/>
+            </a:endParaRPr>
+          </a:p>
+        </p:txBody>
+      </p:sp>
+      <p:sp>
+        <p:nvSpPr>
+          <p:cNvPr id="72" name="CustomShape 2"/>
+          <p:cNvSpPr/>
+          <p:nvPr/>
+        </p:nvSpPr>
+        <p:spPr>
+          <a:xfrm>
+            <a:off x="218880" y="3024000"/>
+            <a:ext cx="2519280" cy="1008000"/>
+          </a:xfrm>
+          <a:custGeom>
+            <a:avLst/>
+            <a:gdLst/>
+            <a:ahLst/>
+            <a:rect l="l" t="t" r="r" b="b"/>
+            <a:pathLst>
+              <a:path w="21600" h="21600">
+                <a:moveTo>
+                  <a:pt x="0" y="0"/>
+                </a:moveTo>
+                <a:lnTo>
+                  <a:pt x="21600" y="0"/>
+                </a:lnTo>
+                <a:lnTo>
+                  <a:pt x="21600" y="21600"/>
+                </a:lnTo>
+                <a:lnTo>
+                  <a:pt x="0" y="21600"/>
+                </a:lnTo>
+                <a:lnTo>
+                  <a:pt x="0" y="0"/>
+                </a:lnTo>
+                <a:close/>
+              </a:path>
+            </a:pathLst>
+          </a:custGeom>
+          <a:noFill/>
+          <a:ln>
+            <a:noFill/>
+          </a:ln>
+        </p:spPr>
+        <p:style>
+          <a:lnRef idx="0"/>
+          <a:fillRef idx="0"/>
+          <a:effectRef idx="0"/>
+          <a:fontRef idx="minor"/>
+        </p:style>
+        <p:txBody>
+          <a:bodyPr lIns="90000" rIns="90000" tIns="55800" bIns="45000"/>
+          <a:p>
+            <a:pPr>
+              <a:lnSpc>
+                <a:spcPct val="93000"/>
+              </a:lnSpc>
+            </a:pPr>
+            <a:r>
+              <a:rPr b="0" lang="en-US" sz="1200" spc="-1" strike="noStrike">
+                <a:solidFill>
+                  <a:srgbClr val="000000"/>
+                </a:solidFill>
+                <a:uFill>
+                  <a:solidFill>
+                    <a:srgbClr val="ffffff"/>
+                  </a:solidFill>
+                </a:uFill>
+                <a:latin typeface="Arial"/>
+                <a:ea typeface="DejaVu Sans"/>
+              </a:rPr>
+              <a:t>Redis RPC</a:t>
+            </a:r>
+            <a:endParaRPr b="0" lang="en-US" sz="1800" spc="-1" strike="noStrike">
+              <a:solidFill>
+                <a:srgbClr val="000000"/>
+              </a:solidFill>
+              <a:uFill>
+                <a:solidFill>
+                  <a:srgbClr val="ffffff"/>
+                </a:solidFill>
+              </a:uFill>
+              <a:latin typeface="Arial"/>
+            </a:endParaRPr>
+          </a:p>
+        </p:txBody>
+      </p:sp>
+      <p:sp>
+        <p:nvSpPr>
+          <p:cNvPr id="73" name="CustomShape 3"/>
+          <p:cNvSpPr/>
+          <p:nvPr/>
+        </p:nvSpPr>
+        <p:spPr>
+          <a:xfrm>
+            <a:off x="429840" y="3353760"/>
+            <a:ext cx="866160" cy="318240"/>
+          </a:xfrm>
+          <a:custGeom>
+            <a:avLst/>
+            <a:gdLst/>
+            <a:ahLst/>
+            <a:rect l="l" t="t" r="r" b="b"/>
+            <a:pathLst>
+              <a:path w="2462" h="893">
+                <a:moveTo>
+                  <a:pt x="2433" y="455"/>
+                </a:moveTo>
+                <a:cubicBezTo>
+                  <a:pt x="2404" y="215"/>
+                  <a:pt x="2170" y="14"/>
+                  <a:pt x="1918" y="13"/>
+                </a:cubicBezTo>
+                <a:cubicBezTo>
+                  <a:pt x="1425" y="9"/>
+                  <a:pt x="930" y="6"/>
+                  <a:pt x="436" y="2"/>
+                </a:cubicBezTo>
+                <a:cubicBezTo>
+                  <a:pt x="185" y="0"/>
+                  <a:pt x="0" y="198"/>
+                  <a:pt x="29" y="437"/>
+                </a:cubicBezTo>
+                <a:cubicBezTo>
+                  <a:pt x="59" y="678"/>
+                  <a:pt x="294" y="879"/>
+                  <a:pt x="545" y="880"/>
+                </a:cubicBezTo>
+                <a:cubicBezTo>
+                  <a:pt x="1038" y="884"/>
+                  <a:pt x="1533" y="887"/>
+                  <a:pt x="2027" y="891"/>
+                </a:cubicBezTo>
+                <a:cubicBezTo>
+                  <a:pt x="2278" y="893"/>
+                  <a:pt x="2462" y="695"/>
+                  <a:pt x="2433" y="455"/>
+                </a:cubicBezTo>
+                <a:close/>
+                <a:moveTo>
+                  <a:pt x="2379" y="16"/>
+                </a:moveTo>
+                <a:lnTo>
+                  <a:pt x="2379" y="16"/>
+                </a:lnTo>
+                <a:close/>
+                <a:moveTo>
+                  <a:pt x="83" y="877"/>
+                </a:moveTo>
+                <a:lnTo>
+                  <a:pt x="83" y="877"/>
+                </a:lnTo>
+                <a:close/>
+              </a:path>
+            </a:pathLst>
+          </a:custGeom>
+          <a:solidFill>
+            <a:srgbClr val="3333ff"/>
+          </a:solidFill>
+          <a:ln w="9360">
+            <a:solidFill>
+              <a:srgbClr val="3465a4"/>
+            </a:solidFill>
+            <a:round/>
+          </a:ln>
+        </p:spPr>
+        <p:style>
+          <a:lnRef idx="0"/>
+          <a:fillRef idx="0"/>
+          <a:effectRef idx="0"/>
+          <a:fontRef idx="minor"/>
+        </p:style>
+      </p:sp>
+      <p:sp>
+        <p:nvSpPr>
+          <p:cNvPr id="74" name="CustomShape 4"/>
+          <p:cNvSpPr/>
+          <p:nvPr/>
+        </p:nvSpPr>
+        <p:spPr>
+          <a:xfrm>
+            <a:off x="504000" y="3353760"/>
+            <a:ext cx="836280" cy="313200"/>
+          </a:xfrm>
+          <a:custGeom>
+            <a:avLst/>
+            <a:gdLst/>
+            <a:ahLst/>
+            <a:rect l="l" t="t" r="r" b="b"/>
+            <a:pathLst>
+              <a:path w="2379" h="882">
+                <a:moveTo>
+                  <a:pt x="2350" y="444"/>
+                </a:moveTo>
+                <a:cubicBezTo>
+                  <a:pt x="2321" y="205"/>
+                  <a:pt x="2087" y="4"/>
+                  <a:pt x="1835" y="2"/>
+                </a:cubicBezTo>
+                <a:cubicBezTo>
+                  <a:pt x="1584" y="0"/>
+                  <a:pt x="1399" y="198"/>
+                  <a:pt x="1427" y="437"/>
+                </a:cubicBezTo>
+                <a:cubicBezTo>
+                  <a:pt x="1457" y="677"/>
+                  <a:pt x="1692" y="878"/>
+                  <a:pt x="1944" y="880"/>
+                </a:cubicBezTo>
+                <a:cubicBezTo>
+                  <a:pt x="2195" y="882"/>
+                  <a:pt x="2379" y="684"/>
+                  <a:pt x="2350" y="444"/>
+                </a:cubicBezTo>
+                <a:close/>
+                <a:moveTo>
+                  <a:pt x="2296" y="5"/>
+                </a:moveTo>
+                <a:lnTo>
+                  <a:pt x="2296" y="5"/>
+                </a:lnTo>
+                <a:close/>
+                <a:moveTo>
+                  <a:pt x="0" y="865"/>
+                </a:moveTo>
+                <a:lnTo>
+                  <a:pt x="0" y="865"/>
+                </a:lnTo>
+                <a:close/>
+              </a:path>
+            </a:pathLst>
+          </a:custGeom>
+          <a:solidFill>
+            <a:srgbClr val="8585ff"/>
+          </a:solidFill>
+          <a:ln w="9360">
+            <a:solidFill>
+              <a:srgbClr val="3465a4"/>
+            </a:solidFill>
+            <a:round/>
+          </a:ln>
+        </p:spPr>
+        <p:style>
+          <a:lnRef idx="0"/>
+          <a:fillRef idx="0"/>
+          <a:effectRef idx="0"/>
+          <a:fontRef idx="minor"/>
+        </p:style>
+      </p:sp>
+      <p:sp>
+        <p:nvSpPr>
+          <p:cNvPr id="75" name="CustomShape 5"/>
+          <p:cNvSpPr/>
+          <p:nvPr/>
+        </p:nvSpPr>
+        <p:spPr>
+          <a:xfrm>
+            <a:off x="4034520" y="2520360"/>
+            <a:ext cx="3815640" cy="1727640"/>
+          </a:xfrm>
+          <a:custGeom>
+            <a:avLst/>
+            <a:gdLst/>
+            <a:ahLst/>
+            <a:rect l="l" t="t" r="r" b="b"/>
+            <a:pathLst>
+              <a:path w="21600" h="21600">
+                <a:moveTo>
+                  <a:pt x="0" y="0"/>
+                </a:moveTo>
+                <a:lnTo>
+                  <a:pt x="21600" y="0"/>
+                </a:lnTo>
+                <a:lnTo>
+                  <a:pt x="21600" y="21600"/>
+                </a:lnTo>
+                <a:lnTo>
+                  <a:pt x="0" y="21600"/>
+                </a:lnTo>
+                <a:lnTo>
+                  <a:pt x="0" y="0"/>
+                </a:lnTo>
+                <a:close/>
+              </a:path>
+            </a:pathLst>
+          </a:custGeom>
+          <a:solidFill>
+            <a:srgbClr val="ffffcc"/>
+          </a:solidFill>
+          <a:ln>
+            <a:solidFill>
+              <a:srgbClr val="0066cc"/>
+            </a:solidFill>
+          </a:ln>
+        </p:spPr>
+        <p:style>
+          <a:lnRef idx="0"/>
+          <a:fillRef idx="0"/>
+          <a:effectRef idx="0"/>
+          <a:fontRef idx="minor"/>
+        </p:style>
+        <p:txBody>
+          <a:bodyPr lIns="90000" rIns="90000" tIns="60840" bIns="45000"/>
+          <a:p>
+            <a:pPr>
+              <a:lnSpc>
+                <a:spcPct val="93000"/>
+              </a:lnSpc>
+            </a:pPr>
+            <a:r>
+              <a:rPr b="0" lang="en-US" sz="1800" spc="-1" strike="noStrike">
+                <a:solidFill>
+                  <a:srgbClr val="000000"/>
+                </a:solidFill>
+                <a:uFill>
+                  <a:solidFill>
+                    <a:srgbClr val="ffffff"/>
+                  </a:solidFill>
+                </a:uFill>
+                <a:latin typeface="Arial"/>
+                <a:ea typeface="DejaVu Sans"/>
+              </a:rPr>
+              <a:t> </a:t>
+            </a:r>
+            <a:r>
+              <a:rPr b="0" lang="en-US" sz="1800" spc="-1" strike="noStrike">
+                <a:solidFill>
+                  <a:srgbClr val="000000"/>
+                </a:solidFill>
+                <a:uFill>
+                  <a:solidFill>
+                    <a:srgbClr val="ffffff"/>
+                  </a:solidFill>
+                </a:uFill>
+                <a:latin typeface="Arial"/>
+                <a:ea typeface="DejaVu Sans"/>
+              </a:rPr>
+              <a:t>Blockchain</a:t>
+            </a:r>
+            <a:endParaRPr b="0" lang="en-US" sz="1800" spc="-1" strike="noStrike">
+              <a:solidFill>
+                <a:srgbClr val="000000"/>
+              </a:solidFill>
+              <a:uFill>
+                <a:solidFill>
+                  <a:srgbClr val="ffffff"/>
+                </a:solidFill>
+              </a:uFill>
+              <a:latin typeface="Arial"/>
+            </a:endParaRPr>
+          </a:p>
+          <a:p>
+            <a:pPr>
+              <a:lnSpc>
+                <a:spcPct val="93000"/>
+              </a:lnSpc>
+            </a:pPr>
+            <a:r>
+              <a:rPr b="0" lang="en-US" sz="1300" spc="-1" strike="noStrike">
+                <a:solidFill>
+                  <a:srgbClr val="000000"/>
+                </a:solidFill>
+                <a:uFill>
+                  <a:solidFill>
+                    <a:srgbClr val="ffffff"/>
+                  </a:solidFill>
+                </a:uFill>
+                <a:latin typeface="Arial"/>
+                <a:ea typeface="DejaVu Sans"/>
+              </a:rPr>
+              <a:t>    </a:t>
+            </a:r>
+            <a:r>
+              <a:rPr b="0" lang="en-US" sz="1300" spc="-1" strike="noStrike">
+                <a:solidFill>
+                  <a:srgbClr val="000000"/>
+                </a:solidFill>
+                <a:uFill>
+                  <a:solidFill>
+                    <a:srgbClr val="ffffff"/>
+                  </a:solidFill>
+                </a:uFill>
+                <a:latin typeface="Arial"/>
+                <a:ea typeface="DejaVu Sans"/>
+              </a:rPr>
+              <a:t>minePendingTransactions</a:t>
+            </a:r>
+            <a:r>
+              <a:rPr b="0" lang="en-US" sz="1300" spc="-1" strike="noStrike">
+                <a:solidFill>
+                  <a:srgbClr val="000000"/>
+                </a:solidFill>
+                <a:uFill>
+                  <a:solidFill>
+                    <a:srgbClr val="ffffff"/>
+                  </a:solidFill>
+                </a:uFill>
+                <a:latin typeface="Arial"/>
+                <a:ea typeface="DejaVu Sans"/>
+              </a:rPr>
+              <a:t>関数</a:t>
+            </a:r>
+            <a:endParaRPr b="0" lang="en-US" sz="1800" spc="-1" strike="noStrike">
+              <a:solidFill>
+                <a:srgbClr val="000000"/>
+              </a:solidFill>
+              <a:uFill>
+                <a:solidFill>
+                  <a:srgbClr val="ffffff"/>
+                </a:solidFill>
+              </a:uFill>
+              <a:latin typeface="Arial"/>
+            </a:endParaRPr>
+          </a:p>
+          <a:p>
+            <a:pPr>
+              <a:lnSpc>
+                <a:spcPct val="93000"/>
+              </a:lnSpc>
+            </a:pPr>
+            <a:r>
+              <a:rPr b="0" lang="en-US" sz="1300" spc="-1" strike="noStrike">
+                <a:solidFill>
+                  <a:srgbClr val="000000"/>
+                </a:solidFill>
+                <a:uFill>
+                  <a:solidFill>
+                    <a:srgbClr val="ffffff"/>
+                  </a:solidFill>
+                </a:uFill>
+                <a:latin typeface="Arial"/>
+                <a:ea typeface="DejaVu Sans"/>
+              </a:rPr>
+              <a:t>       </a:t>
+            </a:r>
+            <a:r>
+              <a:rPr b="0" lang="en-US" sz="1300" spc="-1" strike="noStrike">
+                <a:solidFill>
+                  <a:srgbClr val="000000"/>
+                </a:solidFill>
+                <a:uFill>
+                  <a:solidFill>
+                    <a:srgbClr val="ffffff"/>
+                  </a:solidFill>
+                </a:uFill>
+                <a:latin typeface="Arial"/>
+                <a:ea typeface="DejaVu Sans"/>
+              </a:rPr>
+              <a:t>新たに</a:t>
+            </a:r>
+            <a:r>
+              <a:rPr b="0" lang="en-US" sz="1300" spc="-1" strike="noStrike">
+                <a:solidFill>
+                  <a:srgbClr val="000000"/>
+                </a:solidFill>
+                <a:uFill>
+                  <a:solidFill>
+                    <a:srgbClr val="ffffff"/>
+                  </a:solidFill>
+                </a:uFill>
+                <a:latin typeface="Arial"/>
+                <a:ea typeface="DejaVu Sans"/>
+              </a:rPr>
+              <a:t>block</a:t>
+            </a:r>
+            <a:r>
+              <a:rPr b="0" lang="en-US" sz="1300" spc="-1" strike="noStrike">
+                <a:solidFill>
+                  <a:srgbClr val="000000"/>
+                </a:solidFill>
+                <a:uFill>
+                  <a:solidFill>
+                    <a:srgbClr val="ffffff"/>
+                  </a:solidFill>
+                </a:uFill>
+                <a:latin typeface="Arial"/>
+                <a:ea typeface="DejaVu Sans"/>
+              </a:rPr>
+              <a:t>を定義し、マイニングし、</a:t>
+            </a:r>
+            <a:r>
+              <a:rPr b="0" lang="en-US" sz="1300" spc="-1" strike="noStrike">
+                <a:solidFill>
+                  <a:srgbClr val="000000"/>
+                </a:solidFill>
+                <a:uFill>
+                  <a:solidFill>
+                    <a:srgbClr val="ffffff"/>
+                  </a:solidFill>
+                </a:uFill>
+                <a:latin typeface="Arial"/>
+                <a:ea typeface="DejaVu Sans"/>
+              </a:rPr>
+              <a:t>block</a:t>
+            </a:r>
+            <a:r>
+              <a:rPr b="0" lang="en-US" sz="1300" spc="-1" strike="noStrike">
+                <a:solidFill>
+                  <a:srgbClr val="000000"/>
+                </a:solidFill>
+                <a:uFill>
+                  <a:solidFill>
+                    <a:srgbClr val="ffffff"/>
+                  </a:solidFill>
+                </a:uFill>
+                <a:latin typeface="Arial"/>
+                <a:ea typeface="DejaVu Sans"/>
+              </a:rPr>
+              <a:t>を生成する</a:t>
+            </a:r>
+            <a:endParaRPr b="0" lang="en-US" sz="1800" spc="-1" strike="noStrike">
+              <a:solidFill>
+                <a:srgbClr val="000000"/>
+              </a:solidFill>
+              <a:uFill>
+                <a:solidFill>
+                  <a:srgbClr val="ffffff"/>
+                </a:solidFill>
+              </a:uFill>
+              <a:latin typeface="Arial"/>
+            </a:endParaRPr>
+          </a:p>
+          <a:p>
+            <a:pPr>
+              <a:lnSpc>
+                <a:spcPct val="93000"/>
+              </a:lnSpc>
+            </a:pPr>
+            <a:r>
+              <a:rPr b="0" lang="en-US" sz="1300" spc="-1" strike="noStrike">
+                <a:solidFill>
+                  <a:srgbClr val="000000"/>
+                </a:solidFill>
+                <a:uFill>
+                  <a:solidFill>
+                    <a:srgbClr val="ffffff"/>
+                  </a:solidFill>
+                </a:uFill>
+                <a:latin typeface="Arial"/>
+                <a:ea typeface="DejaVu Sans"/>
+              </a:rPr>
+              <a:t> </a:t>
+            </a:r>
+            <a:endParaRPr b="0" lang="en-US" sz="1800" spc="-1" strike="noStrike">
+              <a:solidFill>
+                <a:srgbClr val="000000"/>
+              </a:solidFill>
+              <a:uFill>
+                <a:solidFill>
+                  <a:srgbClr val="ffffff"/>
+                </a:solidFill>
+              </a:uFill>
+              <a:latin typeface="Arial"/>
+            </a:endParaRPr>
+          </a:p>
+        </p:txBody>
+      </p:sp>
+      <p:sp>
+        <p:nvSpPr>
+          <p:cNvPr id="76" name="CustomShape 6"/>
+          <p:cNvSpPr/>
+          <p:nvPr/>
+        </p:nvSpPr>
+        <p:spPr>
+          <a:xfrm>
+            <a:off x="3746160" y="4320000"/>
+            <a:ext cx="1440000" cy="864000"/>
+          </a:xfrm>
+          <a:prstGeom prst="can">
+            <a:avLst>
+              <a:gd name="adj" fmla="val 5400"/>
+            </a:avLst>
+          </a:prstGeom>
+          <a:solidFill>
+            <a:srgbClr val="83caff"/>
+          </a:solidFill>
+          <a:ln>
+            <a:solidFill>
+              <a:srgbClr val="0066cc"/>
+            </a:solidFill>
+          </a:ln>
+        </p:spPr>
+        <p:style>
+          <a:lnRef idx="0"/>
+          <a:fillRef idx="0"/>
+          <a:effectRef idx="0"/>
+          <a:fontRef idx="minor"/>
+        </p:style>
+        <p:txBody>
+          <a:bodyPr wrap="none" lIns="90000" rIns="90000" tIns="45000" bIns="45000" anchor="ctr"/>
+          <a:p>
+            <a:pPr algn="ctr"/>
+            <a:r>
+              <a:rPr b="0" lang="en-US" sz="1800" spc="-1" strike="noStrike">
+                <a:solidFill>
+                  <a:srgbClr val="000000"/>
+                </a:solidFill>
+                <a:uFill>
+                  <a:solidFill>
+                    <a:srgbClr val="ffffff"/>
+                  </a:solidFill>
+                </a:uFill>
+                <a:latin typeface="Arial"/>
+              </a:rPr>
+              <a:t>g_Pending</a:t>
+            </a:r>
+            <a:endParaRPr b="0" lang="en-US" sz="1800" spc="-1" strike="noStrike">
+              <a:solidFill>
+                <a:srgbClr val="000000"/>
+              </a:solidFill>
+              <a:uFill>
+                <a:solidFill>
+                  <a:srgbClr val="ffffff"/>
+                </a:solidFill>
+              </a:uFill>
+              <a:latin typeface="Arial"/>
+            </a:endParaRPr>
+          </a:p>
+          <a:p>
+            <a:pPr algn="ctr"/>
+            <a:r>
+              <a:rPr b="0" lang="en-US" sz="1800" spc="-1" strike="noStrike">
+                <a:solidFill>
+                  <a:srgbClr val="000000"/>
+                </a:solidFill>
+                <a:uFill>
+                  <a:solidFill>
+                    <a:srgbClr val="ffffff"/>
+                  </a:solidFill>
+                </a:uFill>
+                <a:latin typeface="Arial"/>
+              </a:rPr>
+              <a:t>Transactions</a:t>
+            </a:r>
+            <a:endParaRPr b="0" lang="en-US" sz="1800" spc="-1" strike="noStrike">
+              <a:solidFill>
+                <a:srgbClr val="000000"/>
+              </a:solidFill>
+              <a:uFill>
+                <a:solidFill>
+                  <a:srgbClr val="ffffff"/>
+                </a:solidFill>
+              </a:uFill>
+              <a:latin typeface="Arial"/>
+            </a:endParaRPr>
+          </a:p>
+        </p:txBody>
+      </p:sp>
+      <p:sp>
+        <p:nvSpPr>
+          <p:cNvPr id="77" name="CustomShape 7"/>
+          <p:cNvSpPr/>
+          <p:nvPr/>
+        </p:nvSpPr>
+        <p:spPr>
+          <a:xfrm>
+            <a:off x="1586160" y="4392000"/>
+            <a:ext cx="1224000" cy="360000"/>
+          </a:xfrm>
+          <a:prstGeom prst="can">
+            <a:avLst>
+              <a:gd name="adj" fmla="val 5400"/>
+            </a:avLst>
+          </a:prstGeom>
+          <a:solidFill>
+            <a:srgbClr val="83caff"/>
+          </a:solidFill>
+          <a:ln>
+            <a:solidFill>
+              <a:srgbClr val="0066cc"/>
+            </a:solidFill>
+          </a:ln>
+        </p:spPr>
+        <p:style>
+          <a:lnRef idx="0"/>
+          <a:fillRef idx="0"/>
+          <a:effectRef idx="0"/>
+          <a:fontRef idx="minor"/>
+        </p:style>
+        <p:txBody>
+          <a:bodyPr wrap="none" lIns="90000" rIns="90000" tIns="45000" bIns="45000" anchor="ctr"/>
+          <a:p>
+            <a:pPr algn="ctr"/>
+            <a:r>
+              <a:rPr b="0" lang="en-US" sz="1800" spc="-1" strike="noStrike">
+                <a:solidFill>
+                  <a:srgbClr val="000000"/>
+                </a:solidFill>
+                <a:uFill>
+                  <a:solidFill>
+                    <a:srgbClr val="ffffff"/>
+                  </a:solidFill>
+                </a:uFill>
+                <a:latin typeface="Arial"/>
+              </a:rPr>
+              <a:t>Transaction</a:t>
+            </a:r>
+            <a:endParaRPr b="0" lang="en-US" sz="1800" spc="-1" strike="noStrike">
+              <a:solidFill>
+                <a:srgbClr val="000000"/>
+              </a:solidFill>
+              <a:uFill>
+                <a:solidFill>
+                  <a:srgbClr val="ffffff"/>
+                </a:solidFill>
+              </a:uFill>
+              <a:latin typeface="Arial"/>
+            </a:endParaRPr>
+          </a:p>
+        </p:txBody>
+      </p:sp>
+      <p:sp>
+        <p:nvSpPr>
+          <p:cNvPr id="78" name="CustomShape 8"/>
+          <p:cNvSpPr/>
+          <p:nvPr/>
+        </p:nvSpPr>
+        <p:spPr>
+          <a:xfrm>
+            <a:off x="8066160" y="2664000"/>
+            <a:ext cx="1512000" cy="360000"/>
+          </a:xfrm>
+          <a:prstGeom prst="can">
+            <a:avLst>
+              <a:gd name="adj" fmla="val 5400"/>
+            </a:avLst>
+          </a:prstGeom>
+          <a:solidFill>
+            <a:srgbClr val="83caff"/>
+          </a:solidFill>
+          <a:ln>
+            <a:solidFill>
+              <a:srgbClr val="0066cc"/>
+            </a:solidFill>
+          </a:ln>
+        </p:spPr>
+        <p:style>
+          <a:lnRef idx="0"/>
+          <a:fillRef idx="0"/>
+          <a:effectRef idx="0"/>
+          <a:fontRef idx="minor"/>
+        </p:style>
+        <p:txBody>
+          <a:bodyPr wrap="none" lIns="90000" rIns="90000" tIns="45000" bIns="45000" anchor="ctr"/>
+          <a:p>
+            <a:pPr algn="ctr"/>
+            <a:r>
+              <a:rPr b="0" lang="en-US" sz="1800" spc="-1" strike="noStrike">
+                <a:solidFill>
+                  <a:srgbClr val="000000"/>
+                </a:solidFill>
+                <a:uFill>
+                  <a:solidFill>
+                    <a:srgbClr val="ffffff"/>
+                  </a:solidFill>
+                </a:uFill>
+                <a:latin typeface="Arial"/>
+              </a:rPr>
+              <a:t>Block 0</a:t>
+            </a:r>
+            <a:endParaRPr b="0" lang="en-US" sz="1800" spc="-1" strike="noStrike">
+              <a:solidFill>
+                <a:srgbClr val="000000"/>
+              </a:solidFill>
+              <a:uFill>
+                <a:solidFill>
+                  <a:srgbClr val="ffffff"/>
+                </a:solidFill>
+              </a:uFill>
+              <a:latin typeface="Arial"/>
+            </a:endParaRPr>
+          </a:p>
+        </p:txBody>
+      </p:sp>
+      <p:sp>
+        <p:nvSpPr>
+          <p:cNvPr id="79" name="CustomShape 9"/>
+          <p:cNvSpPr/>
+          <p:nvPr/>
+        </p:nvSpPr>
+        <p:spPr>
+          <a:xfrm>
+            <a:off x="8066160" y="3096000"/>
+            <a:ext cx="1512000" cy="360000"/>
+          </a:xfrm>
+          <a:prstGeom prst="can">
+            <a:avLst>
+              <a:gd name="adj" fmla="val 5400"/>
+            </a:avLst>
+          </a:prstGeom>
+          <a:solidFill>
+            <a:srgbClr val="83caff"/>
+          </a:solidFill>
+          <a:ln>
+            <a:solidFill>
+              <a:srgbClr val="0066cc"/>
+            </a:solidFill>
+          </a:ln>
+        </p:spPr>
+        <p:style>
+          <a:lnRef idx="0"/>
+          <a:fillRef idx="0"/>
+          <a:effectRef idx="0"/>
+          <a:fontRef idx="minor"/>
+        </p:style>
+        <p:txBody>
+          <a:bodyPr wrap="none" lIns="90000" rIns="90000" tIns="45000" bIns="45000" anchor="ctr"/>
+          <a:p>
+            <a:pPr algn="ctr"/>
+            <a:r>
+              <a:rPr b="0" lang="en-US" sz="1800" spc="-1" strike="noStrike">
+                <a:solidFill>
+                  <a:srgbClr val="000000"/>
+                </a:solidFill>
+                <a:uFill>
+                  <a:solidFill>
+                    <a:srgbClr val="ffffff"/>
+                  </a:solidFill>
+                </a:uFill>
+                <a:latin typeface="Arial"/>
+              </a:rPr>
+              <a:t>Block 1</a:t>
+            </a:r>
+            <a:endParaRPr b="0" lang="en-US" sz="1800" spc="-1" strike="noStrike">
+              <a:solidFill>
+                <a:srgbClr val="000000"/>
+              </a:solidFill>
+              <a:uFill>
+                <a:solidFill>
+                  <a:srgbClr val="ffffff"/>
+                </a:solidFill>
+              </a:uFill>
+              <a:latin typeface="Arial"/>
+            </a:endParaRPr>
+          </a:p>
+        </p:txBody>
+      </p:sp>
+      <p:sp>
+        <p:nvSpPr>
+          <p:cNvPr id="80" name="CustomShape 10"/>
+          <p:cNvSpPr/>
+          <p:nvPr/>
+        </p:nvSpPr>
+        <p:spPr>
+          <a:xfrm>
+            <a:off x="8066160" y="3600000"/>
+            <a:ext cx="1512000" cy="360000"/>
+          </a:xfrm>
+          <a:prstGeom prst="can">
+            <a:avLst>
+              <a:gd name="adj" fmla="val 5400"/>
+            </a:avLst>
+          </a:prstGeom>
+          <a:solidFill>
+            <a:srgbClr val="83caff"/>
+          </a:solidFill>
+          <a:ln>
+            <a:solidFill>
+              <a:srgbClr val="0066cc"/>
+            </a:solidFill>
+          </a:ln>
+        </p:spPr>
+        <p:style>
+          <a:lnRef idx="0"/>
+          <a:fillRef idx="0"/>
+          <a:effectRef idx="0"/>
+          <a:fontRef idx="minor"/>
+        </p:style>
+        <p:txBody>
+          <a:bodyPr wrap="none" lIns="90000" rIns="90000" tIns="45000" bIns="45000" anchor="ctr"/>
+          <a:p>
+            <a:pPr algn="ctr"/>
+            <a:r>
+              <a:rPr b="0" lang="en-US" sz="1800" spc="-1" strike="noStrike">
+                <a:solidFill>
+                  <a:srgbClr val="000000"/>
+                </a:solidFill>
+                <a:uFill>
+                  <a:solidFill>
+                    <a:srgbClr val="ffffff"/>
+                  </a:solidFill>
+                </a:uFill>
+                <a:latin typeface="Arial"/>
+              </a:rPr>
+              <a:t>Block 2</a:t>
+            </a:r>
+            <a:endParaRPr b="0" lang="en-US" sz="1800" spc="-1" strike="noStrike">
+              <a:solidFill>
+                <a:srgbClr val="000000"/>
+              </a:solidFill>
+              <a:uFill>
+                <a:solidFill>
+                  <a:srgbClr val="ffffff"/>
+                </a:solidFill>
+              </a:uFill>
+              <a:latin typeface="Arial"/>
+            </a:endParaRPr>
+          </a:p>
+        </p:txBody>
+      </p:sp>
+      <p:sp>
+        <p:nvSpPr>
+          <p:cNvPr id="81" name="TextShape 11"/>
+          <p:cNvSpPr txBox="1"/>
+          <p:nvPr/>
+        </p:nvSpPr>
+        <p:spPr>
+          <a:xfrm>
+            <a:off x="8786160" y="4104000"/>
+            <a:ext cx="244800" cy="1114200"/>
+          </a:xfrm>
+          <a:prstGeom prst="rect">
+            <a:avLst/>
+          </a:prstGeom>
+          <a:noFill/>
+          <a:ln>
+            <a:noFill/>
+          </a:ln>
+        </p:spPr>
+        <p:txBody>
+          <a:bodyPr lIns="90000" rIns="90000" tIns="45000" bIns="45000"/>
+          <a:p>
+            <a:r>
+              <a:rPr b="0" lang="en-US" sz="1800" spc="-1" strike="noStrike">
+                <a:solidFill>
+                  <a:srgbClr val="000000"/>
+                </a:solidFill>
+                <a:uFill>
+                  <a:solidFill>
+                    <a:srgbClr val="ffffff"/>
+                  </a:solidFill>
+                </a:uFill>
+                <a:latin typeface="Arial"/>
+              </a:rPr>
+              <a:t>.</a:t>
+            </a:r>
+            <a:endParaRPr b="0" lang="en-US" sz="1800" spc="-1" strike="noStrike">
+              <a:solidFill>
+                <a:srgbClr val="000000"/>
+              </a:solidFill>
+              <a:uFill>
+                <a:solidFill>
+                  <a:srgbClr val="ffffff"/>
+                </a:solidFill>
+              </a:uFill>
+              <a:latin typeface="Arial"/>
+            </a:endParaRPr>
+          </a:p>
+          <a:p>
+            <a:r>
+              <a:rPr b="0" lang="en-US" sz="1800" spc="-1" strike="noStrike">
+                <a:solidFill>
+                  <a:srgbClr val="000000"/>
+                </a:solidFill>
+                <a:uFill>
+                  <a:solidFill>
+                    <a:srgbClr val="ffffff"/>
+                  </a:solidFill>
+                </a:uFill>
+                <a:latin typeface="Arial"/>
+              </a:rPr>
+              <a:t>.</a:t>
+            </a:r>
+            <a:endParaRPr b="0" lang="en-US" sz="1800" spc="-1" strike="noStrike">
+              <a:solidFill>
+                <a:srgbClr val="000000"/>
+              </a:solidFill>
+              <a:uFill>
+                <a:solidFill>
+                  <a:srgbClr val="ffffff"/>
+                </a:solidFill>
+              </a:uFill>
+              <a:latin typeface="Arial"/>
+            </a:endParaRPr>
+          </a:p>
+          <a:p>
+            <a:r>
+              <a:rPr b="0" lang="en-US" sz="1800" spc="-1" strike="noStrike">
+                <a:solidFill>
+                  <a:srgbClr val="000000"/>
+                </a:solidFill>
+                <a:uFill>
+                  <a:solidFill>
+                    <a:srgbClr val="ffffff"/>
+                  </a:solidFill>
+                </a:uFill>
+                <a:latin typeface="Arial"/>
+              </a:rPr>
+              <a:t>.</a:t>
+            </a:r>
+            <a:endParaRPr b="0" lang="en-US" sz="1800" spc="-1" strike="noStrike">
+              <a:solidFill>
+                <a:srgbClr val="000000"/>
+              </a:solidFill>
+              <a:uFill>
+                <a:solidFill>
+                  <a:srgbClr val="ffffff"/>
+                </a:solidFill>
+              </a:uFill>
+              <a:latin typeface="Arial"/>
+            </a:endParaRPr>
+          </a:p>
+          <a:p>
+            <a:endParaRPr b="0" lang="en-US" sz="1800" spc="-1" strike="noStrike">
+              <a:solidFill>
+                <a:srgbClr val="000000"/>
+              </a:solidFill>
+              <a:uFill>
+                <a:solidFill>
+                  <a:srgbClr val="ffffff"/>
+                </a:solidFill>
+              </a:uFill>
+              <a:latin typeface="Arial"/>
+            </a:endParaRPr>
+          </a:p>
+        </p:txBody>
+      </p:sp>
+      <p:sp>
+        <p:nvSpPr>
+          <p:cNvPr id="82" name="CustomShape 12"/>
+          <p:cNvSpPr/>
+          <p:nvPr/>
+        </p:nvSpPr>
+        <p:spPr>
+          <a:xfrm>
+            <a:off x="8138160" y="4752000"/>
+            <a:ext cx="1440000" cy="360000"/>
+          </a:xfrm>
+          <a:prstGeom prst="can">
+            <a:avLst>
+              <a:gd name="adj" fmla="val 5400"/>
+            </a:avLst>
+          </a:prstGeom>
+          <a:solidFill>
+            <a:srgbClr val="83caff"/>
+          </a:solidFill>
+          <a:ln>
+            <a:solidFill>
+              <a:srgbClr val="0066cc"/>
+            </a:solidFill>
+          </a:ln>
+        </p:spPr>
+        <p:style>
+          <a:lnRef idx="0"/>
+          <a:fillRef idx="0"/>
+          <a:effectRef idx="0"/>
+          <a:fontRef idx="minor"/>
+        </p:style>
+        <p:txBody>
+          <a:bodyPr wrap="none" lIns="90000" rIns="90000" tIns="45000" bIns="45000" anchor="ctr"/>
+          <a:p>
+            <a:pPr algn="ctr"/>
+            <a:r>
+              <a:rPr b="0" lang="en-US" sz="1800" spc="-1" strike="noStrike">
+                <a:solidFill>
+                  <a:srgbClr val="000000"/>
+                </a:solidFill>
+                <a:uFill>
+                  <a:solidFill>
+                    <a:srgbClr val="ffffff"/>
+                  </a:solidFill>
+                </a:uFill>
+                <a:latin typeface="Arial"/>
+              </a:rPr>
+              <a:t>Block n</a:t>
+            </a:r>
+            <a:endParaRPr b="0" lang="en-US" sz="1800" spc="-1" strike="noStrike">
+              <a:solidFill>
+                <a:srgbClr val="000000"/>
+              </a:solidFill>
+              <a:uFill>
+                <a:solidFill>
+                  <a:srgbClr val="ffffff"/>
+                </a:solidFill>
+              </a:uFill>
+              <a:latin typeface="Arial"/>
+            </a:endParaRPr>
+          </a:p>
+        </p:txBody>
+      </p:sp>
+      <p:sp>
+        <p:nvSpPr>
+          <p:cNvPr id="83" name="CustomShape 13"/>
+          <p:cNvSpPr/>
+          <p:nvPr/>
+        </p:nvSpPr>
+        <p:spPr>
+          <a:xfrm>
+            <a:off x="7994160" y="4536000"/>
+            <a:ext cx="1728000" cy="648000"/>
+          </a:xfrm>
+          <a:prstGeom prst="rect">
+            <a:avLst/>
+          </a:prstGeom>
+          <a:noFill/>
+          <a:ln>
+            <a:solidFill>
+              <a:srgbClr val="0066cc"/>
+            </a:solidFill>
+          </a:ln>
+        </p:spPr>
+        <p:style>
+          <a:lnRef idx="0"/>
+          <a:fillRef idx="0"/>
+          <a:effectRef idx="0"/>
+          <a:fontRef idx="minor"/>
+        </p:style>
+      </p:sp>
+      <p:sp>
+        <p:nvSpPr>
+          <p:cNvPr id="84" name="TextShape 14"/>
+          <p:cNvSpPr txBox="1"/>
+          <p:nvPr/>
+        </p:nvSpPr>
+        <p:spPr>
+          <a:xfrm>
+            <a:off x="504000" y="1152000"/>
+            <a:ext cx="2736000" cy="576000"/>
+          </a:xfrm>
+          <a:prstGeom prst="rect">
+            <a:avLst/>
+          </a:prstGeom>
+          <a:noFill/>
+          <a:ln>
+            <a:noFill/>
+          </a:ln>
+        </p:spPr>
+        <p:txBody>
+          <a:bodyPr lIns="90000" rIns="90000" tIns="45000" bIns="45000"/>
+          <a:p>
+            <a:r>
+              <a:rPr b="0" lang="en-US" sz="1800" spc="-1" strike="noStrike">
+                <a:solidFill>
+                  <a:srgbClr val="000000"/>
+                </a:solidFill>
+                <a:uFill>
+                  <a:solidFill>
+                    <a:srgbClr val="ffffff"/>
+                  </a:solidFill>
+                </a:uFill>
+                <a:latin typeface="Arial"/>
+              </a:rPr>
+              <a:t>mining_s.js</a:t>
+            </a:r>
+            <a:r>
+              <a:rPr b="0" lang="en-US" sz="1800" spc="-1" strike="noStrike">
+                <a:solidFill>
+                  <a:srgbClr val="000000"/>
+                </a:solidFill>
+                <a:uFill>
+                  <a:solidFill>
+                    <a:srgbClr val="ffffff"/>
+                  </a:solidFill>
+                </a:uFill>
+                <a:latin typeface="Arial"/>
+              </a:rPr>
+              <a:t>の</a:t>
+            </a:r>
+            <a:r>
+              <a:rPr b="0" lang="en-US" sz="1800" spc="-1" strike="noStrike">
+                <a:solidFill>
+                  <a:srgbClr val="000000"/>
+                </a:solidFill>
+                <a:uFill>
+                  <a:solidFill>
+                    <a:srgbClr val="ffffff"/>
+                  </a:solidFill>
+                </a:uFill>
+                <a:latin typeface="Arial"/>
+              </a:rPr>
+              <a:t>処理</a:t>
+            </a:r>
+            <a:endParaRPr b="0" lang="en-US" sz="1800" spc="-1" strike="noStrike">
+              <a:solidFill>
+                <a:srgbClr val="000000"/>
+              </a:solidFill>
+              <a:uFill>
+                <a:solidFill>
+                  <a:srgbClr val="ffffff"/>
+                </a:solidFill>
+              </a:uFill>
+              <a:latin typeface="Arial"/>
+            </a:endParaRPr>
+          </a:p>
+        </p:txBody>
+      </p:sp>
+      <p:sp>
+        <p:nvSpPr>
+          <p:cNvPr id="85" name="CustomShape 15"/>
+          <p:cNvSpPr/>
+          <p:nvPr/>
+        </p:nvSpPr>
+        <p:spPr>
+          <a:xfrm>
+            <a:off x="1154520" y="1584360"/>
+            <a:ext cx="6695640" cy="864000"/>
+          </a:xfrm>
+          <a:custGeom>
+            <a:avLst/>
+            <a:gdLst/>
+            <a:ahLst/>
+            <a:rect l="l" t="t" r="r" b="b"/>
+            <a:pathLst>
+              <a:path w="21600" h="21600">
+                <a:moveTo>
+                  <a:pt x="0" y="0"/>
+                </a:moveTo>
+                <a:lnTo>
+                  <a:pt x="21600" y="0"/>
+                </a:lnTo>
+                <a:lnTo>
+                  <a:pt x="21600" y="21600"/>
+                </a:lnTo>
+                <a:lnTo>
+                  <a:pt x="0" y="21600"/>
+                </a:lnTo>
+                <a:lnTo>
+                  <a:pt x="0" y="0"/>
+                </a:lnTo>
+                <a:close/>
+              </a:path>
+            </a:pathLst>
+          </a:custGeom>
+          <a:solidFill>
+            <a:srgbClr val="ffffcc"/>
+          </a:solidFill>
+          <a:ln>
+            <a:solidFill>
+              <a:srgbClr val="0066cc"/>
+            </a:solidFill>
+          </a:ln>
+        </p:spPr>
+        <p:style>
+          <a:lnRef idx="0"/>
+          <a:fillRef idx="0"/>
+          <a:effectRef idx="0"/>
+          <a:fontRef idx="minor"/>
+        </p:style>
+        <p:txBody>
+          <a:bodyPr lIns="90000" rIns="90000" tIns="60840" bIns="45000"/>
+          <a:p>
+            <a:pPr>
+              <a:lnSpc>
+                <a:spcPct val="93000"/>
+              </a:lnSpc>
+            </a:pPr>
+            <a:r>
+              <a:rPr b="0" lang="en-US" sz="1800" spc="-1" strike="noStrike">
+                <a:solidFill>
+                  <a:srgbClr val="000000"/>
+                </a:solidFill>
+                <a:uFill>
+                  <a:solidFill>
+                    <a:srgbClr val="ffffff"/>
+                  </a:solidFill>
+                </a:uFill>
+                <a:latin typeface="Arial"/>
+                <a:ea typeface="DejaVu Sans"/>
+              </a:rPr>
+              <a:t>mining_main</a:t>
+            </a:r>
+            <a:r>
+              <a:rPr b="0" lang="en-US" sz="1800" spc="-1" strike="noStrike">
+                <a:solidFill>
+                  <a:srgbClr val="000000"/>
+                </a:solidFill>
+                <a:uFill>
+                  <a:solidFill>
+                    <a:srgbClr val="ffffff"/>
+                  </a:solidFill>
+                </a:uFill>
+                <a:latin typeface="Arial"/>
+                <a:ea typeface="DejaVu Sans"/>
+              </a:rPr>
+              <a:t>関数（常駐プロセス）</a:t>
+            </a:r>
+            <a:endParaRPr b="0" lang="en-US" sz="1800" spc="-1" strike="noStrike">
+              <a:solidFill>
+                <a:srgbClr val="000000"/>
+              </a:solidFill>
+              <a:uFill>
+                <a:solidFill>
+                  <a:srgbClr val="ffffff"/>
+                </a:solidFill>
+              </a:uFill>
+              <a:latin typeface="Arial"/>
+            </a:endParaRPr>
+          </a:p>
+          <a:p>
+            <a:pPr>
+              <a:lnSpc>
+                <a:spcPct val="93000"/>
+              </a:lnSpc>
+            </a:pPr>
+            <a:r>
+              <a:rPr b="0" lang="en-US" sz="1800" spc="-1" strike="noStrike">
+                <a:solidFill>
+                  <a:srgbClr val="000000"/>
+                </a:solidFill>
+                <a:uFill>
+                  <a:solidFill>
+                    <a:srgbClr val="ffffff"/>
+                  </a:solidFill>
+                </a:uFill>
+                <a:latin typeface="Arial"/>
+                <a:ea typeface="DejaVu Sans"/>
+              </a:rPr>
+              <a:t>　　以下の２関数を操作 </a:t>
+            </a:r>
+            <a:endParaRPr b="0" lang="en-US" sz="1800" spc="-1" strike="noStrike">
+              <a:solidFill>
+                <a:srgbClr val="000000"/>
+              </a:solidFill>
+              <a:uFill>
+                <a:solidFill>
+                  <a:srgbClr val="ffffff"/>
+                </a:solidFill>
+              </a:uFill>
+              <a:latin typeface="Arial"/>
+            </a:endParaRPr>
+          </a:p>
+          <a:p>
+            <a:pPr>
+              <a:lnSpc>
+                <a:spcPct val="93000"/>
+              </a:lnSpc>
+            </a:pPr>
+            <a:r>
+              <a:rPr b="0" lang="en-US" sz="1300" spc="-1" strike="noStrike">
+                <a:solidFill>
+                  <a:srgbClr val="000000"/>
+                </a:solidFill>
+                <a:uFill>
+                  <a:solidFill>
+                    <a:srgbClr val="ffffff"/>
+                  </a:solidFill>
+                </a:uFill>
+                <a:latin typeface="Arial"/>
+                <a:ea typeface="DejaVu Sans"/>
+              </a:rPr>
+              <a:t> </a:t>
+            </a:r>
+            <a:endParaRPr b="0" lang="en-US" sz="1800" spc="-1" strike="noStrike">
+              <a:solidFill>
+                <a:srgbClr val="000000"/>
+              </a:solidFill>
+              <a:uFill>
+                <a:solidFill>
+                  <a:srgbClr val="ffffff"/>
+                </a:solidFill>
+              </a:uFill>
+              <a:latin typeface="Arial"/>
+            </a:endParaRPr>
+          </a:p>
+        </p:txBody>
+      </p:sp>
+    </p:spTree>
+  </p:cSld>
+  <p:timing>
+    <p:tnLst>
+      <p:par>
+        <p:cTn id="7" dur="indefinite" restart="never" nodeType="tmRoot">
+          <p:childTnLst>
+            <p:seq>
+              <p:cTn id="8" nodeType="mainSeq"/>
               <p:prevCondLst>
                 <p:cond delay="0" evt="onPrev">
                   <p:tgtEl>
